--- a/STS3022 Soft Skills/reference materials/face /15_Circular_Permutations.pptx
+++ b/STS3022 Soft Skills/reference materials/face /15_Circular_Permutations.pptx
@@ -5,7 +5,7 @@
     <p:sldMasterId id="2147483648" r:id="rId1"/>
   </p:sldMasterIdLst>
   <p:notesMasterIdLst>
-    <p:notesMasterId r:id="rId26"/>
+    <p:notesMasterId r:id="rId24"/>
   </p:notesMasterIdLst>
   <p:sldIdLst>
     <p:sldId id="272" r:id="rId2"/>
@@ -18,44 +18,40 @@
     <p:sldId id="290" r:id="rId9"/>
     <p:sldId id="334" r:id="rId10"/>
     <p:sldId id="330" r:id="rId11"/>
-    <p:sldId id="335" r:id="rId12"/>
-    <p:sldId id="329" r:id="rId13"/>
-    <p:sldId id="328" r:id="rId14"/>
-    <p:sldId id="331" r:id="rId15"/>
-    <p:sldId id="336" r:id="rId16"/>
-    <p:sldId id="314" r:id="rId17"/>
-    <p:sldId id="321" r:id="rId18"/>
-    <p:sldId id="322" r:id="rId19"/>
-    <p:sldId id="323" r:id="rId20"/>
-    <p:sldId id="333" r:id="rId21"/>
-    <p:sldId id="324" r:id="rId22"/>
-    <p:sldId id="325" r:id="rId23"/>
-    <p:sldId id="326" r:id="rId24"/>
-    <p:sldId id="289" r:id="rId25"/>
+    <p:sldId id="329" r:id="rId12"/>
+    <p:sldId id="328" r:id="rId13"/>
+    <p:sldId id="331" r:id="rId14"/>
+    <p:sldId id="314" r:id="rId15"/>
+    <p:sldId id="321" r:id="rId16"/>
+    <p:sldId id="322" r:id="rId17"/>
+    <p:sldId id="323" r:id="rId18"/>
+    <p:sldId id="333" r:id="rId19"/>
+    <p:sldId id="324" r:id="rId20"/>
+    <p:sldId id="325" r:id="rId21"/>
+    <p:sldId id="326" r:id="rId22"/>
+    <p:sldId id="289" r:id="rId23"/>
   </p:sldIdLst>
   <p:sldSz cx="12192000" cy="6858000"/>
   <p:notesSz cx="6858000" cy="9144000"/>
   <p:embeddedFontLst>
     <p:embeddedFont>
-      <p:font typeface="Calibri" panose="020F0502020204030204" pitchFamily="34" charset="0"/>
-      <p:regular r:id="rId27"/>
-      <p:bold r:id="rId28"/>
-      <p:italic r:id="rId29"/>
+      <p:font typeface="Nunito Sans" panose="00000500000000000000" pitchFamily="2" charset="0"/>
+      <p:regular r:id="rId25"/>
+      <p:bold r:id="rId26"/>
+      <p:italic r:id="rId27"/>
+      <p:boldItalic r:id="rId28"/>
+    </p:embeddedFont>
+    <p:embeddedFont>
+      <p:font typeface="Nunito Sans SemiBold" panose="00000700000000000000" pitchFamily="2" charset="0"/>
+      <p:bold r:id="rId29"/>
       <p:boldItalic r:id="rId30"/>
     </p:embeddedFont>
     <p:embeddedFont>
-      <p:font typeface="Nunito Sans" pitchFamily="2" charset="77"/>
+      <p:font typeface="Calibri" panose="020F0502020204030204" pitchFamily="34" charset="0"/>
       <p:regular r:id="rId31"/>
       <p:bold r:id="rId32"/>
       <p:italic r:id="rId33"/>
       <p:boldItalic r:id="rId34"/>
-    </p:embeddedFont>
-    <p:embeddedFont>
-      <p:font typeface="Nunito Sans SemiBold" panose="020F0502020204030204" pitchFamily="34" charset="0"/>
-      <p:regular r:id="rId35"/>
-      <p:bold r:id="rId36"/>
-      <p:italic r:id="rId37"/>
-      <p:boldItalic r:id="rId38"/>
     </p:embeddedFont>
   </p:embeddedFontLst>
   <p:defaultTextStyle>
@@ -257,7 +253,7 @@
           <a:p>
             <a:fld id="{A499A3E1-D0AF-40CA-9CA4-BE00645EFE64}" type="datetimeFigureOut">
               <a:rPr lang="en-US" smtClean="0"/>
-              <a:t>3/29/22</a:t>
+              <a:t>12/16/2019</a:t>
             </a:fld>
             <a:endParaRPr lang="en-US"/>
           </a:p>
@@ -653,7 +649,7 @@
           <a:lstStyle/>
           <a:p>
             <a:r>
-              <a:rPr lang="en-US" sz="1200" b="1" i="0" kern="1200" dirty="0">
+              <a:rPr lang="en-US" sz="1200" b="1" i="0" kern="1200" dirty="0" smtClean="0">
                 <a:solidFill>
                   <a:schemeClr val="tx1"/>
                 </a:solidFill>
@@ -667,7 +663,7 @@
           </a:p>
           <a:p>
             <a:r>
-              <a:rPr lang="en-US" sz="1200" b="0" i="0" kern="1200" dirty="0">
+              <a:rPr lang="en-US" sz="1200" b="0" i="0" kern="1200" dirty="0" smtClean="0">
                 <a:solidFill>
                   <a:schemeClr val="tx1"/>
                 </a:solidFill>
@@ -679,7 +675,7 @@
               <a:t>Total ways =</a:t>
             </a:r>
             <a:r>
-              <a:rPr lang="en-US" sz="1200" b="1" i="0" kern="1200" dirty="0">
+              <a:rPr lang="en-US" sz="1200" b="1" i="0" kern="1200" dirty="0" smtClean="0">
                 <a:solidFill>
                   <a:schemeClr val="tx1"/>
                 </a:solidFill>
@@ -691,7 +687,7 @@
               <a:t> 19 C</a:t>
             </a:r>
             <a:r>
-              <a:rPr lang="en-US" sz="1200" b="1" i="0" kern="1200" baseline="-25000" dirty="0">
+              <a:rPr lang="en-US" sz="1200" b="1" i="0" kern="1200" baseline="-25000" dirty="0" smtClean="0">
                 <a:solidFill>
                   <a:schemeClr val="tx1"/>
                 </a:solidFill>
@@ -703,7 +699,7 @@
               <a:t>10</a:t>
             </a:r>
             <a:r>
-              <a:rPr lang="en-US" sz="1200" b="1" i="0" kern="1200" dirty="0">
+              <a:rPr lang="en-US" sz="1200" b="1" i="0" kern="1200" dirty="0" smtClean="0">
                 <a:solidFill>
                   <a:schemeClr val="tx1"/>
                 </a:solidFill>
@@ -798,7 +794,7 @@
           <a:lstStyle/>
           <a:p>
             <a:r>
-              <a:rPr lang="en-US" sz="1200" b="1" i="0" kern="1200" dirty="0">
+              <a:rPr lang="en-US" sz="1200" b="1" i="0" kern="1200" dirty="0" smtClean="0">
                 <a:solidFill>
                   <a:schemeClr val="tx1"/>
                 </a:solidFill>
@@ -812,7 +808,7 @@
           </a:p>
           <a:p>
             <a:r>
-              <a:rPr lang="en-US" sz="1200" b="0" i="0" kern="1200" dirty="0">
+              <a:rPr lang="en-US" sz="1200" b="0" i="0" kern="1200" dirty="0" smtClean="0">
                 <a:solidFill>
                   <a:schemeClr val="tx1"/>
                 </a:solidFill>
@@ -824,7 +820,7 @@
               <a:t>The ways of selecting 12 people from 25 people is 25C</a:t>
             </a:r>
             <a:r>
-              <a:rPr lang="en-US" sz="1200" b="0" i="0" kern="1200" baseline="-25000" dirty="0">
+              <a:rPr lang="en-US" sz="1200" b="0" i="0" kern="1200" baseline="-25000" dirty="0" smtClean="0">
                 <a:solidFill>
                   <a:schemeClr val="tx1"/>
                 </a:solidFill>
@@ -836,7 +832,7 @@
               <a:t>12</a:t>
             </a:r>
             <a:r>
-              <a:rPr lang="en-US" sz="1200" b="0" i="0" kern="1200" dirty="0">
+              <a:rPr lang="en-US" sz="1200" b="0" i="0" kern="1200" dirty="0" smtClean="0">
                 <a:solidFill>
                   <a:schemeClr val="tx1"/>
                 </a:solidFill>
@@ -847,11 +843,15 @@
               </a:rPr>
               <a:t>.</a:t>
             </a:r>
+            <a:r>
+              <a:rPr lang="en-US" dirty="0" smtClean="0"/>
+              <a:t/>
+            </a:r>
             <a:br>
-              <a:rPr lang="en-US" dirty="0"/>
+              <a:rPr lang="en-US" dirty="0" smtClean="0"/>
             </a:br>
             <a:r>
-              <a:rPr lang="en-US" sz="1200" b="0" i="0" kern="1200" dirty="0">
+              <a:rPr lang="en-US" sz="1200" b="0" i="0" kern="1200" dirty="0" smtClean="0">
                 <a:solidFill>
                   <a:schemeClr val="tx1"/>
                 </a:solidFill>
@@ -862,11 +862,15 @@
               </a:rPr>
               <a:t>The rest 13 will be selected in one way. The ways of arranging n people in a circle is (n - 1)!</a:t>
             </a:r>
+            <a:r>
+              <a:rPr lang="en-US" dirty="0" smtClean="0"/>
+              <a:t/>
+            </a:r>
             <a:br>
-              <a:rPr lang="en-US" dirty="0"/>
+              <a:rPr lang="en-US" dirty="0" smtClean="0"/>
             </a:br>
             <a:r>
-              <a:rPr lang="en-US" sz="1200" b="0" i="0" kern="1200" dirty="0">
+              <a:rPr lang="en-US" sz="1200" b="0" i="0" kern="1200" dirty="0" smtClean="0">
                 <a:solidFill>
                   <a:schemeClr val="tx1"/>
                 </a:solidFill>
@@ -878,7 +882,7 @@
               <a:t>Number of arrangements = 25C</a:t>
             </a:r>
             <a:r>
-              <a:rPr lang="en-US" sz="1200" b="0" i="0" kern="1200" baseline="-25000" dirty="0">
+              <a:rPr lang="en-US" sz="1200" b="0" i="0" kern="1200" baseline="-25000" dirty="0" smtClean="0">
                 <a:solidFill>
                   <a:schemeClr val="tx1"/>
                 </a:solidFill>
@@ -890,7 +894,7 @@
               <a:t>12</a:t>
             </a:r>
             <a:r>
-              <a:rPr lang="en-US" sz="1200" b="0" i="0" kern="1200" dirty="0">
+              <a:rPr lang="en-US" sz="1200" b="0" i="0" kern="1200" dirty="0" smtClean="0">
                 <a:solidFill>
                   <a:schemeClr val="tx1"/>
                 </a:solidFill>
@@ -902,7 +906,7 @@
               <a:t> × 11! × 12! = </a:t>
             </a:r>
             <a:r>
-              <a:rPr lang="en-US" sz="1200" b="1" i="0" kern="1200" dirty="0">
+              <a:rPr lang="en-US" sz="1200" b="1" i="0" kern="1200" dirty="0" smtClean="0">
                 <a:solidFill>
                   <a:schemeClr val="tx1"/>
                 </a:solidFill>
@@ -933,7 +937,7 @@
           <a:p>
             <a:fld id="{0AAB6876-1BF1-4B88-890A-0B4E46201506}" type="slidenum">
               <a:rPr lang="en-US" smtClean="0"/>
-              <a:t>12</a:t>
+              <a:t>11</a:t>
             </a:fld>
             <a:endParaRPr lang="en-US"/>
           </a:p>
@@ -997,7 +1001,7 @@
           <a:lstStyle/>
           <a:p>
             <a:r>
-              <a:rPr lang="en-US" sz="1200" b="1" i="0" kern="1200" dirty="0">
+              <a:rPr lang="en-US" sz="1200" b="1" i="0" kern="1200" dirty="0" smtClean="0">
                 <a:solidFill>
                   <a:schemeClr val="tx1"/>
                 </a:solidFill>
@@ -1011,7 +1015,7 @@
           </a:p>
           <a:p>
             <a:r>
-              <a:rPr lang="en-US" sz="1200" b="0" i="0" kern="1200" dirty="0">
+              <a:rPr lang="en-US" sz="1200" b="0" i="0" kern="1200" dirty="0" smtClean="0">
                 <a:solidFill>
                   <a:schemeClr val="tx1"/>
                 </a:solidFill>
@@ -1020,37 +1024,9 @@
                 <a:ea typeface="+mn-ea"/>
                 <a:cs typeface="+mn-cs"/>
               </a:rPr>
-              <a:t>There are 3 sisters and 8 other girls in total 11 girls. The number of ways to arrange these 11 girls in a circular manner = (11– 1)! = 10!. These three sisters can now rearrange themselves in 3! ways. </a:t>
-            </a:r>
-          </a:p>
-          <a:p>
-            <a:r>
-              <a:rPr lang="en-US" sz="1200" b="1" i="0" kern="1200" dirty="0">
-                <a:solidFill>
-                  <a:srgbClr val="FF0000"/>
-                </a:solidFill>
-                <a:effectLst/>
-                <a:latin typeface="+mn-lt"/>
-                <a:ea typeface="+mn-ea"/>
-                <a:cs typeface="+mn-cs"/>
-              </a:rPr>
-              <a:t>By the multiplication theorem, the number of ways so that 3 sisters always come together in the arrangement = 8! × 3!. </a:t>
-            </a:r>
-          </a:p>
-          <a:p>
-            <a:r>
-              <a:rPr lang="en-US" sz="1200" b="0" i="0" kern="1200" dirty="0">
-                <a:solidFill>
-                  <a:schemeClr val="tx1"/>
-                </a:solidFill>
-                <a:effectLst/>
-                <a:latin typeface="+mn-lt"/>
-                <a:ea typeface="+mn-ea"/>
-                <a:cs typeface="+mn-cs"/>
-              </a:rPr>
-              <a:t>Hence, the required number of ways in which the arrangement can take place if none of the 3 sisters is seated together: 10! – (8! × 3!) = 3628800 – (40320 * 6) = 3628800 – 241920 = 3386880.</a:t>
-            </a:r>
-            <a:endParaRPr lang="en-US" sz="1200" b="1" i="0" kern="1200" dirty="0">
+              <a:t>There are 3 sisters and 8 other girls in total 11 girls. The number of ways to arrange these 11 girls in a circular manner = (11– 1)! = 10!. These three sisters can now rearrange themselves in 3! ways. By the multiplication theorem, the number of ways so that 3 sisters always come together in the arrangement = 8! × 3!. Hence, the required number of ways in which the arrangement can take place if none of the 3 sisters is seated together: 10! – (8! × 3!) = 3628800 – (40320 * 6) = 3628800 – 241920 = 3386880.</a:t>
+            </a:r>
+            <a:endParaRPr lang="en-US" sz="1200" b="1" i="0" kern="1200" dirty="0" smtClean="0">
               <a:solidFill>
                 <a:schemeClr val="tx1"/>
               </a:solidFill>
@@ -1079,7 +1055,7 @@
           <a:p>
             <a:fld id="{0AAB6876-1BF1-4B88-890A-0B4E46201506}" type="slidenum">
               <a:rPr lang="en-US" smtClean="0"/>
-              <a:t>13</a:t>
+              <a:t>12</a:t>
             </a:fld>
             <a:endParaRPr lang="en-US"/>
           </a:p>
@@ -1143,7 +1119,7 @@
           <a:lstStyle/>
           <a:p>
             <a:r>
-              <a:rPr lang="en-US" sz="1200" b="1" i="0" kern="1200" dirty="0">
+              <a:rPr lang="en-US" sz="1200" b="1" i="0" kern="1200" dirty="0" smtClean="0">
                 <a:solidFill>
                   <a:schemeClr val="tx1"/>
                 </a:solidFill>
@@ -1157,7 +1133,7 @@
           </a:p>
           <a:p>
             <a:r>
-              <a:rPr lang="en-US" sz="1200" b="0" i="0" kern="1200" dirty="0">
+              <a:rPr lang="en-US" sz="1200" b="0" i="0" kern="1200" dirty="0" smtClean="0">
                 <a:solidFill>
                   <a:schemeClr val="tx1"/>
                 </a:solidFill>
@@ -1168,11 +1144,15 @@
               </a:rPr>
               <a:t>First, arrange the two sisters around a circle in such a way that there will be one seat vacant between them. [This can be done in 2! ways since the arrangement is circular.]</a:t>
             </a:r>
+            <a:r>
+              <a:rPr lang="en-US" dirty="0" smtClean="0"/>
+              <a:t/>
+            </a:r>
             <a:br>
-              <a:rPr lang="en-US" dirty="0"/>
+              <a:rPr lang="en-US" dirty="0" smtClean="0"/>
             </a:br>
             <a:r>
-              <a:rPr lang="en-US" sz="1200" b="0" i="0" kern="1200" dirty="0">
+              <a:rPr lang="en-US" sz="1200" b="0" i="0" kern="1200" dirty="0" smtClean="0">
                 <a:solidFill>
                   <a:schemeClr val="tx1"/>
                 </a:solidFill>
@@ -1184,7 +1164,7 @@
               <a:t>Then, the other 14 people can be arranged on 14 seats in 14! </a:t>
             </a:r>
             <a:r>
-              <a:rPr lang="en-US" sz="1200" b="0" i="0" kern="1200" dirty="0" err="1">
+              <a:rPr lang="en-US" sz="1200" b="0" i="0" kern="1200" dirty="0" err="1" smtClean="0">
                 <a:solidFill>
                   <a:schemeClr val="tx1"/>
                 </a:solidFill>
@@ -1196,7 +1176,7 @@
               <a:t>ways.So</a:t>
             </a:r>
             <a:r>
-              <a:rPr lang="en-US" sz="1200" b="0" i="0" kern="1200" dirty="0">
+              <a:rPr lang="en-US" sz="1200" b="0" i="0" kern="1200" dirty="0" smtClean="0">
                 <a:solidFill>
                   <a:schemeClr val="tx1"/>
                 </a:solidFill>
@@ -1207,7 +1187,7 @@
               </a:rPr>
               <a:t>, total number of ways = 14! x 2! ways</a:t>
             </a:r>
-            <a:endParaRPr lang="en-US" sz="1200" b="1" i="0" kern="1200" dirty="0">
+            <a:endParaRPr lang="en-US" sz="1200" b="1" i="0" kern="1200" dirty="0" smtClean="0">
               <a:solidFill>
                 <a:schemeClr val="tx1"/>
               </a:solidFill>
@@ -1236,7 +1216,7 @@
           <a:p>
             <a:fld id="{0AAB6876-1BF1-4B88-890A-0B4E46201506}" type="slidenum">
               <a:rPr lang="en-US" smtClean="0"/>
-              <a:t>14</a:t>
+              <a:t>13</a:t>
             </a:fld>
             <a:endParaRPr lang="en-US"/>
           </a:p>
@@ -1300,7 +1280,7 @@
           <a:lstStyle/>
           <a:p>
             <a:r>
-              <a:rPr lang="en-US" sz="1200" b="1" i="0" kern="1200" dirty="0">
+              <a:rPr lang="en-US" sz="1200" b="1" i="0" kern="1200" dirty="0" smtClean="0">
                 <a:solidFill>
                   <a:schemeClr val="tx1"/>
                 </a:solidFill>
@@ -1314,7 +1294,7 @@
           </a:p>
           <a:p>
             <a:r>
-              <a:rPr lang="en-US" sz="1200" b="0" i="0" kern="1200" dirty="0">
+              <a:rPr lang="en-US" sz="1200" b="0" i="0" kern="1200" dirty="0" smtClean="0">
                 <a:solidFill>
                   <a:schemeClr val="tx1"/>
                 </a:solidFill>
@@ -1325,7 +1305,7 @@
               </a:rPr>
               <a:t>E and F can sit together in all arrangements in 2! Ways. Now, the arrangement of the 5 people in a circle can be done in (5 – 1)! or 24 ways. Therefore, the total number of ways will be 24 x 2 = 48.</a:t>
             </a:r>
-            <a:endParaRPr lang="en-US" sz="1200" b="1" i="0" kern="1200" dirty="0">
+            <a:endParaRPr lang="en-US" sz="1200" b="1" i="0" kern="1200" dirty="0" smtClean="0">
               <a:solidFill>
                 <a:schemeClr val="tx1"/>
               </a:solidFill>
@@ -1354,7 +1334,7 @@
           <a:p>
             <a:fld id="{0AAB6876-1BF1-4B88-890A-0B4E46201506}" type="slidenum">
               <a:rPr lang="en-US" smtClean="0"/>
-              <a:t>16</a:t>
+              <a:t>14</a:t>
             </a:fld>
             <a:endParaRPr lang="en-US"/>
           </a:p>
@@ -1418,7 +1398,7 @@
           <a:lstStyle/>
           <a:p>
             <a:r>
-              <a:rPr lang="en-US" sz="1200" b="1" i="0" kern="1200" dirty="0">
+              <a:rPr lang="en-US" sz="1200" b="1" i="0" kern="1200" dirty="0" smtClean="0">
                 <a:solidFill>
                   <a:schemeClr val="tx1"/>
                 </a:solidFill>
@@ -1432,7 +1412,7 @@
           </a:p>
           <a:p>
             <a:r>
-              <a:rPr lang="en-US" sz="1200" b="1" i="1" kern="1200" dirty="0">
+              <a:rPr lang="en-US" sz="1200" b="1" i="1" kern="1200" dirty="0" smtClean="0">
                 <a:solidFill>
                   <a:schemeClr val="tx1"/>
                 </a:solidFill>
@@ -1446,7 +1426,7 @@
           </a:p>
           <a:p>
             <a:r>
-              <a:rPr lang="en-US" sz="1200" b="0" i="0" kern="1200" dirty="0">
+              <a:rPr lang="en-US" sz="1200" b="0" i="0" kern="1200" dirty="0" smtClean="0">
                 <a:solidFill>
                   <a:schemeClr val="tx1"/>
                 </a:solidFill>
@@ -1457,10 +1437,19 @@
               </a:rPr>
               <a:t>No. of ways in which 6 men can be arranged at a round table = (6 - 1)!  </a:t>
             </a:r>
-          </a:p>
-          <a:p>
-            <a:r>
-              <a:rPr lang="en-US" sz="1200" b="0" i="0" kern="1200" dirty="0">
+            <a:endParaRPr lang="en-US" sz="1200" b="0" i="0" kern="1200" dirty="0" smtClean="0">
+              <a:solidFill>
+                <a:schemeClr val="tx1"/>
+              </a:solidFill>
+              <a:effectLst/>
+              <a:latin typeface="+mn-lt"/>
+              <a:ea typeface="+mn-ea"/>
+              <a:cs typeface="+mn-cs"/>
+            </a:endParaRPr>
+          </a:p>
+          <a:p>
+            <a:r>
+              <a:rPr lang="en-US" sz="1200" b="0" i="0" kern="1200" dirty="0" smtClean="0">
                 <a:solidFill>
                   <a:schemeClr val="tx1"/>
                 </a:solidFill>
@@ -1469,7 +1458,19 @@
                 <a:ea typeface="+mn-ea"/>
                 <a:cs typeface="+mn-cs"/>
               </a:rPr>
-              <a:t>Now women can be arranged in 6! ways. Total Number of ways = 6! × 5!</a:t>
+              <a:t>Now </a:t>
+            </a:r>
+            <a:r>
+              <a:rPr lang="en-US" sz="1200" b="0" i="0" kern="1200" dirty="0" smtClean="0">
+                <a:solidFill>
+                  <a:schemeClr val="tx1"/>
+                </a:solidFill>
+                <a:effectLst/>
+                <a:latin typeface="+mn-lt"/>
+                <a:ea typeface="+mn-ea"/>
+                <a:cs typeface="+mn-cs"/>
+              </a:rPr>
+              <a:t>women can be arranged in 6! ways. Total Number of ways = 6! × 5!</a:t>
             </a:r>
           </a:p>
         </p:txBody>
@@ -1491,7 +1492,7 @@
           <a:p>
             <a:fld id="{0AAB6876-1BF1-4B88-890A-0B4E46201506}" type="slidenum">
               <a:rPr lang="en-US" smtClean="0"/>
-              <a:t>17</a:t>
+              <a:t>15</a:t>
             </a:fld>
             <a:endParaRPr lang="en-US"/>
           </a:p>
@@ -1579,7 +1580,7 @@
           <a:lstStyle/>
           <a:p>
             <a:r>
-              <a:rPr lang="en-US" sz="1200" b="1" i="0" kern="1200" dirty="0">
+              <a:rPr lang="en-US" sz="1200" b="1" i="0" kern="1200" dirty="0" smtClean="0">
                 <a:solidFill>
                   <a:schemeClr val="tx1"/>
                 </a:solidFill>
@@ -1593,7 +1594,7 @@
           </a:p>
           <a:p>
             <a:r>
-              <a:rPr lang="en-US" sz="1200" b="0" i="0" kern="1200" dirty="0">
+              <a:rPr lang="en-US" sz="1200" b="0" i="0" kern="1200" dirty="0" smtClean="0">
                 <a:solidFill>
                   <a:schemeClr val="tx1"/>
                 </a:solidFill>
@@ -1606,8 +1607,8 @@
             </a:r>
           </a:p>
           <a:p>
-            <a:br>
-              <a:rPr lang="en-US" sz="1200" b="0" i="0" kern="1200" dirty="0">
+            <a:r>
+              <a:rPr lang="en-US" sz="1200" b="0" i="0" kern="1200" dirty="0" smtClean="0">
                 <a:solidFill>
                   <a:schemeClr val="tx1"/>
                 </a:solidFill>
@@ -1616,8 +1617,20 @@
                 <a:ea typeface="+mn-ea"/>
                 <a:cs typeface="+mn-cs"/>
               </a:rPr>
+              <a:t/>
+            </a:r>
+            <a:br>
+              <a:rPr lang="en-US" sz="1200" b="0" i="0" kern="1200" dirty="0" smtClean="0">
+                <a:solidFill>
+                  <a:schemeClr val="tx1"/>
+                </a:solidFill>
+                <a:effectLst/>
+                <a:latin typeface="+mn-lt"/>
+                <a:ea typeface="+mn-ea"/>
+                <a:cs typeface="+mn-cs"/>
+              </a:rPr>
             </a:br>
-            <a:endParaRPr lang="en-US" sz="1200" b="1" i="0" kern="1200" dirty="0">
+            <a:endParaRPr lang="en-US" sz="1200" b="1" i="0" kern="1200" dirty="0" smtClean="0">
               <a:solidFill>
                 <a:schemeClr val="tx1"/>
               </a:solidFill>
@@ -1646,7 +1659,7 @@
           <a:p>
             <a:fld id="{0AAB6876-1BF1-4B88-890A-0B4E46201506}" type="slidenum">
               <a:rPr lang="en-US" smtClean="0"/>
-              <a:t>18</a:t>
+              <a:t>16</a:t>
             </a:fld>
             <a:endParaRPr lang="en-US"/>
           </a:p>
@@ -1710,7 +1723,7 @@
           <a:lstStyle/>
           <a:p>
             <a:r>
-              <a:rPr lang="en-US" sz="1200" b="1" i="0" kern="1200" dirty="0">
+              <a:rPr lang="en-US" sz="1200" b="1" i="0" kern="1200" dirty="0" smtClean="0">
                 <a:solidFill>
                   <a:schemeClr val="tx1"/>
                 </a:solidFill>
@@ -1723,7 +1736,7 @@
             </a:r>
           </a:p>
           <a:p>
-            <a:endParaRPr lang="en-US" sz="1200" b="0" i="0" kern="1200" dirty="0">
+            <a:endParaRPr lang="en-US" sz="1200" b="0" i="0" kern="1200" dirty="0" smtClean="0">
               <a:solidFill>
                 <a:schemeClr val="tx1"/>
               </a:solidFill>
@@ -1735,7 +1748,7 @@
           </a:p>
           <a:p>
             <a:r>
-              <a:rPr lang="en-US" sz="1200" b="0" i="0" kern="1200" dirty="0">
+              <a:rPr lang="en-US" sz="1200" b="0" i="0" kern="1200" dirty="0" smtClean="0">
                 <a:solidFill>
                   <a:schemeClr val="tx1"/>
                 </a:solidFill>
@@ -1744,10 +1757,10 @@
                 <a:ea typeface="+mn-ea"/>
                 <a:cs typeface="+mn-cs"/>
               </a:rPr>
-              <a:t>Fix up a male and the remaining 4 male can be seated in 4! ways.  Now no two female are to sit together and as such the 2 female are to be arranged in five empty seats between two consecutive male and number of arrangement will be </a:t>
-            </a:r>
-            <a:r>
-              <a:rPr lang="en-US" sz="1200" b="0" i="0" u="none" strike="noStrike" kern="1200" dirty="0">
+              <a:t>Fix up a male and the remaining 4 male can be seated in 4! ways.  Now no two female are to sit together and as such the 2 female are to be arranged in five empty seats between two consecutive male and number of arrangement will </a:t>
+            </a:r>
+            <a:r>
+              <a:rPr lang="en-US" sz="1200" b="0" i="0" kern="1200" dirty="0" smtClean="0">
                 <a:solidFill>
                   <a:schemeClr val="tx1"/>
                 </a:solidFill>
@@ -1756,10 +1769,10 @@
                 <a:ea typeface="+mn-ea"/>
                 <a:cs typeface="+mn-cs"/>
               </a:rPr>
-              <a:t>5P2</a:t>
-            </a:r>
-            <a:r>
-              <a:rPr lang="en-US" sz="1200" b="0" i="0" kern="1200" dirty="0">
+              <a:t>be </a:t>
+            </a:r>
+            <a:r>
+              <a:rPr lang="en-US" sz="1200" b="0" i="0" u="none" strike="noStrike" kern="1200" dirty="0" smtClean="0">
                 <a:solidFill>
                   <a:schemeClr val="tx1"/>
                 </a:solidFill>
@@ -1768,12 +1781,10 @@
                 <a:ea typeface="+mn-ea"/>
                 <a:cs typeface="+mn-cs"/>
               </a:rPr>
-              <a:t>. </a:t>
-            </a:r>
-          </a:p>
-          <a:p>
-            <a:r>
-              <a:rPr lang="en-US" sz="1200" b="0" i="0" kern="1200" dirty="0">
+              <a:t>5P2</a:t>
+            </a:r>
+            <a:r>
+              <a:rPr lang="en-US" sz="1200" b="0" i="0" kern="1200" dirty="0" smtClean="0">
                 <a:solidFill>
                   <a:schemeClr val="tx1"/>
                 </a:solidFill>
@@ -1782,10 +1793,12 @@
                 <a:ea typeface="+mn-ea"/>
                 <a:cs typeface="+mn-cs"/>
               </a:rPr>
-              <a:t>Hence by fundamental theorem the total number of ways is = </a:t>
-            </a:r>
-            <a:r>
-              <a:rPr lang="en-US" sz="1200" b="0" i="0" u="none" strike="noStrike" kern="1200" dirty="0">
+              <a:t>. </a:t>
+            </a:r>
+          </a:p>
+          <a:p>
+            <a:r>
+              <a:rPr lang="en-US" sz="1200" b="0" i="0" kern="1200" dirty="0" smtClean="0">
                 <a:solidFill>
                   <a:schemeClr val="tx1"/>
                 </a:solidFill>
@@ -1794,9 +1807,33 @@
                 <a:ea typeface="+mn-ea"/>
                 <a:cs typeface="+mn-cs"/>
               </a:rPr>
+              <a:t>Hence </a:t>
+            </a:r>
+            <a:r>
+              <a:rPr lang="en-US" sz="1200" b="0" i="0" kern="1200" dirty="0" smtClean="0">
+                <a:solidFill>
+                  <a:schemeClr val="tx1"/>
+                </a:solidFill>
+                <a:effectLst/>
+                <a:latin typeface="+mn-lt"/>
+                <a:ea typeface="+mn-ea"/>
+                <a:cs typeface="+mn-cs"/>
+              </a:rPr>
+              <a:t>by fundamental theorem the total number of ways is = </a:t>
+            </a:r>
+            <a:r>
+              <a:rPr lang="en-US" sz="1200" b="0" i="0" u="none" strike="noStrike" kern="1200" dirty="0" smtClean="0">
+                <a:solidFill>
+                  <a:schemeClr val="tx1"/>
+                </a:solidFill>
+                <a:effectLst/>
+                <a:latin typeface="+mn-lt"/>
+                <a:ea typeface="+mn-ea"/>
+                <a:cs typeface="+mn-cs"/>
+              </a:rPr>
               <a:t>4!×5P2</a:t>
             </a:r>
-            <a:endParaRPr lang="en-US" sz="1200" b="0" i="0" kern="1200" dirty="0">
+            <a:endParaRPr lang="en-US" sz="1200" b="0" i="0" kern="1200" dirty="0" smtClean="0">
               <a:solidFill>
                 <a:schemeClr val="tx1"/>
               </a:solidFill>
@@ -1808,7 +1845,7 @@
           </a:p>
           <a:p>
             <a:r>
-              <a:rPr lang="en-US" sz="1200" b="0" i="0" kern="1200" dirty="0">
+              <a:rPr lang="en-US" sz="1200" b="0" i="0" kern="1200" dirty="0" smtClean="0">
                 <a:solidFill>
                   <a:schemeClr val="tx1"/>
                 </a:solidFill>
@@ -1820,7 +1857,7 @@
               <a:t>  = 24 × 20 = 480 ways.</a:t>
             </a:r>
             <a:br>
-              <a:rPr lang="en-US" sz="1200" b="0" i="0" kern="1200" dirty="0">
+              <a:rPr lang="en-US" sz="1200" b="0" i="0" kern="1200" dirty="0" smtClean="0">
                 <a:solidFill>
                   <a:schemeClr val="tx1"/>
                 </a:solidFill>
@@ -1830,7 +1867,7 @@
                 <a:cs typeface="+mn-cs"/>
               </a:rPr>
             </a:br>
-            <a:endParaRPr lang="en-US" sz="1200" b="1" i="0" kern="1200" dirty="0">
+            <a:endParaRPr lang="en-US" sz="1200" b="1" i="0" kern="1200" dirty="0" smtClean="0">
               <a:solidFill>
                 <a:schemeClr val="tx1"/>
               </a:solidFill>
@@ -1859,7 +1896,7 @@
           <a:p>
             <a:fld id="{0AAB6876-1BF1-4B88-890A-0B4E46201506}" type="slidenum">
               <a:rPr lang="en-US" smtClean="0"/>
-              <a:t>19</a:t>
+              <a:t>17</a:t>
             </a:fld>
             <a:endParaRPr lang="en-US"/>
           </a:p>
@@ -1923,7 +1960,7 @@
           <a:lstStyle/>
           <a:p>
             <a:r>
-              <a:rPr lang="en-US" sz="1200" b="1" i="0" kern="1200" dirty="0">
+              <a:rPr lang="en-US" sz="1200" b="1" i="0" kern="1200" dirty="0" smtClean="0">
                 <a:solidFill>
                   <a:schemeClr val="tx1"/>
                 </a:solidFill>
@@ -1932,12 +1969,10 @@
                 <a:ea typeface="+mn-ea"/>
                 <a:cs typeface="+mn-cs"/>
               </a:rPr>
-              <a:t>Answer: B</a:t>
-            </a:r>
-          </a:p>
-          <a:p>
-            <a:r>
-              <a:rPr lang="en-US" sz="1200" b="0" i="0" kern="1200" dirty="0">
+              <a:t>Answer: </a:t>
+            </a:r>
+            <a:r>
+              <a:rPr lang="en-US" sz="1200" b="1" i="0" kern="1200" dirty="0" smtClean="0">
                 <a:solidFill>
                   <a:schemeClr val="tx1"/>
                 </a:solidFill>
@@ -1946,12 +1981,12 @@
                 <a:ea typeface="+mn-ea"/>
                 <a:cs typeface="+mn-cs"/>
               </a:rPr>
-              <a:t>The garland can be made in anti-clockwise and clockwise direction. As clockwise and anti-clockwise direction is considered to be the same, we take,</a:t>
-            </a:r>
-          </a:p>
-          <a:p>
-            <a:r>
-              <a:rPr lang="en-US" sz="1200" b="0" i="0" kern="1200" dirty="0">
+              <a:t>B</a:t>
+            </a:r>
+          </a:p>
+          <a:p>
+            <a:r>
+              <a:rPr lang="en-US" sz="1200" b="0" i="0" kern="1200" dirty="0" smtClean="0">
                 <a:solidFill>
                   <a:schemeClr val="tx1"/>
                 </a:solidFill>
@@ -1960,12 +1995,12 @@
                 <a:ea typeface="+mn-ea"/>
                 <a:cs typeface="+mn-cs"/>
               </a:rPr>
-              <a:t>½ (n -1)!Here n = 12</a:t>
-            </a:r>
-          </a:p>
-          <a:p>
-            <a:r>
-              <a:rPr lang="en-US" sz="1200" b="0" i="0" kern="1200" dirty="0">
+              <a:t>The garland can be made in anti-clockwise and clockwise direction. As clockwise and anti-clockwise direction is considered to be the same, we take,</a:t>
+            </a:r>
+          </a:p>
+          <a:p>
+            <a:r>
+              <a:rPr lang="en-US" sz="1200" b="0" i="0" kern="1200" dirty="0" smtClean="0">
                 <a:solidFill>
                   <a:schemeClr val="tx1"/>
                 </a:solidFill>
@@ -1974,12 +2009,12 @@
                 <a:ea typeface="+mn-ea"/>
                 <a:cs typeface="+mn-cs"/>
               </a:rPr>
-              <a:t>Step 2: </a:t>
-            </a:r>
-          </a:p>
-          <a:p>
-            <a:r>
-              <a:rPr lang="en-US" sz="1200" b="0" i="0" kern="1200" dirty="0">
+              <a:t>½ (n -1)!Here n = 12</a:t>
+            </a:r>
+          </a:p>
+          <a:p>
+            <a:r>
+              <a:rPr lang="en-US" sz="1200" b="0" i="0" kern="1200" dirty="0" smtClean="0">
                 <a:solidFill>
                   <a:schemeClr val="tx1"/>
                 </a:solidFill>
@@ -1988,12 +2023,12 @@
                 <a:ea typeface="+mn-ea"/>
                 <a:cs typeface="+mn-cs"/>
               </a:rPr>
-              <a:t>½ (12 – 1)! =</a:t>
-            </a:r>
-          </a:p>
-          <a:p>
-            <a:r>
-              <a:rPr lang="en-US" sz="1200" b="0" i="0" kern="1200" dirty="0">
+              <a:t>Step 2: </a:t>
+            </a:r>
+          </a:p>
+          <a:p>
+            <a:r>
+              <a:rPr lang="en-US" sz="1200" b="0" i="0" kern="1200" dirty="0" smtClean="0">
                 <a:solidFill>
                   <a:schemeClr val="tx1"/>
                 </a:solidFill>
@@ -2002,11 +2037,25 @@
                 <a:ea typeface="+mn-ea"/>
                 <a:cs typeface="+mn-cs"/>
               </a:rPr>
+              <a:t>½ (12 – 1)! =</a:t>
+            </a:r>
+          </a:p>
+          <a:p>
+            <a:r>
+              <a:rPr lang="en-US" sz="1200" b="0" i="0" kern="1200" dirty="0" smtClean="0">
+                <a:solidFill>
+                  <a:schemeClr val="tx1"/>
+                </a:solidFill>
+                <a:effectLst/>
+                <a:latin typeface="+mn-lt"/>
+                <a:ea typeface="+mn-ea"/>
+                <a:cs typeface="+mn-cs"/>
+              </a:rPr>
               <a:t>11!/ 2</a:t>
             </a:r>
           </a:p>
           <a:p>
-            <a:endParaRPr lang="en-US" sz="1200" b="0" i="0" kern="1200" dirty="0">
+            <a:endParaRPr lang="en-US" sz="1200" b="0" i="0" kern="1200" dirty="0" smtClean="0">
               <a:solidFill>
                 <a:schemeClr val="tx1"/>
               </a:solidFill>
@@ -2018,7 +2067,7 @@
           </a:p>
           <a:p>
             <a:r>
-              <a:rPr lang="en-US" sz="1200" b="0" i="0" kern="1200" dirty="0">
+              <a:rPr lang="en-US" sz="1200" b="0" i="0" kern="1200" dirty="0" smtClean="0">
                 <a:solidFill>
                   <a:schemeClr val="tx1"/>
                 </a:solidFill>
@@ -2030,7 +2079,7 @@
               <a:t>Therefore, In 11!/ 2 ways can be found to make garlands from 12 different </a:t>
             </a:r>
             <a:r>
-              <a:rPr lang="en-US" sz="1200" b="0" i="0" kern="1200" dirty="0" err="1">
+              <a:rPr lang="en-US" sz="1200" b="0" i="0" kern="1200" dirty="0" err="1" smtClean="0">
                 <a:solidFill>
                   <a:schemeClr val="tx1"/>
                 </a:solidFill>
@@ -2042,7 +2091,7 @@
               <a:t>coloured</a:t>
             </a:r>
             <a:r>
-              <a:rPr lang="en-US" sz="1200" b="0" i="0" kern="1200" dirty="0">
+              <a:rPr lang="en-US" sz="1200" b="0" i="0" kern="1200" dirty="0" smtClean="0">
                 <a:solidFill>
                   <a:schemeClr val="tx1"/>
                 </a:solidFill>
@@ -2053,6 +2102,15 @@
               </a:rPr>
               <a:t> flowers.</a:t>
             </a:r>
+            <a:endParaRPr lang="en-US" sz="1200" b="0" i="0" kern="1200" dirty="0" smtClean="0">
+              <a:solidFill>
+                <a:schemeClr val="tx1"/>
+              </a:solidFill>
+              <a:effectLst/>
+              <a:latin typeface="+mn-lt"/>
+              <a:ea typeface="+mn-ea"/>
+              <a:cs typeface="+mn-cs"/>
+            </a:endParaRPr>
           </a:p>
         </p:txBody>
       </p:sp>
@@ -2073,7 +2131,7 @@
           <a:p>
             <a:fld id="{0AAB6876-1BF1-4B88-890A-0B4E46201506}" type="slidenum">
               <a:rPr lang="en-US" smtClean="0"/>
-              <a:t>20</a:t>
+              <a:t>18</a:t>
             </a:fld>
             <a:endParaRPr lang="en-US"/>
           </a:p>
@@ -2137,7 +2195,7 @@
           <a:lstStyle/>
           <a:p>
             <a:r>
-              <a:rPr lang="en-US" sz="1200" b="1" i="0" kern="1200" dirty="0">
+              <a:rPr lang="en-US" sz="1200" b="1" i="0" kern="1200" dirty="0" smtClean="0">
                 <a:solidFill>
                   <a:schemeClr val="tx1"/>
                 </a:solidFill>
@@ -2151,7 +2209,7 @@
           </a:p>
           <a:p>
             <a:r>
-              <a:rPr lang="en-US" sz="1200" b="0" i="0" kern="1200" dirty="0">
+              <a:rPr lang="en-US" sz="1200" b="0" i="0" kern="1200" dirty="0" smtClean="0">
                 <a:solidFill>
                   <a:schemeClr val="tx1"/>
                 </a:solidFill>
@@ -2163,7 +2221,7 @@
               <a:t>There are 20 + 1 = 21 persons in all. The two particular persons and the host be taken as one unit so that these remain 21 -  3 + 1 = 19 persons to be arranged in 18 ! ways. But the two person on either side of the host can themselves be arranged in 2! ways.  Hence there are 2 ! 18 ! ways  or </a:t>
             </a:r>
             <a:r>
-              <a:rPr lang="en-US" sz="1200" b="0" i="0" u="none" strike="noStrike" kern="1200" dirty="0">
+              <a:rPr lang="en-US" sz="1200" b="0" i="0" u="none" strike="noStrike" kern="1200" dirty="0" smtClean="0">
                 <a:solidFill>
                   <a:schemeClr val="tx1"/>
                 </a:solidFill>
@@ -2174,7 +2232,7 @@
               </a:rPr>
               <a:t>2.18!</a:t>
             </a:r>
-            <a:endParaRPr lang="en-US" sz="1200" b="0" i="0" kern="1200" dirty="0">
+            <a:endParaRPr lang="en-US" sz="1200" b="0" i="0" kern="1200" dirty="0" smtClean="0">
               <a:solidFill>
                 <a:schemeClr val="tx1"/>
               </a:solidFill>
@@ -2186,7 +2244,7 @@
           </a:p>
           <a:p>
             <a:r>
-              <a:rPr lang="en-US" sz="1200" b="0" i="0" kern="1200" dirty="0">
+              <a:rPr lang="en-US" sz="1200" b="0" i="0" kern="1200" dirty="0" smtClean="0">
                 <a:solidFill>
                   <a:schemeClr val="tx1"/>
                 </a:solidFill>
@@ -2197,7 +2255,7 @@
               </a:rPr>
               <a:t> ways.</a:t>
             </a:r>
-            <a:endParaRPr lang="en-US" sz="1200" b="1" i="0" kern="1200" dirty="0">
+            <a:endParaRPr lang="en-US" sz="1200" b="1" i="0" kern="1200" dirty="0" smtClean="0">
               <a:solidFill>
                 <a:schemeClr val="tx1"/>
               </a:solidFill>
@@ -2226,7 +2284,7 @@
           <a:p>
             <a:fld id="{0AAB6876-1BF1-4B88-890A-0B4E46201506}" type="slidenum">
               <a:rPr lang="en-US" smtClean="0"/>
-              <a:t>21</a:t>
+              <a:t>19</a:t>
             </a:fld>
             <a:endParaRPr lang="en-US"/>
           </a:p>
@@ -2381,7 +2439,7 @@
           <a:lstStyle/>
           <a:p>
             <a:r>
-              <a:rPr lang="en-US" sz="1200" b="1" i="0" kern="1200" dirty="0">
+              <a:rPr lang="en-US" sz="1200" b="1" i="0" kern="1200" dirty="0" smtClean="0">
                 <a:solidFill>
                   <a:schemeClr val="tx1"/>
                 </a:solidFill>
@@ -2395,7 +2453,7 @@
           </a:p>
           <a:p>
             <a:r>
-              <a:rPr lang="en-US" sz="1200" b="0" i="0" kern="1200" dirty="0">
+              <a:rPr lang="en-US" sz="1200" b="0" i="0" kern="1200" dirty="0" smtClean="0">
                 <a:solidFill>
                   <a:schemeClr val="tx1"/>
                 </a:solidFill>
@@ -2407,7 +2465,7 @@
               <a:t>Since total members are 15, but one is to left, because of circular condition, therefore remaining members are 14 but three special member constitute a member. Therefore required number of arrangements are</a:t>
             </a:r>
             <a:r>
-              <a:rPr lang="en-US" sz="1200" b="0" i="0" u="none" strike="noStrike" kern="1200" dirty="0">
+              <a:rPr lang="en-US" sz="1200" b="0" i="0" u="none" strike="noStrike" kern="1200" dirty="0" smtClean="0">
                 <a:solidFill>
                   <a:schemeClr val="tx1"/>
                 </a:solidFill>
@@ -2418,7 +2476,7 @@
               </a:rPr>
               <a:t>12 ! ×2</a:t>
             </a:r>
-            <a:endParaRPr lang="en-US" sz="1200" b="0" i="0" kern="1200" dirty="0">
+            <a:endParaRPr lang="en-US" sz="1200" b="0" i="0" kern="1200" dirty="0" smtClean="0">
               <a:solidFill>
                 <a:schemeClr val="tx1"/>
               </a:solidFill>
@@ -2430,7 +2488,7 @@
           </a:p>
           <a:p>
             <a:r>
-              <a:rPr lang="en-US" sz="1200" b="0" i="0" kern="1200" dirty="0">
+              <a:rPr lang="en-US" sz="1200" b="0" i="0" kern="1200" dirty="0" smtClean="0">
                 <a:solidFill>
                   <a:schemeClr val="tx1"/>
                 </a:solidFill>
@@ -2441,7 +2499,7 @@
               </a:rPr>
               <a:t>, because, chairman remains between the two specified persons and the person can sit in two ways.</a:t>
             </a:r>
-            <a:endParaRPr lang="en-US" sz="1200" b="1" i="0" kern="1200" dirty="0">
+            <a:endParaRPr lang="en-US" sz="1200" b="1" i="0" kern="1200" dirty="0" smtClean="0">
               <a:solidFill>
                 <a:schemeClr val="tx1"/>
               </a:solidFill>
@@ -2470,7 +2528,7 @@
           <a:p>
             <a:fld id="{0AAB6876-1BF1-4B88-890A-0B4E46201506}" type="slidenum">
               <a:rPr lang="en-US" smtClean="0"/>
-              <a:t>22</a:t>
+              <a:t>20</a:t>
             </a:fld>
             <a:endParaRPr lang="en-US"/>
           </a:p>
@@ -2534,7 +2592,7 @@
           <a:lstStyle/>
           <a:p>
             <a:r>
-              <a:rPr lang="en-US" sz="1200" b="1" i="0" kern="1200" dirty="0">
+              <a:rPr lang="en-US" sz="1200" b="1" i="0" kern="1200" dirty="0" smtClean="0">
                 <a:solidFill>
                   <a:schemeClr val="tx1"/>
                 </a:solidFill>
@@ -2543,12 +2601,10 @@
                 <a:ea typeface="+mn-ea"/>
                 <a:cs typeface="+mn-cs"/>
               </a:rPr>
-              <a:t>Answer: C</a:t>
-            </a:r>
-          </a:p>
-          <a:p>
-            <a:r>
-              <a:rPr lang="en-US" sz="1200" b="0" i="0" kern="1200" dirty="0">
+              <a:t>Answer: </a:t>
+            </a:r>
+            <a:r>
+              <a:rPr lang="en-US" sz="1200" b="1" i="0" kern="1200" dirty="0" smtClean="0">
                 <a:solidFill>
                   <a:schemeClr val="tx1"/>
                 </a:solidFill>
@@ -2557,33 +2613,9 @@
                 <a:ea typeface="+mn-ea"/>
                 <a:cs typeface="+mn-cs"/>
               </a:rPr>
-              <a:t>Required number of ways</a:t>
-            </a:r>
-            <a:r>
-              <a:rPr lang="en-US" sz="1200" b="0" i="0" u="none" strike="noStrike" kern="1200" dirty="0">
-                <a:solidFill>
-                  <a:schemeClr val="tx1"/>
-                </a:solidFill>
-                <a:effectLst/>
-                <a:latin typeface="+mn-lt"/>
-                <a:ea typeface="+mn-ea"/>
-                <a:cs typeface="+mn-cs"/>
-              </a:rPr>
-              <a:t>9 ! ×2</a:t>
-            </a:r>
-            <a:r>
-              <a:rPr lang="en-US" sz="1200" b="0" i="0" kern="1200" dirty="0">
-                <a:solidFill>
-                  <a:schemeClr val="tx1"/>
-                </a:solidFill>
-                <a:effectLst/>
-                <a:latin typeface="+mn-lt"/>
-                <a:ea typeface="+mn-ea"/>
-                <a:cs typeface="+mn-cs"/>
-              </a:rPr>
-              <a:t>. {By fundamental property of circular permutation}.</a:t>
-            </a:r>
-            <a:endParaRPr lang="en-US" sz="1200" b="1" i="0" kern="1200" dirty="0">
+              <a:t>C</a:t>
+            </a:r>
+            <a:endParaRPr lang="en-US" sz="1200" b="1" i="0" kern="1200" dirty="0" smtClean="0">
               <a:solidFill>
                 <a:schemeClr val="tx1"/>
               </a:solidFill>
@@ -2593,6 +2625,53 @@
               <a:cs typeface="+mn-cs"/>
             </a:endParaRPr>
           </a:p>
+          <a:p>
+            <a:r>
+              <a:rPr lang="en-US" sz="1200" b="0" i="0" kern="1200" dirty="0" smtClean="0">
+                <a:solidFill>
+                  <a:schemeClr val="tx1"/>
+                </a:solidFill>
+                <a:effectLst/>
+                <a:latin typeface="+mn-lt"/>
+                <a:ea typeface="+mn-ea"/>
+                <a:cs typeface="+mn-cs"/>
+              </a:rPr>
+              <a:t>Required number of ways</a:t>
+            </a:r>
+            <a:r>
+              <a:rPr lang="en-US" sz="1200" b="0" i="0" u="none" strike="noStrike" kern="1200" dirty="0" smtClean="0">
+                <a:solidFill>
+                  <a:schemeClr val="tx1"/>
+                </a:solidFill>
+                <a:effectLst/>
+                <a:latin typeface="+mn-lt"/>
+                <a:ea typeface="+mn-ea"/>
+                <a:cs typeface="+mn-cs"/>
+              </a:rPr>
+              <a:t>9 ! ×2</a:t>
+            </a:r>
+            <a:r>
+              <a:rPr lang="en-US" sz="1200" b="0" i="0" kern="1200" dirty="0" smtClean="0">
+                <a:solidFill>
+                  <a:schemeClr val="tx1"/>
+                </a:solidFill>
+                <a:effectLst/>
+                <a:latin typeface="+mn-lt"/>
+                <a:ea typeface="+mn-ea"/>
+                <a:cs typeface="+mn-cs"/>
+              </a:rPr>
+              <a:t>. {By fundamental property of circular permutation}.</a:t>
+            </a:r>
+            <a:endParaRPr lang="en-US" sz="1200" b="1" i="0" kern="1200" dirty="0" smtClean="0">
+              <a:solidFill>
+                <a:schemeClr val="tx1"/>
+              </a:solidFill>
+              <a:effectLst/>
+              <a:latin typeface="+mn-lt"/>
+              <a:ea typeface="+mn-ea"/>
+              <a:cs typeface="+mn-cs"/>
+            </a:endParaRPr>
+          </a:p>
         </p:txBody>
       </p:sp>
       <p:sp>
@@ -2612,7 +2691,7 @@
           <a:p>
             <a:fld id="{0AAB6876-1BF1-4B88-890A-0B4E46201506}" type="slidenum">
               <a:rPr lang="en-US" smtClean="0"/>
-              <a:t>23</a:t>
+              <a:t>21</a:t>
             </a:fld>
             <a:endParaRPr lang="en-US"/>
           </a:p>
@@ -2696,7 +2775,7 @@
           <a:p>
             <a:fld id="{0AAB6876-1BF1-4B88-890A-0B4E46201506}" type="slidenum">
               <a:rPr lang="en-US" smtClean="0"/>
-              <a:t>24</a:t>
+              <a:t>22</a:t>
             </a:fld>
             <a:endParaRPr lang="en-US"/>
           </a:p>
@@ -3101,7 +3180,7 @@
           <a:lstStyle/>
           <a:p>
             <a:r>
-              <a:rPr lang="en-US" sz="1200" b="1" i="0" kern="1200" dirty="0">
+              <a:rPr lang="en-US" sz="1200" b="1" i="0" kern="1200" dirty="0" smtClean="0">
                 <a:solidFill>
                   <a:schemeClr val="tx1"/>
                 </a:solidFill>
@@ -3115,7 +3194,7 @@
           </a:p>
           <a:p>
             <a:r>
-              <a:rPr lang="en-US" sz="1200" b="0" i="0" kern="1200" dirty="0">
+              <a:rPr lang="en-US" sz="1200" b="0" i="0" kern="1200" dirty="0" smtClean="0">
                 <a:solidFill>
                   <a:schemeClr val="tx1"/>
                 </a:solidFill>
@@ -3129,7 +3208,7 @@
           </a:p>
           <a:p>
             <a:r>
-              <a:rPr lang="en-US" sz="1200" b="0" i="0" kern="1200" dirty="0">
+              <a:rPr lang="en-US" sz="1200" b="0" i="0" kern="1200" dirty="0" smtClean="0">
                 <a:solidFill>
                   <a:schemeClr val="tx1"/>
                 </a:solidFill>
@@ -3142,7 +3221,7 @@
             </a:r>
           </a:p>
           <a:p>
-            <a:endParaRPr lang="en-US" sz="1200" b="1" i="0" kern="1200" dirty="0">
+            <a:endParaRPr lang="en-US" sz="1200" b="1" i="0" kern="1200" dirty="0" smtClean="0">
               <a:solidFill>
                 <a:schemeClr val="tx1"/>
               </a:solidFill>
@@ -3235,7 +3314,7 @@
           <a:lstStyle/>
           <a:p>
             <a:r>
-              <a:rPr lang="en-US" sz="1200" b="1" i="0" kern="1200" dirty="0">
+              <a:rPr lang="en-US" sz="1200" b="1" i="0" kern="1200" dirty="0" smtClean="0">
                 <a:solidFill>
                   <a:schemeClr val="tx1"/>
                 </a:solidFill>
@@ -3249,7 +3328,7 @@
           </a:p>
           <a:p>
             <a:r>
-              <a:rPr lang="en-US" sz="1200" b="0" i="0" kern="1200" dirty="0">
+              <a:rPr lang="en-US" sz="1200" b="0" i="0" kern="1200" dirty="0" smtClean="0">
                 <a:solidFill>
                   <a:schemeClr val="tx1"/>
                 </a:solidFill>
@@ -3260,11 +3339,15 @@
               </a:rPr>
               <a:t>Totally, 12 persons are sitting around a round table. Since it is a round table, we can fix a person in one of the chair. Let us fix a boy in a chair and the other five boys are made to sit in the alternate chairs. Thus, to arrange five boys in five alternate chairs, there are 5! = 120 ways.</a:t>
             </a:r>
+            <a:r>
+              <a:rPr lang="en-US" dirty="0" smtClean="0"/>
+              <a:t/>
+            </a:r>
             <a:br>
-              <a:rPr lang="en-US" dirty="0"/>
+              <a:rPr lang="en-US" dirty="0" smtClean="0"/>
             </a:br>
             <a:r>
-              <a:rPr lang="en-US" sz="1200" b="0" i="0" kern="1200" dirty="0">
+              <a:rPr lang="en-US" sz="1200" b="0" i="0" kern="1200" dirty="0" smtClean="0">
                 <a:solidFill>
                   <a:schemeClr val="tx1"/>
                 </a:solidFill>
@@ -3275,11 +3358,15 @@
               </a:rPr>
               <a:t>In the remaining six chairs, six girls are made to sit in 6! = 720 ways.</a:t>
             </a:r>
+            <a:r>
+              <a:rPr lang="en-US" dirty="0" smtClean="0"/>
+              <a:t/>
+            </a:r>
             <a:br>
-              <a:rPr lang="en-US" dirty="0"/>
+              <a:rPr lang="en-US" dirty="0" smtClean="0"/>
             </a:br>
             <a:r>
-              <a:rPr lang="en-US" sz="1200" b="0" i="0" kern="1200" dirty="0">
+              <a:rPr lang="en-US" sz="1200" b="0" i="0" kern="1200" dirty="0" smtClean="0">
                 <a:solidFill>
                   <a:schemeClr val="tx1"/>
                 </a:solidFill>
@@ -3291,7 +3378,7 @@
               <a:t>Hence, total ways = 5! × 6! = </a:t>
             </a:r>
             <a:r>
-              <a:rPr lang="en-US" sz="1200" b="1" i="0" kern="1200" dirty="0">
+              <a:rPr lang="en-US" sz="1200" b="1" i="0" kern="1200" dirty="0" smtClean="0">
                 <a:solidFill>
                   <a:schemeClr val="tx1"/>
                 </a:solidFill>
@@ -3303,7 +3390,7 @@
               <a:t>86400 </a:t>
             </a:r>
             <a:r>
-              <a:rPr lang="en-US" sz="1200" b="0" i="0" kern="1200" dirty="0">
+              <a:rPr lang="en-US" sz="1200" b="0" i="0" kern="1200" dirty="0" smtClean="0">
                 <a:solidFill>
                   <a:schemeClr val="tx1"/>
                 </a:solidFill>
@@ -3314,7 +3401,7 @@
               </a:rPr>
               <a:t>ways.</a:t>
             </a:r>
-            <a:endParaRPr lang="en-US" sz="1200" b="1" i="0" kern="1200" dirty="0">
+            <a:endParaRPr lang="en-US" sz="1200" b="1" i="0" kern="1200" dirty="0" smtClean="0">
               <a:solidFill>
                 <a:schemeClr val="tx1"/>
               </a:solidFill>
@@ -3407,7 +3494,7 @@
           <a:lstStyle/>
           <a:p>
             <a:r>
-              <a:rPr lang="en-US" sz="1200" b="1" i="0" kern="1200" dirty="0">
+              <a:rPr lang="en-US" sz="1200" b="1" i="0" kern="1200" dirty="0" smtClean="0">
                 <a:solidFill>
                   <a:schemeClr val="tx1"/>
                 </a:solidFill>
@@ -3416,12 +3503,10 @@
                 <a:ea typeface="+mn-ea"/>
                 <a:cs typeface="+mn-cs"/>
               </a:rPr>
-              <a:t>Answer: A</a:t>
-            </a:r>
-          </a:p>
-          <a:p>
-            <a:r>
-              <a:rPr lang="en-US" sz="1200" b="0" i="0" kern="1200" dirty="0">
+              <a:t>Answer: </a:t>
+            </a:r>
+            <a:r>
+              <a:rPr lang="en-US" sz="1200" b="1" i="0" kern="1200" dirty="0" smtClean="0">
                 <a:solidFill>
                   <a:schemeClr val="tx1"/>
                 </a:solidFill>
@@ -3430,12 +3515,12 @@
                 <a:ea typeface="+mn-ea"/>
                 <a:cs typeface="+mn-cs"/>
               </a:rPr>
-              <a:t>Whenever u get keyword as a necklace the no of ways in which I could be rearranged = (n - 1)! / 2Therefore no of ways = (8 - 1)! / 2</a:t>
-            </a:r>
-          </a:p>
-          <a:p>
-            <a:r>
-              <a:rPr lang="en-US" sz="1200" b="0" i="0" kern="1200" dirty="0">
+              <a:t>A</a:t>
+            </a:r>
+          </a:p>
+          <a:p>
+            <a:r>
+              <a:rPr lang="en-US" sz="1200" b="0" i="0" kern="1200" dirty="0" smtClean="0">
                 <a:solidFill>
                   <a:schemeClr val="tx1"/>
                 </a:solidFill>
@@ -3444,11 +3529,25 @@
                 <a:ea typeface="+mn-ea"/>
                 <a:cs typeface="+mn-cs"/>
               </a:rPr>
+              <a:t>Whenever u get keyword as a necklace the no of ways in which I could be rearranged = (n - 1)! / 2Therefore no of ways = (8 - 1)! / 2</a:t>
+            </a:r>
+          </a:p>
+          <a:p>
+            <a:r>
+              <a:rPr lang="en-US" sz="1200" b="0" i="0" kern="1200" dirty="0" smtClean="0">
+                <a:solidFill>
+                  <a:schemeClr val="tx1"/>
+                </a:solidFill>
+                <a:effectLst/>
+                <a:latin typeface="+mn-lt"/>
+                <a:ea typeface="+mn-ea"/>
+                <a:cs typeface="+mn-cs"/>
+              </a:rPr>
               <a:t>                                   = 7!/2</a:t>
             </a:r>
           </a:p>
           <a:p>
-            <a:endParaRPr lang="en-US" sz="1200" b="1" i="0" kern="1200" dirty="0">
+            <a:endParaRPr lang="en-US" sz="1200" b="1" i="0" kern="1200" dirty="0" smtClean="0">
               <a:solidFill>
                 <a:schemeClr val="tx1"/>
               </a:solidFill>
@@ -3676,7 +3775,7 @@
             <a:fld id="{1D8BD707-D9CF-40AE-B4C6-C98DA3205C09}" type="datetimeFigureOut">
               <a:rPr lang="en-US" smtClean="0"/>
               <a:pPr/>
-              <a:t>3/29/22</a:t>
+              <a:t>12/16/2019</a:t>
             </a:fld>
             <a:endParaRPr lang="en-US"/>
           </a:p>
@@ -3841,7 +3940,7 @@
             <a:fld id="{1D8BD707-D9CF-40AE-B4C6-C98DA3205C09}" type="datetimeFigureOut">
               <a:rPr lang="en-US" smtClean="0"/>
               <a:pPr/>
-              <a:t>3/29/22</a:t>
+              <a:t>12/16/2019</a:t>
             </a:fld>
             <a:endParaRPr lang="en-US"/>
           </a:p>
@@ -4016,7 +4115,7 @@
             <a:fld id="{1D8BD707-D9CF-40AE-B4C6-C98DA3205C09}" type="datetimeFigureOut">
               <a:rPr lang="en-US" smtClean="0"/>
               <a:pPr/>
-              <a:t>3/29/22</a:t>
+              <a:t>12/16/2019</a:t>
             </a:fld>
             <a:endParaRPr lang="en-US"/>
           </a:p>
@@ -4181,7 +4280,7 @@
             <a:fld id="{1D8BD707-D9CF-40AE-B4C6-C98DA3205C09}" type="datetimeFigureOut">
               <a:rPr lang="en-US" smtClean="0"/>
               <a:pPr/>
-              <a:t>3/29/22</a:t>
+              <a:t>12/16/2019</a:t>
             </a:fld>
             <a:endParaRPr lang="en-US"/>
           </a:p>
@@ -4423,7 +4522,7 @@
             <a:fld id="{1D8BD707-D9CF-40AE-B4C6-C98DA3205C09}" type="datetimeFigureOut">
               <a:rPr lang="en-US" smtClean="0"/>
               <a:pPr/>
-              <a:t>3/29/22</a:t>
+              <a:t>12/16/2019</a:t>
             </a:fld>
             <a:endParaRPr lang="en-US"/>
           </a:p>
@@ -4705,7 +4804,7 @@
             <a:fld id="{1D8BD707-D9CF-40AE-B4C6-C98DA3205C09}" type="datetimeFigureOut">
               <a:rPr lang="en-US" smtClean="0"/>
               <a:pPr/>
-              <a:t>3/29/22</a:t>
+              <a:t>12/16/2019</a:t>
             </a:fld>
             <a:endParaRPr lang="en-US"/>
           </a:p>
@@ -5121,7 +5220,7 @@
             <a:fld id="{1D8BD707-D9CF-40AE-B4C6-C98DA3205C09}" type="datetimeFigureOut">
               <a:rPr lang="en-US" smtClean="0"/>
               <a:pPr/>
-              <a:t>3/29/22</a:t>
+              <a:t>12/16/2019</a:t>
             </a:fld>
             <a:endParaRPr lang="en-US"/>
           </a:p>
@@ -5235,7 +5334,7 @@
             <a:fld id="{1D8BD707-D9CF-40AE-B4C6-C98DA3205C09}" type="datetimeFigureOut">
               <a:rPr lang="en-US" smtClean="0"/>
               <a:pPr/>
-              <a:t>3/29/22</a:t>
+              <a:t>12/16/2019</a:t>
             </a:fld>
             <a:endParaRPr lang="en-US"/>
           </a:p>
@@ -5327,7 +5426,7 @@
             <a:fld id="{1D8BD707-D9CF-40AE-B4C6-C98DA3205C09}" type="datetimeFigureOut">
               <a:rPr lang="en-US" smtClean="0"/>
               <a:pPr/>
-              <a:t>3/29/22</a:t>
+              <a:t>12/16/2019</a:t>
             </a:fld>
             <a:endParaRPr lang="en-US"/>
           </a:p>
@@ -5599,7 +5698,7 @@
             <a:fld id="{1D8BD707-D9CF-40AE-B4C6-C98DA3205C09}" type="datetimeFigureOut">
               <a:rPr lang="en-US" smtClean="0"/>
               <a:pPr/>
-              <a:t>3/29/22</a:t>
+              <a:t>12/16/2019</a:t>
             </a:fld>
             <a:endParaRPr lang="en-US"/>
           </a:p>
@@ -5848,7 +5947,7 @@
             <a:fld id="{1D8BD707-D9CF-40AE-B4C6-C98DA3205C09}" type="datetimeFigureOut">
               <a:rPr lang="en-US" smtClean="0"/>
               <a:pPr/>
-              <a:t>3/29/22</a:t>
+              <a:t>12/16/2019</a:t>
             </a:fld>
             <a:endParaRPr lang="en-US"/>
           </a:p>
@@ -6056,7 +6155,7 @@
             <a:fld id="{1D8BD707-D9CF-40AE-B4C6-C98DA3205C09}" type="datetimeFigureOut">
               <a:rPr lang="en-US" smtClean="0"/>
               <a:pPr/>
-              <a:t>3/29/22</a:t>
+              <a:t>12/16/2019</a:t>
             </a:fld>
             <a:endParaRPr lang="en-US"/>
           </a:p>
@@ -6473,6 +6572,13 @@
   <p:clrMapOvr>
     <a:masterClrMapping/>
   </p:clrMapOvr>
+  <p:timing>
+    <p:tnLst>
+      <p:par>
+        <p:cTn id="1" dur="indefinite" restart="never" nodeType="tmRoot"/>
+      </p:par>
+    </p:tnLst>
+  </p:timing>
 </p:sld>
 </file>
 
@@ -6981,8 +7087,23 @@
                 </a:solidFill>
                 <a:latin typeface="Nunito Sans" panose="00000500000000000000" pitchFamily="2" charset="0"/>
               </a:rPr>
-              <a:t>Question 4</a:t>
-            </a:r>
+              <a:t>Question </a:t>
+            </a:r>
+            <a:r>
+              <a:rPr lang="en-US" sz="4800" b="1" dirty="0" smtClean="0">
+                <a:solidFill>
+                  <a:schemeClr val="bg1"/>
+                </a:solidFill>
+                <a:latin typeface="Nunito Sans" panose="00000500000000000000" pitchFamily="2" charset="0"/>
+              </a:rPr>
+              <a:t>4</a:t>
+            </a:r>
+            <a:endParaRPr lang="en-US" sz="4800" b="1" dirty="0">
+              <a:solidFill>
+                <a:schemeClr val="bg1"/>
+              </a:solidFill>
+              <a:latin typeface="Nunito Sans" panose="00000500000000000000" pitchFamily="2" charset="0"/>
+            </a:endParaRPr>
           </a:p>
         </p:txBody>
       </p:sp>
@@ -7026,6 +7147,13 @@
   <p:clrMapOvr>
     <a:masterClrMapping/>
   </p:clrMapOvr>
+  <p:timing>
+    <p:tnLst>
+      <p:par>
+        <p:cTn id="1" dur="indefinite" restart="never" nodeType="tmRoot"/>
+      </p:par>
+    </p:tnLst>
+  </p:timing>
 </p:sld>
 </file>
 
@@ -7035,7 +7163,7 @@
     <p:bg>
       <p:bgPr>
         <a:solidFill>
-          <a:schemeClr val="bg1"/>
+          <a:srgbClr val="FDFDFD"/>
         </a:solidFill>
         <a:effectLst/>
       </p:bgPr>
@@ -7056,41 +7184,403 @@
       </p:grpSpPr>
       <p:sp>
         <p:nvSpPr>
-          <p:cNvPr id="10" name="Rectangle 9">
-            <a:extLst>
-              <a:ext uri="{FF2B5EF4-FFF2-40B4-BE49-F238E27FC236}">
-                <a16:creationId xmlns:a16="http://schemas.microsoft.com/office/drawing/2014/main" id="{A9F529C3-C941-49FD-8C67-82F134F64BDB}"/>
-              </a:ext>
-              <a:ext uri="{C183D7F6-B498-43B3-948B-1728B52AA6E4}">
-                <adec:decorative xmlns:adec="http://schemas.microsoft.com/office/drawing/2017/decorative" val="1"/>
-              </a:ext>
-            </a:extLst>
-          </p:cNvPr>
-          <p:cNvSpPr>
-            <a:spLocks noGrp="1" noRot="1" noChangeAspect="1" noMove="1" noResize="1" noEditPoints="1" noAdjustHandles="1" noChangeArrowheads="1" noChangeShapeType="1" noTextEdit="1"/>
-          </p:cNvSpPr>
-          <p:nvPr>
-            <p:extLst>
-              <p:ext uri="{386F3935-93C4-4BCD-93E2-E3B085C9AB24}">
-                <p16:designElem xmlns:p16="http://schemas.microsoft.com/office/powerpoint/2015/main" val="1"/>
-              </p:ext>
-            </p:extLst>
-          </p:nvPr>
+          <p:cNvPr id="9" name="TextBox 8">
+            <a:extLst>
+              <a:ext uri="{FF2B5EF4-FFF2-40B4-BE49-F238E27FC236}">
+                <a16:creationId xmlns:a16="http://schemas.microsoft.com/office/drawing/2014/main" id="{05EFE211-1D0D-4979-87E6-8967C2913C04}"/>
+              </a:ext>
+            </a:extLst>
+          </p:cNvPr>
+          <p:cNvSpPr txBox="1"/>
+          <p:nvPr/>
+        </p:nvSpPr>
+        <p:spPr>
+          <a:xfrm>
+            <a:off x="642479" y="1156906"/>
+            <a:ext cx="10907041" cy="861774"/>
+          </a:xfrm>
+          <a:prstGeom prst="rect">
+            <a:avLst/>
+          </a:prstGeom>
+          <a:noFill/>
+        </p:spPr>
+        <p:txBody>
+          <a:bodyPr wrap="square" rtlCol="0">
+            <a:spAutoFit/>
+          </a:bodyPr>
+          <a:lstStyle/>
+          <a:p>
+            <a:pPr algn="just"/>
+            <a:r>
+              <a:rPr lang="en-US" sz="2500" dirty="0">
+                <a:latin typeface="Nunito Sans" panose="00000500000000000000" pitchFamily="2" charset="0"/>
+              </a:rPr>
+              <a:t>In how many ways can a group of 25 people be arranged around two circular tables consisting of 12 and 13 chairs?</a:t>
+            </a:r>
+          </a:p>
+        </p:txBody>
+      </p:sp>
+      <p:sp>
+        <p:nvSpPr>
+          <p:cNvPr id="4" name="Rectangle 3">
+            <a:extLst>
+              <a:ext uri="{FF2B5EF4-FFF2-40B4-BE49-F238E27FC236}">
+                <a16:creationId xmlns:a16="http://schemas.microsoft.com/office/drawing/2014/main" id="{E5DD2504-B1FF-4F55-B4FA-4AEA19FF2DD8}"/>
+              </a:ext>
+            </a:extLst>
+          </p:cNvPr>
+          <p:cNvSpPr/>
+          <p:nvPr/>
+        </p:nvSpPr>
+        <p:spPr>
+          <a:xfrm>
+            <a:off x="657998" y="3200400"/>
+            <a:ext cx="696697" cy="621324"/>
+          </a:xfrm>
+          <a:prstGeom prst="rect">
+            <a:avLst/>
+          </a:prstGeom>
+          <a:noFill/>
+        </p:spPr>
+        <p:txBody>
+          <a:bodyPr wrap="square" lIns="91440" tIns="45720" rIns="91440" bIns="45720">
+            <a:spAutoFit/>
+          </a:bodyPr>
+          <a:lstStyle/>
+          <a:p>
+            <a:pPr>
+              <a:lnSpc>
+                <a:spcPct val="150000"/>
+              </a:lnSpc>
+            </a:pPr>
+            <a:r>
+              <a:rPr lang="en-US" sz="2500" b="1" dirty="0">
+                <a:latin typeface="Nunito Sans" panose="00000500000000000000" pitchFamily="2" charset="0"/>
+              </a:rPr>
+              <a:t>A)</a:t>
+            </a:r>
+          </a:p>
+        </p:txBody>
+      </p:sp>
+      <p:sp>
+        <p:nvSpPr>
+          <p:cNvPr id="16" name="Rectangle 15">
+            <a:extLst>
+              <a:ext uri="{FF2B5EF4-FFF2-40B4-BE49-F238E27FC236}">
+                <a16:creationId xmlns:a16="http://schemas.microsoft.com/office/drawing/2014/main" id="{72143B70-2774-4C1B-BA6C-0E2C89AD6E8B}"/>
+              </a:ext>
+            </a:extLst>
+          </p:cNvPr>
+          <p:cNvSpPr/>
+          <p:nvPr/>
+        </p:nvSpPr>
+        <p:spPr>
+          <a:xfrm>
+            <a:off x="647791" y="3775160"/>
+            <a:ext cx="696697" cy="621324"/>
+          </a:xfrm>
+          <a:prstGeom prst="rect">
+            <a:avLst/>
+          </a:prstGeom>
+          <a:noFill/>
+        </p:spPr>
+        <p:txBody>
+          <a:bodyPr wrap="square" lIns="91440" tIns="45720" rIns="91440" bIns="45720">
+            <a:spAutoFit/>
+          </a:bodyPr>
+          <a:lstStyle/>
+          <a:p>
+            <a:pPr>
+              <a:lnSpc>
+                <a:spcPct val="150000"/>
+              </a:lnSpc>
+            </a:pPr>
+            <a:r>
+              <a:rPr lang="en-US" sz="2500" b="1" dirty="0">
+                <a:latin typeface="Nunito Sans" panose="00000500000000000000" pitchFamily="2" charset="0"/>
+              </a:rPr>
+              <a:t>B)</a:t>
+            </a:r>
+          </a:p>
+        </p:txBody>
+      </p:sp>
+      <p:sp>
+        <p:nvSpPr>
+          <p:cNvPr id="17" name="Rectangle 16">
+            <a:extLst>
+              <a:ext uri="{FF2B5EF4-FFF2-40B4-BE49-F238E27FC236}">
+                <a16:creationId xmlns:a16="http://schemas.microsoft.com/office/drawing/2014/main" id="{E78CEF88-20C6-43F2-BCB5-DBF349A353D1}"/>
+              </a:ext>
+            </a:extLst>
+          </p:cNvPr>
+          <p:cNvSpPr/>
+          <p:nvPr/>
+        </p:nvSpPr>
+        <p:spPr>
+          <a:xfrm>
+            <a:off x="657998" y="4349920"/>
+            <a:ext cx="696697" cy="621324"/>
+          </a:xfrm>
+          <a:prstGeom prst="rect">
+            <a:avLst/>
+          </a:prstGeom>
+          <a:noFill/>
+        </p:spPr>
+        <p:txBody>
+          <a:bodyPr wrap="square" lIns="91440" tIns="45720" rIns="91440" bIns="45720">
+            <a:spAutoFit/>
+          </a:bodyPr>
+          <a:lstStyle/>
+          <a:p>
+            <a:pPr>
+              <a:lnSpc>
+                <a:spcPct val="150000"/>
+              </a:lnSpc>
+            </a:pPr>
+            <a:r>
+              <a:rPr lang="en-US" sz="2500" b="1" dirty="0">
+                <a:latin typeface="Nunito Sans" panose="00000500000000000000" pitchFamily="2" charset="0"/>
+              </a:rPr>
+              <a:t>C)</a:t>
+            </a:r>
+          </a:p>
+        </p:txBody>
+      </p:sp>
+      <p:sp>
+        <p:nvSpPr>
+          <p:cNvPr id="18" name="Rectangle 17">
+            <a:extLst>
+              <a:ext uri="{FF2B5EF4-FFF2-40B4-BE49-F238E27FC236}">
+                <a16:creationId xmlns:a16="http://schemas.microsoft.com/office/drawing/2014/main" id="{EFAD326F-7428-498A-82D3-321753462543}"/>
+              </a:ext>
+            </a:extLst>
+          </p:cNvPr>
+          <p:cNvSpPr/>
+          <p:nvPr/>
+        </p:nvSpPr>
+        <p:spPr>
+          <a:xfrm>
+            <a:off x="641928" y="4914129"/>
+            <a:ext cx="696697" cy="621324"/>
+          </a:xfrm>
+          <a:prstGeom prst="rect">
+            <a:avLst/>
+          </a:prstGeom>
+          <a:noFill/>
+        </p:spPr>
+        <p:txBody>
+          <a:bodyPr wrap="square" lIns="91440" tIns="45720" rIns="91440" bIns="45720">
+            <a:spAutoFit/>
+          </a:bodyPr>
+          <a:lstStyle/>
+          <a:p>
+            <a:pPr>
+              <a:lnSpc>
+                <a:spcPct val="150000"/>
+              </a:lnSpc>
+            </a:pPr>
+            <a:r>
+              <a:rPr lang="en-US" sz="2500" b="1" dirty="0">
+                <a:latin typeface="Nunito Sans" panose="00000500000000000000" pitchFamily="2" charset="0"/>
+              </a:rPr>
+              <a:t>D)</a:t>
+            </a:r>
+          </a:p>
+        </p:txBody>
+      </p:sp>
+      <p:sp>
+        <p:nvSpPr>
+          <p:cNvPr id="23" name="Rectangle 22">
+            <a:extLst>
+              <a:ext uri="{FF2B5EF4-FFF2-40B4-BE49-F238E27FC236}">
+                <a16:creationId xmlns:a16="http://schemas.microsoft.com/office/drawing/2014/main" id="{116C2E0D-93FB-4ADC-BC2B-83DFED946B7A}"/>
+              </a:ext>
+            </a:extLst>
+          </p:cNvPr>
+          <p:cNvSpPr/>
+          <p:nvPr/>
+        </p:nvSpPr>
+        <p:spPr>
+          <a:xfrm>
+            <a:off x="1456098" y="3200400"/>
+            <a:ext cx="10098317" cy="621324"/>
+          </a:xfrm>
+          <a:prstGeom prst="rect">
+            <a:avLst/>
+          </a:prstGeom>
+          <a:noFill/>
+        </p:spPr>
+        <p:txBody>
+          <a:bodyPr wrap="square" lIns="91440" tIns="45720" rIns="91440" bIns="45720">
+            <a:spAutoFit/>
+          </a:bodyPr>
+          <a:lstStyle/>
+          <a:p>
+            <a:pPr>
+              <a:lnSpc>
+                <a:spcPct val="150000"/>
+              </a:lnSpc>
+            </a:pPr>
+            <a:r>
+              <a:rPr lang="en-US" sz="2500" dirty="0">
+                <a:latin typeface="Nunito Sans" panose="00000500000000000000" pitchFamily="2" charset="0"/>
+              </a:rPr>
+              <a:t>25! x 11!/13!</a:t>
+            </a:r>
+          </a:p>
+        </p:txBody>
+      </p:sp>
+      <p:sp>
+        <p:nvSpPr>
+          <p:cNvPr id="24" name="Rectangle 23">
+            <a:extLst>
+              <a:ext uri="{FF2B5EF4-FFF2-40B4-BE49-F238E27FC236}">
+                <a16:creationId xmlns:a16="http://schemas.microsoft.com/office/drawing/2014/main" id="{F62FDC11-1E2D-428B-8217-CF9104F9B6D7}"/>
+              </a:ext>
+            </a:extLst>
+          </p:cNvPr>
+          <p:cNvSpPr/>
+          <p:nvPr/>
+        </p:nvSpPr>
+        <p:spPr>
+          <a:xfrm>
+            <a:off x="1445891" y="3775160"/>
+            <a:ext cx="10098317" cy="621324"/>
+          </a:xfrm>
+          <a:prstGeom prst="rect">
+            <a:avLst/>
+          </a:prstGeom>
+          <a:noFill/>
+        </p:spPr>
+        <p:txBody>
+          <a:bodyPr wrap="square" lIns="91440" tIns="45720" rIns="91440" bIns="45720">
+            <a:spAutoFit/>
+          </a:bodyPr>
+          <a:lstStyle/>
+          <a:p>
+            <a:pPr>
+              <a:lnSpc>
+                <a:spcPct val="150000"/>
+              </a:lnSpc>
+            </a:pPr>
+            <a:r>
+              <a:rPr lang="en-US" sz="2500" dirty="0">
+                <a:latin typeface="Nunito Sans" panose="00000500000000000000" pitchFamily="2" charset="0"/>
+              </a:rPr>
+              <a:t>25</a:t>
+            </a:r>
+          </a:p>
+        </p:txBody>
+      </p:sp>
+      <p:sp>
+        <p:nvSpPr>
+          <p:cNvPr id="25" name="Rectangle 24">
+            <a:extLst>
+              <a:ext uri="{FF2B5EF4-FFF2-40B4-BE49-F238E27FC236}">
+                <a16:creationId xmlns:a16="http://schemas.microsoft.com/office/drawing/2014/main" id="{BEF40363-1296-4F6B-8656-D47D96B64330}"/>
+              </a:ext>
+            </a:extLst>
+          </p:cNvPr>
+          <p:cNvSpPr/>
+          <p:nvPr/>
+        </p:nvSpPr>
+        <p:spPr>
+          <a:xfrm>
+            <a:off x="1456098" y="4349920"/>
+            <a:ext cx="10098317" cy="621324"/>
+          </a:xfrm>
+          <a:prstGeom prst="rect">
+            <a:avLst/>
+          </a:prstGeom>
+          <a:noFill/>
+        </p:spPr>
+        <p:txBody>
+          <a:bodyPr wrap="square" lIns="91440" tIns="45720" rIns="91440" bIns="45720">
+            <a:spAutoFit/>
+          </a:bodyPr>
+          <a:lstStyle/>
+          <a:p>
+            <a:pPr>
+              <a:lnSpc>
+                <a:spcPct val="150000"/>
+              </a:lnSpc>
+            </a:pPr>
+            <a:r>
+              <a:rPr lang="en-US" sz="2500" dirty="0">
+                <a:latin typeface="Nunito Sans" panose="00000500000000000000" pitchFamily="2" charset="0"/>
+              </a:rPr>
+              <a:t>25! × 12! × 12! × 13!</a:t>
+            </a:r>
+          </a:p>
+        </p:txBody>
+      </p:sp>
+      <p:sp>
+        <p:nvSpPr>
+          <p:cNvPr id="26" name="Rectangle 25">
+            <a:extLst>
+              <a:ext uri="{FF2B5EF4-FFF2-40B4-BE49-F238E27FC236}">
+                <a16:creationId xmlns:a16="http://schemas.microsoft.com/office/drawing/2014/main" id="{D95ABC10-15CF-488C-806F-94CE71FC878A}"/>
+              </a:ext>
+            </a:extLst>
+          </p:cNvPr>
+          <p:cNvSpPr/>
+          <p:nvPr/>
+        </p:nvSpPr>
+        <p:spPr>
+          <a:xfrm>
+            <a:off x="1440028" y="4914129"/>
+            <a:ext cx="10098317" cy="621324"/>
+          </a:xfrm>
+          <a:prstGeom prst="rect">
+            <a:avLst/>
+          </a:prstGeom>
+          <a:noFill/>
+        </p:spPr>
+        <p:txBody>
+          <a:bodyPr wrap="square" lIns="91440" tIns="45720" rIns="91440" bIns="45720">
+            <a:spAutoFit/>
+          </a:bodyPr>
+          <a:lstStyle/>
+          <a:p>
+            <a:pPr>
+              <a:lnSpc>
+                <a:spcPct val="150000"/>
+              </a:lnSpc>
+            </a:pPr>
+            <a:r>
+              <a:rPr lang="en-US" sz="2500" dirty="0" smtClean="0">
+                <a:latin typeface="Nunito Sans" panose="00000500000000000000" pitchFamily="2" charset="0"/>
+              </a:rPr>
+              <a:t>1024</a:t>
+            </a:r>
+            <a:endParaRPr lang="en-US" sz="2500" dirty="0">
+              <a:latin typeface="Nunito Sans" panose="00000500000000000000" pitchFamily="2" charset="0"/>
+            </a:endParaRPr>
+          </a:p>
+        </p:txBody>
+      </p:sp>
+      <p:sp>
+        <p:nvSpPr>
+          <p:cNvPr id="19" name="Rectangle 18">
+            <a:extLst>
+              <a:ext uri="{FF2B5EF4-FFF2-40B4-BE49-F238E27FC236}">
+                <a16:creationId xmlns:a16="http://schemas.microsoft.com/office/drawing/2014/main" id="{BC5E04D4-0543-4484-B3B6-0DDB2FCDCEA4}"/>
+              </a:ext>
+            </a:extLst>
+          </p:cNvPr>
+          <p:cNvSpPr/>
+          <p:nvPr/>
         </p:nvSpPr>
         <p:spPr>
           <a:xfrm>
             <a:off x="0" y="0"/>
-            <a:ext cx="12192000" cy="6858000"/>
+            <a:ext cx="12192000" cy="883618"/>
           </a:xfrm>
           <a:prstGeom prst="rect">
             <a:avLst/>
           </a:prstGeom>
           <a:solidFill>
-            <a:schemeClr val="tx1">
-              <a:lumMod val="50000"/>
-              <a:lumOff val="50000"/>
-              <a:alpha val="30000"/>
-            </a:schemeClr>
+            <a:srgbClr val="F05136"/>
           </a:solidFill>
           <a:ln>
             <a:noFill/>
@@ -7123,182 +7613,84 @@
       </p:sp>
       <p:sp>
         <p:nvSpPr>
-          <p:cNvPr id="12" name="Rectangle 11">
-            <a:extLst>
-              <a:ext uri="{FF2B5EF4-FFF2-40B4-BE49-F238E27FC236}">
-                <a16:creationId xmlns:a16="http://schemas.microsoft.com/office/drawing/2014/main" id="{20586029-32A0-47E5-9AEC-AE3ABA6B94D0}"/>
-              </a:ext>
-              <a:ext uri="{C183D7F6-B498-43B3-948B-1728B52AA6E4}">
-                <adec:decorative xmlns:adec="http://schemas.microsoft.com/office/drawing/2017/decorative" val="1"/>
-              </a:ext>
-            </a:extLst>
-          </p:cNvPr>
-          <p:cNvSpPr>
-            <a:spLocks noGrp="1" noRot="1" noChangeAspect="1" noMove="1" noResize="1" noEditPoints="1" noAdjustHandles="1" noChangeArrowheads="1" noChangeShapeType="1" noTextEdit="1"/>
-          </p:cNvSpPr>
-          <p:nvPr>
-            <p:extLst>
-              <p:ext uri="{386F3935-93C4-4BCD-93E2-E3B085C9AB24}">
-                <p16:designElem xmlns:p16="http://schemas.microsoft.com/office/powerpoint/2015/main" val="1"/>
-              </p:ext>
-            </p:extLst>
-          </p:nvPr>
-        </p:nvSpPr>
-        <p:spPr>
-          <a:xfrm>
-            <a:off x="477012" y="480060"/>
-            <a:ext cx="11237976" cy="5897880"/>
-          </a:xfrm>
-          <a:prstGeom prst="rect">
-            <a:avLst/>
-          </a:prstGeom>
-          <a:solidFill>
-            <a:srgbClr val="FFFFFF"/>
-          </a:solidFill>
-          <a:ln w="9525">
-            <a:noFill/>
-          </a:ln>
-          <a:effectLst>
-            <a:outerShdw blurRad="63500" dist="17780" dir="5400000" algn="t" rotWithShape="0">
-              <a:prstClr val="black">
-                <a:alpha val="43000"/>
-              </a:prstClr>
-            </a:outerShdw>
-          </a:effectLst>
-        </p:spPr>
-        <p:style>
-          <a:lnRef idx="2">
-            <a:schemeClr val="accent1">
-              <a:shade val="50000"/>
-            </a:schemeClr>
-          </a:lnRef>
-          <a:fillRef idx="1">
-            <a:schemeClr val="accent1"/>
-          </a:fillRef>
-          <a:effectRef idx="0">
-            <a:schemeClr val="accent1"/>
-          </a:effectRef>
-          <a:fontRef idx="minor">
-            <a:schemeClr val="lt1"/>
-          </a:fontRef>
-        </p:style>
-        <p:txBody>
-          <a:bodyPr rtlCol="0" anchor="ctr"/>
-          <a:lstStyle/>
-          <a:p>
-            <a:pPr algn="ctr"/>
-            <a:endParaRPr lang="en-US"/>
+          <p:cNvPr id="20" name="TextBox 19">
+            <a:extLst>
+              <a:ext uri="{FF2B5EF4-FFF2-40B4-BE49-F238E27FC236}">
+                <a16:creationId xmlns:a16="http://schemas.microsoft.com/office/drawing/2014/main" id="{8D2B7F5C-7E52-4144-8109-FAA3BD7AA776}"/>
+              </a:ext>
+            </a:extLst>
+          </p:cNvPr>
+          <p:cNvSpPr txBox="1"/>
+          <p:nvPr/>
+        </p:nvSpPr>
+        <p:spPr>
+          <a:xfrm>
+            <a:off x="3890150" y="228600"/>
+            <a:ext cx="7772400" cy="830997"/>
+          </a:xfrm>
+          <a:prstGeom prst="rect">
+            <a:avLst/>
+          </a:prstGeom>
+          <a:noFill/>
+        </p:spPr>
+        <p:txBody>
+          <a:bodyPr wrap="square" rtlCol="0">
+            <a:spAutoFit/>
+          </a:bodyPr>
+          <a:lstStyle/>
+          <a:p>
+            <a:pPr algn="r"/>
+            <a:r>
+              <a:rPr lang="en-US" sz="4800" b="1" dirty="0">
+                <a:solidFill>
+                  <a:schemeClr val="bg1"/>
+                </a:solidFill>
+                <a:latin typeface="Nunito Sans" panose="00000500000000000000" pitchFamily="2" charset="0"/>
+              </a:rPr>
+              <a:t>Question </a:t>
+            </a:r>
+            <a:r>
+              <a:rPr lang="en-US" sz="4800" b="1" dirty="0" smtClean="0">
+                <a:solidFill>
+                  <a:schemeClr val="bg1"/>
+                </a:solidFill>
+                <a:latin typeface="Nunito Sans" panose="00000500000000000000" pitchFamily="2" charset="0"/>
+              </a:rPr>
+              <a:t>5</a:t>
+            </a:r>
+            <a:endParaRPr lang="en-US" sz="4800" b="1" dirty="0">
+              <a:solidFill>
+                <a:schemeClr val="bg1"/>
+              </a:solidFill>
+              <a:latin typeface="Nunito Sans" panose="00000500000000000000" pitchFamily="2" charset="0"/>
+            </a:endParaRPr>
           </a:p>
         </p:txBody>
       </p:sp>
       <p:pic>
         <p:nvPicPr>
-          <p:cNvPr id="5" name="Picture 4">
-            <a:extLst>
-              <a:ext uri="{FF2B5EF4-FFF2-40B4-BE49-F238E27FC236}">
-                <a16:creationId xmlns:a16="http://schemas.microsoft.com/office/drawing/2014/main" id="{73C1296A-A951-0D46-A08D-EF85C63C10D7}"/>
-              </a:ext>
-            </a:extLst>
-          </p:cNvPr>
+          <p:cNvPr id="21" name="Picture 20"/>
           <p:cNvPicPr>
             <a:picLocks noChangeAspect="1"/>
           </p:cNvPicPr>
           <p:nvPr/>
         </p:nvPicPr>
         <p:blipFill>
-          <a:blip r:embed="rId2"/>
+          <a:blip r:embed="rId3" cstate="print">
+            <a:extLst>
+              <a:ext uri="{28A0092B-C50C-407E-A947-70E740481C1C}">
+                <a14:useLocalDpi xmlns:a14="http://schemas.microsoft.com/office/drawing/2010/main" val="0"/>
+              </a:ext>
+            </a:extLst>
+          </a:blip>
           <a:stretch>
             <a:fillRect/>
           </a:stretch>
         </p:blipFill>
         <p:spPr>
           <a:xfrm>
-            <a:off x="643467" y="2231070"/>
-            <a:ext cx="5294716" cy="2395858"/>
-          </a:xfrm>
-          <a:prstGeom prst="rect">
-            <a:avLst/>
-          </a:prstGeom>
-        </p:spPr>
-      </p:pic>
-      <p:cxnSp>
-        <p:nvCxnSpPr>
-          <p:cNvPr id="14" name="Straight Connector 13">
-            <a:extLst>
-              <a:ext uri="{FF2B5EF4-FFF2-40B4-BE49-F238E27FC236}">
-                <a16:creationId xmlns:a16="http://schemas.microsoft.com/office/drawing/2014/main" id="{8C730EAB-A532-4295-A302-FB4B90DB9F5E}"/>
-              </a:ext>
-              <a:ext uri="{C183D7F6-B498-43B3-948B-1728B52AA6E4}">
-                <adec:decorative xmlns:adec="http://schemas.microsoft.com/office/drawing/2017/decorative" val="1"/>
-              </a:ext>
-            </a:extLst>
-          </p:cNvPr>
-          <p:cNvCxnSpPr>
-            <a:cxnSpLocks noGrp="1" noRot="1" noChangeAspect="1" noMove="1" noResize="1" noEditPoints="1" noAdjustHandles="1" noChangeArrowheads="1" noChangeShapeType="1"/>
-          </p:cNvCxnSpPr>
-          <p:nvPr>
-            <p:extLst>
-              <p:ext uri="{386F3935-93C4-4BCD-93E2-E3B085C9AB24}">
-                <p16:designElem xmlns:p16="http://schemas.microsoft.com/office/powerpoint/2015/main" val="1"/>
-              </p:ext>
-            </p:extLst>
-          </p:nvPr>
-        </p:nvCxnSpPr>
-        <p:spPr>
-          <a:xfrm>
-            <a:off x="6079958" y="1143000"/>
-            <a:ext cx="0" cy="4572000"/>
-          </a:xfrm>
-          <a:prstGeom prst="line">
-            <a:avLst/>
-          </a:prstGeom>
-          <a:ln>
-            <a:solidFill>
-              <a:srgbClr val="4E4E4E"/>
-            </a:solidFill>
-          </a:ln>
-        </p:spPr>
-        <p:style>
-          <a:lnRef idx="1">
-            <a:schemeClr val="accent1"/>
-          </a:lnRef>
-          <a:fillRef idx="0">
-            <a:schemeClr val="accent1"/>
-          </a:fillRef>
-          <a:effectRef idx="0">
-            <a:schemeClr val="accent1"/>
-          </a:effectRef>
-          <a:fontRef idx="minor">
-            <a:schemeClr val="tx1"/>
-          </a:fontRef>
-        </p:style>
-      </p:cxnSp>
-      <p:pic>
-        <p:nvPicPr>
-          <p:cNvPr id="4" name="Content Placeholder 3">
-            <a:extLst>
-              <a:ext uri="{FF2B5EF4-FFF2-40B4-BE49-F238E27FC236}">
-                <a16:creationId xmlns:a16="http://schemas.microsoft.com/office/drawing/2014/main" id="{4222932E-16AD-5543-916D-67609E7254FD}"/>
-              </a:ext>
-            </a:extLst>
-          </p:cNvPr>
-          <p:cNvPicPr>
-            <a:picLocks noGrp="1" noChangeAspect="1"/>
-          </p:cNvPicPr>
-          <p:nvPr>
-            <p:ph idx="1"/>
-          </p:nvPr>
-        </p:nvPicPr>
-        <p:blipFill>
-          <a:blip r:embed="rId3"/>
-          <a:stretch>
-            <a:fillRect/>
-          </a:stretch>
-        </p:blipFill>
-        <p:spPr>
-          <a:xfrm>
-            <a:off x="6253817" y="1657394"/>
-            <a:ext cx="5294715" cy="3600406"/>
+            <a:off x="9674352" y="6099048"/>
+            <a:ext cx="1989410" cy="429768"/>
           </a:xfrm>
           <a:prstGeom prst="rect">
             <a:avLst/>
@@ -7308,13 +7700,20 @@
     </p:spTree>
     <p:extLst>
       <p:ext uri="{BB962C8B-B14F-4D97-AF65-F5344CB8AC3E}">
-        <p14:creationId xmlns:p14="http://schemas.microsoft.com/office/powerpoint/2010/main" val="1818528418"/>
+        <p14:creationId xmlns:p14="http://schemas.microsoft.com/office/powerpoint/2010/main" val="427336348"/>
       </p:ext>
     </p:extLst>
   </p:cSld>
   <p:clrMapOvr>
     <a:masterClrMapping/>
   </p:clrMapOvr>
+  <p:timing>
+    <p:tnLst>
+      <p:par>
+        <p:cTn id="1" dur="indefinite" restart="never" nodeType="tmRoot"/>
+      </p:par>
+    </p:tnLst>
+  </p:timing>
 </p:sld>
 </file>
 
@@ -7358,7 +7757,7 @@
         <p:spPr>
           <a:xfrm>
             <a:off x="642479" y="1156906"/>
-            <a:ext cx="10907041" cy="861774"/>
+            <a:ext cx="10907041" cy="1246495"/>
           </a:xfrm>
           <a:prstGeom prst="rect">
             <a:avLst/>
@@ -7376,7 +7775,7 @@
               <a:rPr lang="en-US" sz="2500" dirty="0">
                 <a:latin typeface="Nunito Sans" panose="00000500000000000000" pitchFamily="2" charset="0"/>
               </a:rPr>
-              <a:t>In how many ways can a group of 25 people be arranged around two circular tables consisting of 12 and 13 chairs?</a:t>
+              <a:t>In a playground 3 sisters and 8 other girls are playing together. In a particular game, how many ways can all the girls be seated in a circular order so that the three sisters are not seated together?</a:t>
             </a:r>
           </a:p>
         </p:txBody>
@@ -7586,7 +7985,7 @@
               <a:rPr lang="en-US" sz="2500" dirty="0">
                 <a:latin typeface="Nunito Sans" panose="00000500000000000000" pitchFamily="2" charset="0"/>
               </a:rPr>
-              <a:t>25! x 11!/13!</a:t>
+              <a:t>457993</a:t>
             </a:r>
           </a:p>
         </p:txBody>
@@ -7628,7 +8027,7 @@
               <a:rPr lang="en-US" sz="2500" dirty="0">
                 <a:latin typeface="Nunito Sans" panose="00000500000000000000" pitchFamily="2" charset="0"/>
               </a:rPr>
-              <a:t>25</a:t>
+              <a:t>3386880</a:t>
             </a:r>
           </a:p>
         </p:txBody>
@@ -7670,7 +8069,7 @@
               <a:rPr lang="en-US" sz="2500" dirty="0">
                 <a:latin typeface="Nunito Sans" panose="00000500000000000000" pitchFamily="2" charset="0"/>
               </a:rPr>
-              <a:t>25! × 12! × 12! × 13!</a:t>
+              <a:t>6544873</a:t>
             </a:r>
           </a:p>
         </p:txBody>
@@ -7712,7 +8111,7 @@
               <a:rPr lang="en-US" sz="2500" dirty="0">
                 <a:latin typeface="Nunito Sans" panose="00000500000000000000" pitchFamily="2" charset="0"/>
               </a:rPr>
-              <a:t>1024</a:t>
+              <a:t>56549</a:t>
             </a:r>
           </a:p>
         </p:txBody>
@@ -7805,8 +8204,23 @@
                 </a:solidFill>
                 <a:latin typeface="Nunito Sans" panose="00000500000000000000" pitchFamily="2" charset="0"/>
               </a:rPr>
-              <a:t>Question 5</a:t>
-            </a:r>
+              <a:t>Question </a:t>
+            </a:r>
+            <a:r>
+              <a:rPr lang="en-US" sz="4800" b="1" dirty="0" smtClean="0">
+                <a:solidFill>
+                  <a:schemeClr val="bg1"/>
+                </a:solidFill>
+                <a:latin typeface="Nunito Sans" panose="00000500000000000000" pitchFamily="2" charset="0"/>
+              </a:rPr>
+              <a:t>6</a:t>
+            </a:r>
+            <a:endParaRPr lang="en-US" sz="4800" b="1" dirty="0">
+              <a:solidFill>
+                <a:schemeClr val="bg1"/>
+              </a:solidFill>
+              <a:latin typeface="Nunito Sans" panose="00000500000000000000" pitchFamily="2" charset="0"/>
+            </a:endParaRPr>
           </a:p>
         </p:txBody>
       </p:sp>
@@ -7843,13 +8257,20 @@
     </p:spTree>
     <p:extLst>
       <p:ext uri="{BB962C8B-B14F-4D97-AF65-F5344CB8AC3E}">
-        <p14:creationId xmlns:p14="http://schemas.microsoft.com/office/powerpoint/2010/main" val="427336348"/>
+        <p14:creationId xmlns:p14="http://schemas.microsoft.com/office/powerpoint/2010/main" val="1350295768"/>
       </p:ext>
     </p:extLst>
   </p:cSld>
   <p:clrMapOvr>
     <a:masterClrMapping/>
   </p:clrMapOvr>
+  <p:timing>
+    <p:tnLst>
+      <p:par>
+        <p:cTn id="1" dur="indefinite" restart="never" nodeType="tmRoot"/>
+      </p:par>
+    </p:tnLst>
+  </p:timing>
 </p:sld>
 </file>
 
@@ -7911,8 +8332,17 @@
               <a:rPr lang="en-US" sz="2500" dirty="0">
                 <a:latin typeface="Nunito Sans" panose="00000500000000000000" pitchFamily="2" charset="0"/>
               </a:rPr>
-              <a:t>In a playground 3 sisters and 8 other girls are playing together. In a particular game, how many ways can all the girls be seated in a circular order so that the three sisters are not seated together?</a:t>
-            </a:r>
+              <a:t>There are 16 people comprising two sisters. Find the number of ways in which we can arrange them around a circle so that there is exactly one person between the two </a:t>
+            </a:r>
+            <a:r>
+              <a:rPr lang="en-US" sz="2500" dirty="0" smtClean="0">
+                <a:latin typeface="Nunito Sans" panose="00000500000000000000" pitchFamily="2" charset="0"/>
+              </a:rPr>
+              <a:t>sisters.</a:t>
+            </a:r>
+            <a:endParaRPr lang="en-US" sz="2500" dirty="0">
+              <a:latin typeface="Nunito Sans" panose="00000500000000000000" pitchFamily="2" charset="0"/>
+            </a:endParaRPr>
           </a:p>
         </p:txBody>
       </p:sp>
@@ -8121,7 +8551,7 @@
               <a:rPr lang="en-US" sz="2500" dirty="0">
                 <a:latin typeface="Nunito Sans" panose="00000500000000000000" pitchFamily="2" charset="0"/>
               </a:rPr>
-              <a:t>457993</a:t>
+              <a:t>14!</a:t>
             </a:r>
           </a:p>
         </p:txBody>
@@ -8163,7 +8593,7 @@
               <a:rPr lang="en-US" sz="2500" dirty="0">
                 <a:latin typeface="Nunito Sans" panose="00000500000000000000" pitchFamily="2" charset="0"/>
               </a:rPr>
-              <a:t>3386880</a:t>
+              <a:t>16!</a:t>
             </a:r>
           </a:p>
         </p:txBody>
@@ -8205,7 +8635,7 @@
               <a:rPr lang="en-US" sz="2500" dirty="0">
                 <a:latin typeface="Nunito Sans" panose="00000500000000000000" pitchFamily="2" charset="0"/>
               </a:rPr>
-              <a:t>6544873</a:t>
+              <a:t>16!*4!</a:t>
             </a:r>
           </a:p>
         </p:txBody>
@@ -8247,7 +8677,7 @@
               <a:rPr lang="en-US" sz="2500" dirty="0">
                 <a:latin typeface="Nunito Sans" panose="00000500000000000000" pitchFamily="2" charset="0"/>
               </a:rPr>
-              <a:t>56549</a:t>
+              <a:t>14!*2!</a:t>
             </a:r>
           </a:p>
         </p:txBody>
@@ -8340,8 +8770,23 @@
                 </a:solidFill>
                 <a:latin typeface="Nunito Sans" panose="00000500000000000000" pitchFamily="2" charset="0"/>
               </a:rPr>
-              <a:t>Question 6</a:t>
-            </a:r>
+              <a:t>Question </a:t>
+            </a:r>
+            <a:r>
+              <a:rPr lang="en-US" sz="4800" b="1" dirty="0" smtClean="0">
+                <a:solidFill>
+                  <a:schemeClr val="bg1"/>
+                </a:solidFill>
+                <a:latin typeface="Nunito Sans" panose="00000500000000000000" pitchFamily="2" charset="0"/>
+              </a:rPr>
+              <a:t>7</a:t>
+            </a:r>
+            <a:endParaRPr lang="en-US" sz="4800" b="1" dirty="0">
+              <a:solidFill>
+                <a:schemeClr val="bg1"/>
+              </a:solidFill>
+              <a:latin typeface="Nunito Sans" panose="00000500000000000000" pitchFamily="2" charset="0"/>
+            </a:endParaRPr>
           </a:p>
         </p:txBody>
       </p:sp>
@@ -8378,13 +8823,20 @@
     </p:spTree>
     <p:extLst>
       <p:ext uri="{BB962C8B-B14F-4D97-AF65-F5344CB8AC3E}">
-        <p14:creationId xmlns:p14="http://schemas.microsoft.com/office/powerpoint/2010/main" val="1350295768"/>
+        <p14:creationId xmlns:p14="http://schemas.microsoft.com/office/powerpoint/2010/main" val="275428552"/>
       </p:ext>
     </p:extLst>
   </p:cSld>
   <p:clrMapOvr>
     <a:masterClrMapping/>
   </p:clrMapOvr>
+  <p:timing>
+    <p:tnLst>
+      <p:par>
+        <p:cTn id="1" dur="indefinite" restart="never" nodeType="tmRoot"/>
+      </p:par>
+    </p:tnLst>
+  </p:timing>
 </p:sld>
 </file>
 
@@ -8428,7 +8880,7 @@
         <p:spPr>
           <a:xfrm>
             <a:off x="642479" y="1156906"/>
-            <a:ext cx="10907041" cy="1246495"/>
+            <a:ext cx="10907041" cy="861774"/>
           </a:xfrm>
           <a:prstGeom prst="rect">
             <a:avLst/>
@@ -8446,7 +8898,19 @@
               <a:rPr lang="en-US" sz="2500" dirty="0">
                 <a:latin typeface="Nunito Sans" panose="00000500000000000000" pitchFamily="2" charset="0"/>
               </a:rPr>
-              <a:t>There are 16 people comprising two sisters. Find the number of ways in which we can arrange them around a circle so that there is exactly one person between the two sisters.</a:t>
+              <a:t>Find the number of ways in which </a:t>
+            </a:r>
+            <a:r>
+              <a:rPr lang="en-US" sz="2500" dirty="0" smtClean="0">
+                <a:latin typeface="Nunito Sans" panose="00000500000000000000" pitchFamily="2" charset="0"/>
+              </a:rPr>
+              <a:t>6 </a:t>
+            </a:r>
+            <a:r>
+              <a:rPr lang="en-US" sz="2500" dirty="0">
+                <a:latin typeface="Nunito Sans" panose="00000500000000000000" pitchFamily="2" charset="0"/>
+              </a:rPr>
+              <a:t>people E, F, G, H, A, C can be seated at a round table, such that E and F must always sit together.</a:t>
             </a:r>
           </a:p>
         </p:txBody>
@@ -8656,7 +9120,7 @@
               <a:rPr lang="en-US" sz="2500" dirty="0">
                 <a:latin typeface="Nunito Sans" panose="00000500000000000000" pitchFamily="2" charset="0"/>
               </a:rPr>
-              <a:t>14!</a:t>
+              <a:t>32</a:t>
             </a:r>
           </a:p>
         </p:txBody>
@@ -8698,7 +9162,7 @@
               <a:rPr lang="en-US" sz="2500" dirty="0">
                 <a:latin typeface="Nunito Sans" panose="00000500000000000000" pitchFamily="2" charset="0"/>
               </a:rPr>
-              <a:t>16!</a:t>
+              <a:t>290</a:t>
             </a:r>
           </a:p>
         </p:txBody>
@@ -8740,7 +9204,7 @@
               <a:rPr lang="en-US" sz="2500" dirty="0">
                 <a:latin typeface="Nunito Sans" panose="00000500000000000000" pitchFamily="2" charset="0"/>
               </a:rPr>
-              <a:t>16!*4!</a:t>
+              <a:t>124</a:t>
             </a:r>
           </a:p>
         </p:txBody>
@@ -8782,7 +9246,7 @@
               <a:rPr lang="en-US" sz="2500" dirty="0">
                 <a:latin typeface="Nunito Sans" panose="00000500000000000000" pitchFamily="2" charset="0"/>
               </a:rPr>
-              <a:t>14!*2!</a:t>
+              <a:t>48</a:t>
             </a:r>
           </a:p>
         </p:txBody>
@@ -8875,8 +9339,23 @@
                 </a:solidFill>
                 <a:latin typeface="Nunito Sans" panose="00000500000000000000" pitchFamily="2" charset="0"/>
               </a:rPr>
-              <a:t>Question 7</a:t>
-            </a:r>
+              <a:t>Question </a:t>
+            </a:r>
+            <a:r>
+              <a:rPr lang="en-US" sz="4800" b="1" dirty="0" smtClean="0">
+                <a:solidFill>
+                  <a:schemeClr val="bg1"/>
+                </a:solidFill>
+                <a:latin typeface="Nunito Sans" panose="00000500000000000000" pitchFamily="2" charset="0"/>
+              </a:rPr>
+              <a:t>8</a:t>
+            </a:r>
+            <a:endParaRPr lang="en-US" sz="4800" b="1" dirty="0">
+              <a:solidFill>
+                <a:schemeClr val="bg1"/>
+              </a:solidFill>
+              <a:latin typeface="Nunito Sans" panose="00000500000000000000" pitchFamily="2" charset="0"/>
+            </a:endParaRPr>
           </a:p>
         </p:txBody>
       </p:sp>
@@ -8913,19 +9392,34 @@
     </p:spTree>
     <p:extLst>
       <p:ext uri="{BB962C8B-B14F-4D97-AF65-F5344CB8AC3E}">
-        <p14:creationId xmlns:p14="http://schemas.microsoft.com/office/powerpoint/2010/main" val="275428552"/>
+        <p14:creationId xmlns:p14="http://schemas.microsoft.com/office/powerpoint/2010/main" val="1388282337"/>
       </p:ext>
     </p:extLst>
   </p:cSld>
   <p:clrMapOvr>
     <a:masterClrMapping/>
   </p:clrMapOvr>
+  <p:timing>
+    <p:tnLst>
+      <p:par>
+        <p:cTn id="1" dur="indefinite" restart="never" nodeType="tmRoot"/>
+      </p:par>
+    </p:tnLst>
+  </p:timing>
 </p:sld>
 </file>
 
 <file path=ppt/slides/slide15.xml><?xml version="1.0" encoding="utf-8"?>
 <p:sld xmlns:a="http://schemas.openxmlformats.org/drawingml/2006/main" xmlns:r="http://schemas.openxmlformats.org/officeDocument/2006/relationships" xmlns:p="http://schemas.openxmlformats.org/presentationml/2006/main">
   <p:cSld>
+    <p:bg>
+      <p:bgPr>
+        <a:solidFill>
+          <a:srgbClr val="FDFDFD"/>
+        </a:solidFill>
+        <a:effectLst/>
+      </p:bgPr>
+    </p:bg>
     <p:spTree>
       <p:nvGrpSpPr>
         <p:cNvPr id="1" name=""/>
@@ -8940,30 +9434,524 @@
           <a:chExt cx="0" cy="0"/>
         </a:xfrm>
       </p:grpSpPr>
+      <p:sp>
+        <p:nvSpPr>
+          <p:cNvPr id="9" name="TextBox 8">
+            <a:extLst>
+              <a:ext uri="{FF2B5EF4-FFF2-40B4-BE49-F238E27FC236}">
+                <a16:creationId xmlns:a16="http://schemas.microsoft.com/office/drawing/2014/main" id="{05EFE211-1D0D-4979-87E6-8967C2913C04}"/>
+              </a:ext>
+            </a:extLst>
+          </p:cNvPr>
+          <p:cNvSpPr txBox="1"/>
+          <p:nvPr/>
+        </p:nvSpPr>
+        <p:spPr>
+          <a:xfrm>
+            <a:off x="642479" y="1156906"/>
+            <a:ext cx="10907041" cy="861774"/>
+          </a:xfrm>
+          <a:prstGeom prst="rect">
+            <a:avLst/>
+          </a:prstGeom>
+          <a:noFill/>
+        </p:spPr>
+        <p:txBody>
+          <a:bodyPr wrap="square" rtlCol="0">
+            <a:spAutoFit/>
+          </a:bodyPr>
+          <a:lstStyle/>
+          <a:p>
+            <a:pPr algn="just"/>
+            <a:r>
+              <a:rPr lang="en-US" sz="2500" dirty="0">
+                <a:latin typeface="Nunito Sans" panose="00000500000000000000" pitchFamily="2" charset="0"/>
+              </a:rPr>
+              <a:t>The number of ways in which 6 men and 5 women can dine at a round table if </a:t>
+            </a:r>
+            <a:r>
+              <a:rPr lang="en-US" sz="2500" dirty="0" smtClean="0">
+                <a:latin typeface="Nunito Sans" panose="00000500000000000000" pitchFamily="2" charset="0"/>
+              </a:rPr>
+              <a:t>each woman is seated in between two men is </a:t>
+            </a:r>
+            <a:r>
+              <a:rPr lang="en-US" sz="2500" dirty="0">
+                <a:latin typeface="Nunito Sans" panose="00000500000000000000" pitchFamily="2" charset="0"/>
+              </a:rPr>
+              <a:t>________.</a:t>
+            </a:r>
+          </a:p>
+        </p:txBody>
+      </p:sp>
+      <p:sp>
+        <p:nvSpPr>
+          <p:cNvPr id="4" name="Rectangle 3">
+            <a:extLst>
+              <a:ext uri="{FF2B5EF4-FFF2-40B4-BE49-F238E27FC236}">
+                <a16:creationId xmlns:a16="http://schemas.microsoft.com/office/drawing/2014/main" id="{E5DD2504-B1FF-4F55-B4FA-4AEA19FF2DD8}"/>
+              </a:ext>
+            </a:extLst>
+          </p:cNvPr>
+          <p:cNvSpPr/>
+          <p:nvPr/>
+        </p:nvSpPr>
+        <p:spPr>
+          <a:xfrm>
+            <a:off x="657998" y="3200400"/>
+            <a:ext cx="696697" cy="621324"/>
+          </a:xfrm>
+          <a:prstGeom prst="rect">
+            <a:avLst/>
+          </a:prstGeom>
+          <a:noFill/>
+        </p:spPr>
+        <p:txBody>
+          <a:bodyPr wrap="square" lIns="91440" tIns="45720" rIns="91440" bIns="45720">
+            <a:spAutoFit/>
+          </a:bodyPr>
+          <a:lstStyle/>
+          <a:p>
+            <a:pPr>
+              <a:lnSpc>
+                <a:spcPct val="150000"/>
+              </a:lnSpc>
+            </a:pPr>
+            <a:r>
+              <a:rPr lang="en-US" sz="2500" b="1" dirty="0">
+                <a:latin typeface="Nunito Sans" panose="00000500000000000000" pitchFamily="2" charset="0"/>
+              </a:rPr>
+              <a:t>A)</a:t>
+            </a:r>
+          </a:p>
+        </p:txBody>
+      </p:sp>
+      <p:sp>
+        <p:nvSpPr>
+          <p:cNvPr id="16" name="Rectangle 15">
+            <a:extLst>
+              <a:ext uri="{FF2B5EF4-FFF2-40B4-BE49-F238E27FC236}">
+                <a16:creationId xmlns:a16="http://schemas.microsoft.com/office/drawing/2014/main" id="{72143B70-2774-4C1B-BA6C-0E2C89AD6E8B}"/>
+              </a:ext>
+            </a:extLst>
+          </p:cNvPr>
+          <p:cNvSpPr/>
+          <p:nvPr/>
+        </p:nvSpPr>
+        <p:spPr>
+          <a:xfrm>
+            <a:off x="647791" y="3775160"/>
+            <a:ext cx="696697" cy="621324"/>
+          </a:xfrm>
+          <a:prstGeom prst="rect">
+            <a:avLst/>
+          </a:prstGeom>
+          <a:noFill/>
+        </p:spPr>
+        <p:txBody>
+          <a:bodyPr wrap="square" lIns="91440" tIns="45720" rIns="91440" bIns="45720">
+            <a:spAutoFit/>
+          </a:bodyPr>
+          <a:lstStyle/>
+          <a:p>
+            <a:pPr>
+              <a:lnSpc>
+                <a:spcPct val="150000"/>
+              </a:lnSpc>
+            </a:pPr>
+            <a:r>
+              <a:rPr lang="en-US" sz="2500" b="1" dirty="0">
+                <a:latin typeface="Nunito Sans" panose="00000500000000000000" pitchFamily="2" charset="0"/>
+              </a:rPr>
+              <a:t>B)</a:t>
+            </a:r>
+          </a:p>
+        </p:txBody>
+      </p:sp>
+      <p:sp>
+        <p:nvSpPr>
+          <p:cNvPr id="17" name="Rectangle 16">
+            <a:extLst>
+              <a:ext uri="{FF2B5EF4-FFF2-40B4-BE49-F238E27FC236}">
+                <a16:creationId xmlns:a16="http://schemas.microsoft.com/office/drawing/2014/main" id="{E78CEF88-20C6-43F2-BCB5-DBF349A353D1}"/>
+              </a:ext>
+            </a:extLst>
+          </p:cNvPr>
+          <p:cNvSpPr/>
+          <p:nvPr/>
+        </p:nvSpPr>
+        <p:spPr>
+          <a:xfrm>
+            <a:off x="657998" y="4349920"/>
+            <a:ext cx="696697" cy="621324"/>
+          </a:xfrm>
+          <a:prstGeom prst="rect">
+            <a:avLst/>
+          </a:prstGeom>
+          <a:noFill/>
+        </p:spPr>
+        <p:txBody>
+          <a:bodyPr wrap="square" lIns="91440" tIns="45720" rIns="91440" bIns="45720">
+            <a:spAutoFit/>
+          </a:bodyPr>
+          <a:lstStyle/>
+          <a:p>
+            <a:pPr>
+              <a:lnSpc>
+                <a:spcPct val="150000"/>
+              </a:lnSpc>
+            </a:pPr>
+            <a:r>
+              <a:rPr lang="en-US" sz="2500" b="1" dirty="0">
+                <a:latin typeface="Nunito Sans" panose="00000500000000000000" pitchFamily="2" charset="0"/>
+              </a:rPr>
+              <a:t>C)</a:t>
+            </a:r>
+          </a:p>
+        </p:txBody>
+      </p:sp>
+      <p:sp>
+        <p:nvSpPr>
+          <p:cNvPr id="18" name="Rectangle 17">
+            <a:extLst>
+              <a:ext uri="{FF2B5EF4-FFF2-40B4-BE49-F238E27FC236}">
+                <a16:creationId xmlns:a16="http://schemas.microsoft.com/office/drawing/2014/main" id="{EFAD326F-7428-498A-82D3-321753462543}"/>
+              </a:ext>
+            </a:extLst>
+          </p:cNvPr>
+          <p:cNvSpPr/>
+          <p:nvPr/>
+        </p:nvSpPr>
+        <p:spPr>
+          <a:xfrm>
+            <a:off x="641928" y="4914129"/>
+            <a:ext cx="696697" cy="621324"/>
+          </a:xfrm>
+          <a:prstGeom prst="rect">
+            <a:avLst/>
+          </a:prstGeom>
+          <a:noFill/>
+        </p:spPr>
+        <p:txBody>
+          <a:bodyPr wrap="square" lIns="91440" tIns="45720" rIns="91440" bIns="45720">
+            <a:spAutoFit/>
+          </a:bodyPr>
+          <a:lstStyle/>
+          <a:p>
+            <a:pPr>
+              <a:lnSpc>
+                <a:spcPct val="150000"/>
+              </a:lnSpc>
+            </a:pPr>
+            <a:r>
+              <a:rPr lang="en-US" sz="2500" b="1" dirty="0">
+                <a:latin typeface="Nunito Sans" panose="00000500000000000000" pitchFamily="2" charset="0"/>
+              </a:rPr>
+              <a:t>D)</a:t>
+            </a:r>
+          </a:p>
+        </p:txBody>
+      </p:sp>
+      <p:sp>
+        <p:nvSpPr>
+          <p:cNvPr id="23" name="Rectangle 22">
+            <a:extLst>
+              <a:ext uri="{FF2B5EF4-FFF2-40B4-BE49-F238E27FC236}">
+                <a16:creationId xmlns:a16="http://schemas.microsoft.com/office/drawing/2014/main" id="{116C2E0D-93FB-4ADC-BC2B-83DFED946B7A}"/>
+              </a:ext>
+            </a:extLst>
+          </p:cNvPr>
+          <p:cNvSpPr/>
+          <p:nvPr/>
+        </p:nvSpPr>
+        <p:spPr>
+          <a:xfrm>
+            <a:off x="1456098" y="3200400"/>
+            <a:ext cx="10098317" cy="621324"/>
+          </a:xfrm>
+          <a:prstGeom prst="rect">
+            <a:avLst/>
+          </a:prstGeom>
+          <a:noFill/>
+        </p:spPr>
+        <p:txBody>
+          <a:bodyPr wrap="square" lIns="91440" tIns="45720" rIns="91440" bIns="45720">
+            <a:spAutoFit/>
+          </a:bodyPr>
+          <a:lstStyle/>
+          <a:p>
+            <a:pPr>
+              <a:lnSpc>
+                <a:spcPct val="150000"/>
+              </a:lnSpc>
+            </a:pPr>
+            <a:r>
+              <a:rPr lang="en-US" sz="2500" dirty="0">
+                <a:latin typeface="Nunito Sans" panose="00000500000000000000" pitchFamily="2" charset="0"/>
+              </a:rPr>
+              <a:t>6! × 5!</a:t>
+            </a:r>
+          </a:p>
+        </p:txBody>
+      </p:sp>
+      <p:sp>
+        <p:nvSpPr>
+          <p:cNvPr id="24" name="Rectangle 23">
+            <a:extLst>
+              <a:ext uri="{FF2B5EF4-FFF2-40B4-BE49-F238E27FC236}">
+                <a16:creationId xmlns:a16="http://schemas.microsoft.com/office/drawing/2014/main" id="{F62FDC11-1E2D-428B-8217-CF9104F9B6D7}"/>
+              </a:ext>
+            </a:extLst>
+          </p:cNvPr>
+          <p:cNvSpPr/>
+          <p:nvPr/>
+        </p:nvSpPr>
+        <p:spPr>
+          <a:xfrm>
+            <a:off x="1445891" y="3775160"/>
+            <a:ext cx="10098317" cy="621324"/>
+          </a:xfrm>
+          <a:prstGeom prst="rect">
+            <a:avLst/>
+          </a:prstGeom>
+          <a:noFill/>
+        </p:spPr>
+        <p:txBody>
+          <a:bodyPr wrap="square" lIns="91440" tIns="45720" rIns="91440" bIns="45720">
+            <a:spAutoFit/>
+          </a:bodyPr>
+          <a:lstStyle/>
+          <a:p>
+            <a:pPr>
+              <a:lnSpc>
+                <a:spcPct val="150000"/>
+              </a:lnSpc>
+            </a:pPr>
+            <a:r>
+              <a:rPr lang="en-US" sz="2500" dirty="0">
+                <a:latin typeface="Nunito Sans" panose="00000500000000000000" pitchFamily="2" charset="0"/>
+              </a:rPr>
+              <a:t>30</a:t>
+            </a:r>
+          </a:p>
+        </p:txBody>
+      </p:sp>
+      <p:sp>
+        <p:nvSpPr>
+          <p:cNvPr id="25" name="Rectangle 24">
+            <a:extLst>
+              <a:ext uri="{FF2B5EF4-FFF2-40B4-BE49-F238E27FC236}">
+                <a16:creationId xmlns:a16="http://schemas.microsoft.com/office/drawing/2014/main" id="{BEF40363-1296-4F6B-8656-D47D96B64330}"/>
+              </a:ext>
+            </a:extLst>
+          </p:cNvPr>
+          <p:cNvSpPr/>
+          <p:nvPr/>
+        </p:nvSpPr>
+        <p:spPr>
+          <a:xfrm>
+            <a:off x="1456098" y="4349920"/>
+            <a:ext cx="10098317" cy="621324"/>
+          </a:xfrm>
+          <a:prstGeom prst="rect">
+            <a:avLst/>
+          </a:prstGeom>
+          <a:noFill/>
+        </p:spPr>
+        <p:txBody>
+          <a:bodyPr wrap="square" lIns="91440" tIns="45720" rIns="91440" bIns="45720">
+            <a:spAutoFit/>
+          </a:bodyPr>
+          <a:lstStyle/>
+          <a:p>
+            <a:pPr>
+              <a:lnSpc>
+                <a:spcPct val="150000"/>
+              </a:lnSpc>
+            </a:pPr>
+            <a:r>
+              <a:rPr lang="en-US" sz="2500" dirty="0">
+                <a:latin typeface="Nunito Sans" panose="00000500000000000000" pitchFamily="2" charset="0"/>
+              </a:rPr>
+              <a:t>5! × 4!</a:t>
+            </a:r>
+          </a:p>
+        </p:txBody>
+      </p:sp>
+      <p:sp>
+        <p:nvSpPr>
+          <p:cNvPr id="26" name="Rectangle 25">
+            <a:extLst>
+              <a:ext uri="{FF2B5EF4-FFF2-40B4-BE49-F238E27FC236}">
+                <a16:creationId xmlns:a16="http://schemas.microsoft.com/office/drawing/2014/main" id="{D95ABC10-15CF-488C-806F-94CE71FC878A}"/>
+              </a:ext>
+            </a:extLst>
+          </p:cNvPr>
+          <p:cNvSpPr/>
+          <p:nvPr/>
+        </p:nvSpPr>
+        <p:spPr>
+          <a:xfrm>
+            <a:off x="1440028" y="4914129"/>
+            <a:ext cx="10098317" cy="621324"/>
+          </a:xfrm>
+          <a:prstGeom prst="rect">
+            <a:avLst/>
+          </a:prstGeom>
+          <a:noFill/>
+        </p:spPr>
+        <p:txBody>
+          <a:bodyPr wrap="square" lIns="91440" tIns="45720" rIns="91440" bIns="45720">
+            <a:spAutoFit/>
+          </a:bodyPr>
+          <a:lstStyle/>
+          <a:p>
+            <a:pPr>
+              <a:lnSpc>
+                <a:spcPct val="150000"/>
+              </a:lnSpc>
+            </a:pPr>
+            <a:r>
+              <a:rPr lang="en-US" sz="2500" dirty="0">
+                <a:latin typeface="Nunito Sans" panose="00000500000000000000" pitchFamily="2" charset="0"/>
+              </a:rPr>
+              <a:t>7! × 5!</a:t>
+            </a:r>
+          </a:p>
+        </p:txBody>
+      </p:sp>
+      <p:sp>
+        <p:nvSpPr>
+          <p:cNvPr id="19" name="Rectangle 18">
+            <a:extLst>
+              <a:ext uri="{FF2B5EF4-FFF2-40B4-BE49-F238E27FC236}">
+                <a16:creationId xmlns:a16="http://schemas.microsoft.com/office/drawing/2014/main" id="{BC5E04D4-0543-4484-B3B6-0DDB2FCDCEA4}"/>
+              </a:ext>
+            </a:extLst>
+          </p:cNvPr>
+          <p:cNvSpPr/>
+          <p:nvPr/>
+        </p:nvSpPr>
+        <p:spPr>
+          <a:xfrm>
+            <a:off x="0" y="0"/>
+            <a:ext cx="12192000" cy="883618"/>
+          </a:xfrm>
+          <a:prstGeom prst="rect">
+            <a:avLst/>
+          </a:prstGeom>
+          <a:solidFill>
+            <a:srgbClr val="F05136"/>
+          </a:solidFill>
+          <a:ln>
+            <a:noFill/>
+          </a:ln>
+        </p:spPr>
+        <p:style>
+          <a:lnRef idx="2">
+            <a:schemeClr val="accent1">
+              <a:shade val="50000"/>
+            </a:schemeClr>
+          </a:lnRef>
+          <a:fillRef idx="1">
+            <a:schemeClr val="accent1"/>
+          </a:fillRef>
+          <a:effectRef idx="0">
+            <a:schemeClr val="accent1"/>
+          </a:effectRef>
+          <a:fontRef idx="minor">
+            <a:schemeClr val="lt1"/>
+          </a:fontRef>
+        </p:style>
+        <p:txBody>
+          <a:bodyPr rtlCol="0" anchor="ctr"/>
+          <a:lstStyle/>
+          <a:p>
+            <a:pPr algn="ctr"/>
+            <a:endParaRPr lang="en-US"/>
+          </a:p>
+        </p:txBody>
+      </p:sp>
+      <p:sp>
+        <p:nvSpPr>
+          <p:cNvPr id="20" name="TextBox 19">
+            <a:extLst>
+              <a:ext uri="{FF2B5EF4-FFF2-40B4-BE49-F238E27FC236}">
+                <a16:creationId xmlns:a16="http://schemas.microsoft.com/office/drawing/2014/main" id="{8D2B7F5C-7E52-4144-8109-FAA3BD7AA776}"/>
+              </a:ext>
+            </a:extLst>
+          </p:cNvPr>
+          <p:cNvSpPr txBox="1"/>
+          <p:nvPr/>
+        </p:nvSpPr>
+        <p:spPr>
+          <a:xfrm>
+            <a:off x="3890150" y="228600"/>
+            <a:ext cx="7772400" cy="830997"/>
+          </a:xfrm>
+          <a:prstGeom prst="rect">
+            <a:avLst/>
+          </a:prstGeom>
+          <a:noFill/>
+        </p:spPr>
+        <p:txBody>
+          <a:bodyPr wrap="square" rtlCol="0">
+            <a:spAutoFit/>
+          </a:bodyPr>
+          <a:lstStyle/>
+          <a:p>
+            <a:pPr algn="r"/>
+            <a:r>
+              <a:rPr lang="en-US" sz="4800" b="1" dirty="0">
+                <a:solidFill>
+                  <a:schemeClr val="bg1"/>
+                </a:solidFill>
+                <a:latin typeface="Nunito Sans" panose="00000500000000000000" pitchFamily="2" charset="0"/>
+              </a:rPr>
+              <a:t>Question </a:t>
+            </a:r>
+            <a:r>
+              <a:rPr lang="en-US" sz="4800" b="1" dirty="0">
+                <a:solidFill>
+                  <a:schemeClr val="bg1"/>
+                </a:solidFill>
+                <a:latin typeface="Nunito Sans" panose="00000500000000000000" pitchFamily="2" charset="0"/>
+              </a:rPr>
+              <a:t>9</a:t>
+            </a:r>
+            <a:endParaRPr lang="en-US" sz="4800" b="1" dirty="0">
+              <a:solidFill>
+                <a:schemeClr val="bg1"/>
+              </a:solidFill>
+              <a:latin typeface="Nunito Sans" panose="00000500000000000000" pitchFamily="2" charset="0"/>
+            </a:endParaRPr>
+          </a:p>
+        </p:txBody>
+      </p:sp>
       <p:pic>
         <p:nvPicPr>
-          <p:cNvPr id="4" name="Picture 3">
-            <a:extLst>
-              <a:ext uri="{FF2B5EF4-FFF2-40B4-BE49-F238E27FC236}">
-                <a16:creationId xmlns:a16="http://schemas.microsoft.com/office/drawing/2014/main" id="{E280702A-C409-A746-BBEB-F93A740259E7}"/>
-              </a:ext>
-            </a:extLst>
-          </p:cNvPr>
+          <p:cNvPr id="21" name="Picture 20"/>
           <p:cNvPicPr>
             <a:picLocks noChangeAspect="1"/>
           </p:cNvPicPr>
           <p:nvPr/>
         </p:nvPicPr>
         <p:blipFill>
-          <a:blip r:embed="rId2"/>
+          <a:blip r:embed="rId3" cstate="print">
+            <a:extLst>
+              <a:ext uri="{28A0092B-C50C-407E-A947-70E740481C1C}">
+                <a14:useLocalDpi xmlns:a14="http://schemas.microsoft.com/office/drawing/2010/main" val="0"/>
+              </a:ext>
+            </a:extLst>
+          </a:blip>
           <a:stretch>
             <a:fillRect/>
           </a:stretch>
         </p:blipFill>
         <p:spPr>
           <a:xfrm>
-            <a:off x="304800" y="15498"/>
-            <a:ext cx="5920673" cy="6546341"/>
+            <a:off x="9674352" y="6099048"/>
+            <a:ext cx="1989410" cy="429768"/>
           </a:xfrm>
           <a:prstGeom prst="rect">
             <a:avLst/>
@@ -8973,13 +9961,20 @@
     </p:spTree>
     <p:extLst>
       <p:ext uri="{BB962C8B-B14F-4D97-AF65-F5344CB8AC3E}">
-        <p14:creationId xmlns:p14="http://schemas.microsoft.com/office/powerpoint/2010/main" val="3255365391"/>
+        <p14:creationId xmlns:p14="http://schemas.microsoft.com/office/powerpoint/2010/main" val="599355911"/>
       </p:ext>
     </p:extLst>
   </p:cSld>
   <p:clrMapOvr>
     <a:masterClrMapping/>
   </p:clrMapOvr>
+  <p:timing>
+    <p:tnLst>
+      <p:par>
+        <p:cTn id="1" dur="indefinite" restart="never" nodeType="tmRoot"/>
+      </p:par>
+    </p:tnLst>
+  </p:timing>
 </p:sld>
 </file>
 
@@ -9041,7 +10036,7 @@
               <a:rPr lang="en-US" sz="2500" dirty="0">
                 <a:latin typeface="Nunito Sans" panose="00000500000000000000" pitchFamily="2" charset="0"/>
               </a:rPr>
-              <a:t>Find the number of ways in which 6 people E, F, G, H, A, C can be seated at a round table, such that E and F must always sit together.</a:t>
+              <a:t> In how many ways 7 men and 7 women can be seated around a round table such that no two women can sit together?</a:t>
             </a:r>
           </a:p>
         </p:txBody>
@@ -9251,7 +10246,13 @@
               <a:rPr lang="en-US" sz="2500" dirty="0">
                 <a:latin typeface="Nunito Sans" panose="00000500000000000000" pitchFamily="2" charset="0"/>
               </a:rPr>
-              <a:t>32</a:t>
+              <a:t>(7!)</a:t>
+            </a:r>
+            <a:r>
+              <a:rPr lang="en-US" sz="2500" baseline="30000" dirty="0">
+                <a:latin typeface="Nunito Sans" panose="00000500000000000000" pitchFamily="2" charset="0"/>
+              </a:rPr>
+              <a:t>2</a:t>
             </a:r>
           </a:p>
         </p:txBody>
@@ -9293,7 +10294,7 @@
               <a:rPr lang="en-US" sz="2500" dirty="0">
                 <a:latin typeface="Nunito Sans" panose="00000500000000000000" pitchFamily="2" charset="0"/>
               </a:rPr>
-              <a:t>290</a:t>
+              <a:t>7!×6!</a:t>
             </a:r>
           </a:p>
         </p:txBody>
@@ -9335,7 +10336,13 @@
               <a:rPr lang="en-US" sz="2500" dirty="0">
                 <a:latin typeface="Nunito Sans" panose="00000500000000000000" pitchFamily="2" charset="0"/>
               </a:rPr>
-              <a:t>124</a:t>
+              <a:t>(6!)</a:t>
+            </a:r>
+            <a:r>
+              <a:rPr lang="en-US" sz="2500" baseline="30000" dirty="0">
+                <a:latin typeface="Nunito Sans" panose="00000500000000000000" pitchFamily="2" charset="0"/>
+              </a:rPr>
+              <a:t>2</a:t>
             </a:r>
           </a:p>
         </p:txBody>
@@ -9377,7 +10384,7 @@
               <a:rPr lang="en-US" sz="2500" dirty="0">
                 <a:latin typeface="Nunito Sans" panose="00000500000000000000" pitchFamily="2" charset="0"/>
               </a:rPr>
-              <a:t>48</a:t>
+              <a:t>7!</a:t>
             </a:r>
           </a:p>
         </p:txBody>
@@ -9470,8 +10477,23 @@
                 </a:solidFill>
                 <a:latin typeface="Nunito Sans" panose="00000500000000000000" pitchFamily="2" charset="0"/>
               </a:rPr>
-              <a:t>Question 8</a:t>
-            </a:r>
+              <a:t>Question </a:t>
+            </a:r>
+            <a:r>
+              <a:rPr lang="en-US" sz="4800" b="1" dirty="0" smtClean="0">
+                <a:solidFill>
+                  <a:schemeClr val="bg1"/>
+                </a:solidFill>
+                <a:latin typeface="Nunito Sans" panose="00000500000000000000" pitchFamily="2" charset="0"/>
+              </a:rPr>
+              <a:t>10</a:t>
+            </a:r>
+            <a:endParaRPr lang="en-US" sz="4800" b="1" dirty="0">
+              <a:solidFill>
+                <a:schemeClr val="bg1"/>
+              </a:solidFill>
+              <a:latin typeface="Nunito Sans" panose="00000500000000000000" pitchFamily="2" charset="0"/>
+            </a:endParaRPr>
           </a:p>
         </p:txBody>
       </p:sp>
@@ -9508,13 +10530,20 @@
     </p:spTree>
     <p:extLst>
       <p:ext uri="{BB962C8B-B14F-4D97-AF65-F5344CB8AC3E}">
-        <p14:creationId xmlns:p14="http://schemas.microsoft.com/office/powerpoint/2010/main" val="1388282337"/>
+        <p14:creationId xmlns:p14="http://schemas.microsoft.com/office/powerpoint/2010/main" val="3247260936"/>
       </p:ext>
     </p:extLst>
   </p:cSld>
   <p:clrMapOvr>
     <a:masterClrMapping/>
   </p:clrMapOvr>
+  <p:timing>
+    <p:tnLst>
+      <p:par>
+        <p:cTn id="1" dur="indefinite" restart="never" nodeType="tmRoot"/>
+      </p:par>
+    </p:tnLst>
+  </p:timing>
 </p:sld>
 </file>
 
@@ -9558,7 +10587,7 @@
         <p:spPr>
           <a:xfrm>
             <a:off x="642479" y="1156906"/>
-            <a:ext cx="10907041" cy="861774"/>
+            <a:ext cx="10907041" cy="1246495"/>
           </a:xfrm>
           <a:prstGeom prst="rect">
             <a:avLst/>
@@ -9576,7 +10605,7 @@
               <a:rPr lang="en-US" sz="2500" dirty="0">
                 <a:latin typeface="Nunito Sans" panose="00000500000000000000" pitchFamily="2" charset="0"/>
               </a:rPr>
-              <a:t>The number of ways in which 6 men and 5 women can dine at a round table if each woman is seated in between two men is ________.</a:t>
+              <a:t>The number of ways in which 5 male and 2 female members of a committee can be seated around a round table so that the two female are not seated together is _______.</a:t>
             </a:r>
           </a:p>
         </p:txBody>
@@ -9786,8 +10815,11 @@
               <a:rPr lang="en-US" sz="2500" dirty="0">
                 <a:latin typeface="Nunito Sans" panose="00000500000000000000" pitchFamily="2" charset="0"/>
               </a:rPr>
-              <a:t>6! × 5!</a:t>
-            </a:r>
+              <a:t>480</a:t>
+            </a:r>
+            <a:endParaRPr lang="en-US" sz="2500" baseline="30000" dirty="0">
+              <a:latin typeface="Nunito Sans" panose="00000500000000000000" pitchFamily="2" charset="0"/>
+            </a:endParaRPr>
           </a:p>
         </p:txBody>
       </p:sp>
@@ -9825,11 +10857,14 @@
               </a:lnSpc>
             </a:pPr>
             <a:r>
-              <a:rPr lang="en-US" sz="2500" dirty="0">
-                <a:latin typeface="Nunito Sans" panose="00000500000000000000" pitchFamily="2" charset="0"/>
-              </a:rPr>
-              <a:t>30</a:t>
-            </a:r>
+              <a:rPr lang="en-US" sz="2500" dirty="0" smtClean="0">
+                <a:latin typeface="Nunito Sans" panose="00000500000000000000" pitchFamily="2" charset="0"/>
+              </a:rPr>
+              <a:t>600</a:t>
+            </a:r>
+            <a:endParaRPr lang="en-US" sz="2500" dirty="0">
+              <a:latin typeface="Nunito Sans" panose="00000500000000000000" pitchFamily="2" charset="0"/>
+            </a:endParaRPr>
           </a:p>
         </p:txBody>
       </p:sp>
@@ -9870,8 +10905,11 @@
               <a:rPr lang="en-US" sz="2500" dirty="0">
                 <a:latin typeface="Nunito Sans" panose="00000500000000000000" pitchFamily="2" charset="0"/>
               </a:rPr>
-              <a:t>5! × 4!</a:t>
-            </a:r>
+              <a:t>720</a:t>
+            </a:r>
+            <a:endParaRPr lang="en-US" sz="2500" baseline="30000" dirty="0">
+              <a:latin typeface="Nunito Sans" panose="00000500000000000000" pitchFamily="2" charset="0"/>
+            </a:endParaRPr>
           </a:p>
         </p:txBody>
       </p:sp>
@@ -9912,7 +10950,7 @@
               <a:rPr lang="en-US" sz="2500" dirty="0">
                 <a:latin typeface="Nunito Sans" panose="00000500000000000000" pitchFamily="2" charset="0"/>
               </a:rPr>
-              <a:t>7! × 5!</a:t>
+              <a:t>840</a:t>
             </a:r>
           </a:p>
         </p:txBody>
@@ -10005,8 +11043,23 @@
                 </a:solidFill>
                 <a:latin typeface="Nunito Sans" panose="00000500000000000000" pitchFamily="2" charset="0"/>
               </a:rPr>
-              <a:t>Question 9</a:t>
-            </a:r>
+              <a:t>Question </a:t>
+            </a:r>
+            <a:r>
+              <a:rPr lang="en-US" sz="4800" b="1" dirty="0" smtClean="0">
+                <a:solidFill>
+                  <a:schemeClr val="bg1"/>
+                </a:solidFill>
+                <a:latin typeface="Nunito Sans" panose="00000500000000000000" pitchFamily="2" charset="0"/>
+              </a:rPr>
+              <a:t>11</a:t>
+            </a:r>
+            <a:endParaRPr lang="en-US" sz="4800" b="1" dirty="0">
+              <a:solidFill>
+                <a:schemeClr val="bg1"/>
+              </a:solidFill>
+              <a:latin typeface="Nunito Sans" panose="00000500000000000000" pitchFamily="2" charset="0"/>
+            </a:endParaRPr>
           </a:p>
         </p:txBody>
       </p:sp>
@@ -10043,13 +11096,20 @@
     </p:spTree>
     <p:extLst>
       <p:ext uri="{BB962C8B-B14F-4D97-AF65-F5344CB8AC3E}">
-        <p14:creationId xmlns:p14="http://schemas.microsoft.com/office/powerpoint/2010/main" val="599355911"/>
+        <p14:creationId xmlns:p14="http://schemas.microsoft.com/office/powerpoint/2010/main" val="1319405751"/>
       </p:ext>
     </p:extLst>
   </p:cSld>
   <p:clrMapOvr>
     <a:masterClrMapping/>
   </p:clrMapOvr>
+  <p:timing>
+    <p:tnLst>
+      <p:par>
+        <p:cTn id="1" dur="indefinite" restart="never" nodeType="tmRoot"/>
+      </p:par>
+    </p:tnLst>
+  </p:timing>
 </p:sld>
 </file>
 
@@ -10111,8 +11171,23 @@
               <a:rPr lang="en-US" sz="2500" dirty="0">
                 <a:latin typeface="Nunito Sans" panose="00000500000000000000" pitchFamily="2" charset="0"/>
               </a:rPr>
-              <a:t> In how many ways 7 men and 7 women can be seated around a round table such that no two women can sit together?</a:t>
-            </a:r>
+              <a:t>How many different garlands can be made using 12 flowers of different </a:t>
+            </a:r>
+            <a:r>
+              <a:rPr lang="en-US" sz="2500" dirty="0" err="1">
+                <a:latin typeface="Nunito Sans" panose="00000500000000000000" pitchFamily="2" charset="0"/>
+              </a:rPr>
+              <a:t>colours</a:t>
+            </a:r>
+            <a:r>
+              <a:rPr lang="en-US" sz="2500" dirty="0">
+                <a:latin typeface="Nunito Sans" panose="00000500000000000000" pitchFamily="2" charset="0"/>
+              </a:rPr>
+              <a:t>?</a:t>
+            </a:r>
+            <a:endParaRPr lang="en-US" sz="2500" dirty="0">
+              <a:latin typeface="Nunito Sans" panose="00000500000000000000" pitchFamily="2" charset="0"/>
+            </a:endParaRPr>
           </a:p>
         </p:txBody>
       </p:sp>
@@ -10321,14 +11396,11 @@
               <a:rPr lang="en-US" sz="2500" dirty="0">
                 <a:latin typeface="Nunito Sans" panose="00000500000000000000" pitchFamily="2" charset="0"/>
               </a:rPr>
-              <a:t>(7!)</a:t>
-            </a:r>
-            <a:r>
-              <a:rPr lang="en-US" sz="2500" baseline="30000" dirty="0">
-                <a:latin typeface="Nunito Sans" panose="00000500000000000000" pitchFamily="2" charset="0"/>
-              </a:rPr>
-              <a:t>2</a:t>
-            </a:r>
+              <a:t>10 ! ×2</a:t>
+            </a:r>
+            <a:endParaRPr lang="en-US" sz="2500" baseline="30000" dirty="0">
+              <a:latin typeface="Nunito Sans" panose="00000500000000000000" pitchFamily="2" charset="0"/>
+            </a:endParaRPr>
           </a:p>
         </p:txBody>
       </p:sp>
@@ -10347,6 +11419,41 @@
         <p:spPr>
           <a:xfrm>
             <a:off x="1445891" y="3775160"/>
+            <a:ext cx="10098317" cy="523220"/>
+          </a:xfrm>
+          <a:prstGeom prst="rect">
+            <a:avLst/>
+          </a:prstGeom>
+          <a:noFill/>
+        </p:spPr>
+        <p:txBody>
+          <a:bodyPr wrap="square" lIns="91440" tIns="45720" rIns="91440" bIns="45720">
+            <a:spAutoFit/>
+          </a:bodyPr>
+          <a:lstStyle/>
+          <a:p>
+            <a:r>
+              <a:rPr lang="en-US" sz="2800" dirty="0"/>
+              <a:t>11!/ 2</a:t>
+            </a:r>
+          </a:p>
+        </p:txBody>
+      </p:sp>
+      <p:sp>
+        <p:nvSpPr>
+          <p:cNvPr id="25" name="Rectangle 24">
+            <a:extLst>
+              <a:ext uri="{FF2B5EF4-FFF2-40B4-BE49-F238E27FC236}">
+                <a16:creationId xmlns:a16="http://schemas.microsoft.com/office/drawing/2014/main" id="{BEF40363-1296-4F6B-8656-D47D96B64330}"/>
+              </a:ext>
+            </a:extLst>
+          </p:cNvPr>
+          <p:cNvSpPr/>
+          <p:nvPr/>
+        </p:nvSpPr>
+        <p:spPr>
+          <a:xfrm>
+            <a:off x="1456098" y="4349920"/>
             <a:ext cx="10098317" cy="621324"/>
           </a:xfrm>
           <a:prstGeom prst="rect">
@@ -10369,17 +11476,20 @@
               <a:rPr lang="en-US" sz="2500" dirty="0">
                 <a:latin typeface="Nunito Sans" panose="00000500000000000000" pitchFamily="2" charset="0"/>
               </a:rPr>
-              <a:t>7!×6!</a:t>
-            </a:r>
-          </a:p>
-        </p:txBody>
-      </p:sp>
-      <p:sp>
-        <p:nvSpPr>
-          <p:cNvPr id="25" name="Rectangle 24">
-            <a:extLst>
-              <a:ext uri="{FF2B5EF4-FFF2-40B4-BE49-F238E27FC236}">
-                <a16:creationId xmlns:a16="http://schemas.microsoft.com/office/drawing/2014/main" id="{BEF40363-1296-4F6B-8656-D47D96B64330}"/>
+              <a:t>9! ×2</a:t>
+            </a:r>
+            <a:endParaRPr lang="en-US" sz="2500" baseline="30000" dirty="0">
+              <a:latin typeface="Nunito Sans" panose="00000500000000000000" pitchFamily="2" charset="0"/>
+            </a:endParaRPr>
+          </a:p>
+        </p:txBody>
+      </p:sp>
+      <p:sp>
+        <p:nvSpPr>
+          <p:cNvPr id="26" name="Rectangle 25">
+            <a:extLst>
+              <a:ext uri="{FF2B5EF4-FFF2-40B4-BE49-F238E27FC236}">
+                <a16:creationId xmlns:a16="http://schemas.microsoft.com/office/drawing/2014/main" id="{D95ABC10-15CF-488C-806F-94CE71FC878A}"/>
               </a:ext>
             </a:extLst>
           </p:cNvPr>
@@ -10388,7 +11498,7 @@
         </p:nvSpPr>
         <p:spPr>
           <a:xfrm>
-            <a:off x="1456098" y="4349920"/>
+            <a:off x="1440028" y="4914129"/>
             <a:ext cx="10098317" cy="621324"/>
           </a:xfrm>
           <a:prstGeom prst="rect">
@@ -10411,55 +11521,7 @@
               <a:rPr lang="en-US" sz="2500" dirty="0">
                 <a:latin typeface="Nunito Sans" panose="00000500000000000000" pitchFamily="2" charset="0"/>
               </a:rPr>
-              <a:t>(6!)</a:t>
-            </a:r>
-            <a:r>
-              <a:rPr lang="en-US" sz="2500" baseline="30000" dirty="0">
-                <a:latin typeface="Nunito Sans" panose="00000500000000000000" pitchFamily="2" charset="0"/>
-              </a:rPr>
-              <a:t>2</a:t>
-            </a:r>
-          </a:p>
-        </p:txBody>
-      </p:sp>
-      <p:sp>
-        <p:nvSpPr>
-          <p:cNvPr id="26" name="Rectangle 25">
-            <a:extLst>
-              <a:ext uri="{FF2B5EF4-FFF2-40B4-BE49-F238E27FC236}">
-                <a16:creationId xmlns:a16="http://schemas.microsoft.com/office/drawing/2014/main" id="{D95ABC10-15CF-488C-806F-94CE71FC878A}"/>
-              </a:ext>
-            </a:extLst>
-          </p:cNvPr>
-          <p:cNvSpPr/>
-          <p:nvPr/>
-        </p:nvSpPr>
-        <p:spPr>
-          <a:xfrm>
-            <a:off x="1440028" y="4914129"/>
-            <a:ext cx="10098317" cy="621324"/>
-          </a:xfrm>
-          <a:prstGeom prst="rect">
-            <a:avLst/>
-          </a:prstGeom>
-          <a:noFill/>
-        </p:spPr>
-        <p:txBody>
-          <a:bodyPr wrap="square" lIns="91440" tIns="45720" rIns="91440" bIns="45720">
-            <a:spAutoFit/>
-          </a:bodyPr>
-          <a:lstStyle/>
-          <a:p>
-            <a:pPr>
-              <a:lnSpc>
-                <a:spcPct val="150000"/>
-              </a:lnSpc>
-            </a:pPr>
-            <a:r>
-              <a:rPr lang="en-US" sz="2500" dirty="0">
-                <a:latin typeface="Nunito Sans" panose="00000500000000000000" pitchFamily="2" charset="0"/>
-              </a:rPr>
-              <a:t>7!</a:t>
+              <a:t>None of these</a:t>
             </a:r>
           </a:p>
         </p:txBody>
@@ -10552,8 +11614,23 @@
                 </a:solidFill>
                 <a:latin typeface="Nunito Sans" panose="00000500000000000000" pitchFamily="2" charset="0"/>
               </a:rPr>
-              <a:t>Question 10</a:t>
-            </a:r>
+              <a:t>Question </a:t>
+            </a:r>
+            <a:r>
+              <a:rPr lang="en-US" sz="4800" b="1" dirty="0" smtClean="0">
+                <a:solidFill>
+                  <a:schemeClr val="bg1"/>
+                </a:solidFill>
+                <a:latin typeface="Nunito Sans" panose="00000500000000000000" pitchFamily="2" charset="0"/>
+              </a:rPr>
+              <a:t>12</a:t>
+            </a:r>
+            <a:endParaRPr lang="en-US" sz="4800" b="1" dirty="0">
+              <a:solidFill>
+                <a:schemeClr val="bg1"/>
+              </a:solidFill>
+              <a:latin typeface="Nunito Sans" panose="00000500000000000000" pitchFamily="2" charset="0"/>
+            </a:endParaRPr>
           </a:p>
         </p:txBody>
       </p:sp>
@@ -10590,13 +11667,20 @@
     </p:spTree>
     <p:extLst>
       <p:ext uri="{BB962C8B-B14F-4D97-AF65-F5344CB8AC3E}">
-        <p14:creationId xmlns:p14="http://schemas.microsoft.com/office/powerpoint/2010/main" val="3247260936"/>
+        <p14:creationId xmlns:p14="http://schemas.microsoft.com/office/powerpoint/2010/main" val="2476938021"/>
       </p:ext>
     </p:extLst>
   </p:cSld>
   <p:clrMapOvr>
     <a:masterClrMapping/>
   </p:clrMapOvr>
+  <p:timing>
+    <p:tnLst>
+      <p:par>
+        <p:cTn id="1" dur="indefinite" restart="never" nodeType="tmRoot"/>
+      </p:par>
+    </p:tnLst>
+  </p:timing>
 </p:sld>
 </file>
 
@@ -10658,8 +11742,17 @@
               <a:rPr lang="en-US" sz="2500" dirty="0">
                 <a:latin typeface="Nunito Sans" panose="00000500000000000000" pitchFamily="2" charset="0"/>
               </a:rPr>
-              <a:t>The number of ways in which 5 male and 2 female members of a committee can be seated around a round table so that the two female are not seated together is _______.</a:t>
-            </a:r>
+              <a:t>20 persons are invited for a party. In how many different ways can they and the host be seated at a circular table, if the two particular persons are to be seated on either side of the </a:t>
+            </a:r>
+            <a:r>
+              <a:rPr lang="en-US" sz="2500" dirty="0" smtClean="0">
+                <a:latin typeface="Nunito Sans" panose="00000500000000000000" pitchFamily="2" charset="0"/>
+              </a:rPr>
+              <a:t>host?</a:t>
+            </a:r>
+            <a:endParaRPr lang="en-US" sz="2500" dirty="0">
+              <a:latin typeface="Nunito Sans" panose="00000500000000000000" pitchFamily="2" charset="0"/>
+            </a:endParaRPr>
           </a:p>
         </p:txBody>
       </p:sp>
@@ -10868,7 +11961,7 @@
               <a:rPr lang="en-US" sz="2500" dirty="0">
                 <a:latin typeface="Nunito Sans" panose="00000500000000000000" pitchFamily="2" charset="0"/>
               </a:rPr>
-              <a:t>480</a:t>
+              <a:t>20 !</a:t>
             </a:r>
             <a:endParaRPr lang="en-US" sz="2500" baseline="30000" dirty="0">
               <a:latin typeface="Nunito Sans" panose="00000500000000000000" pitchFamily="2" charset="0"/>
@@ -10913,7 +12006,7 @@
               <a:rPr lang="en-US" sz="2500" dirty="0">
                 <a:latin typeface="Nunito Sans" panose="00000500000000000000" pitchFamily="2" charset="0"/>
               </a:rPr>
-              <a:t>600</a:t>
+              <a:t>2 . 18 !</a:t>
             </a:r>
           </a:p>
         </p:txBody>
@@ -10955,7 +12048,7 @@
               <a:rPr lang="en-US" sz="2500" dirty="0">
                 <a:latin typeface="Nunito Sans" panose="00000500000000000000" pitchFamily="2" charset="0"/>
               </a:rPr>
-              <a:t>720</a:t>
+              <a:t>18 !</a:t>
             </a:r>
             <a:endParaRPr lang="en-US" sz="2500" baseline="30000" dirty="0">
               <a:latin typeface="Nunito Sans" panose="00000500000000000000" pitchFamily="2" charset="0"/>
@@ -11000,7 +12093,7 @@
               <a:rPr lang="en-US" sz="2500" dirty="0">
                 <a:latin typeface="Nunito Sans" panose="00000500000000000000" pitchFamily="2" charset="0"/>
               </a:rPr>
-              <a:t>840</a:t>
+              <a:t>None of these</a:t>
             </a:r>
           </a:p>
         </p:txBody>
@@ -11093,8 +12186,23 @@
                 </a:solidFill>
                 <a:latin typeface="Nunito Sans" panose="00000500000000000000" pitchFamily="2" charset="0"/>
               </a:rPr>
-              <a:t>Question 11</a:t>
-            </a:r>
+              <a:t>Question </a:t>
+            </a:r>
+            <a:r>
+              <a:rPr lang="en-US" sz="4800" b="1" dirty="0" smtClean="0">
+                <a:solidFill>
+                  <a:schemeClr val="bg1"/>
+                </a:solidFill>
+                <a:latin typeface="Nunito Sans" panose="00000500000000000000" pitchFamily="2" charset="0"/>
+              </a:rPr>
+              <a:t>13</a:t>
+            </a:r>
+            <a:endParaRPr lang="en-US" sz="4800" b="1" dirty="0">
+              <a:solidFill>
+                <a:schemeClr val="bg1"/>
+              </a:solidFill>
+              <a:latin typeface="Nunito Sans" panose="00000500000000000000" pitchFamily="2" charset="0"/>
+            </a:endParaRPr>
           </a:p>
         </p:txBody>
       </p:sp>
@@ -11131,13 +12239,20 @@
     </p:spTree>
     <p:extLst>
       <p:ext uri="{BB962C8B-B14F-4D97-AF65-F5344CB8AC3E}">
-        <p14:creationId xmlns:p14="http://schemas.microsoft.com/office/powerpoint/2010/main" val="1319405751"/>
+        <p14:creationId xmlns:p14="http://schemas.microsoft.com/office/powerpoint/2010/main" val="3005715128"/>
       </p:ext>
     </p:extLst>
   </p:cSld>
   <p:clrMapOvr>
     <a:masterClrMapping/>
   </p:clrMapOvr>
+  <p:timing>
+    <p:tnLst>
+      <p:par>
+        <p:cTn id="1" dur="indefinite" restart="never" nodeType="tmRoot"/>
+      </p:par>
+    </p:tnLst>
+  </p:timing>
 </p:sld>
 </file>
 
@@ -11177,7 +12292,7 @@
           </a:ln>
           <a:extLst>
             <a:ext uri="{C572A759-6A51-4108-AA02-DFA0A04FC94B}">
-              <ma14:wrappingTextBoxFlag xmlns="" xmlns:m="http://schemas.openxmlformats.org/officeDocument/2006/math" xmlns:a14="http://schemas.microsoft.com/office/drawing/2010/main" xmlns:ma14="http://schemas.microsoft.com/office/mac/drawingml/2011/main" val="1"/>
+              <ma14:wrappingTextBoxFlag xmlns:ma14="http://schemas.microsoft.com/office/mac/drawingml/2011/main" xmlns:a14="http://schemas.microsoft.com/office/drawing/2010/main" xmlns:m="http://schemas.openxmlformats.org/officeDocument/2006/math" xmlns="" val="1"/>
             </a:ext>
           </a:extLst>
         </p:spPr>
@@ -11238,7 +12353,7 @@
           </a:ln>
           <a:extLst>
             <a:ext uri="{C572A759-6A51-4108-AA02-DFA0A04FC94B}">
-              <ma14:wrappingTextBoxFlag xmlns="" xmlns:m="http://schemas.openxmlformats.org/officeDocument/2006/math" xmlns:a14="http://schemas.microsoft.com/office/drawing/2010/main" xmlns:ma14="http://schemas.microsoft.com/office/mac/drawingml/2011/main" val="1"/>
+              <ma14:wrappingTextBoxFlag xmlns:ma14="http://schemas.microsoft.com/office/mac/drawingml/2011/main" xmlns:a14="http://schemas.microsoft.com/office/drawing/2010/main" xmlns:m="http://schemas.openxmlformats.org/officeDocument/2006/math" xmlns="" val="1"/>
             </a:ext>
           </a:extLst>
         </p:spPr>
@@ -11303,11 +12418,14 @@
           <a:lstStyle/>
           <a:p>
             <a:r>
-              <a:rPr lang="en-US" sz="6000" dirty="0">
+              <a:rPr lang="en-US" sz="6000" dirty="0" smtClean="0">
                 <a:latin typeface="Nunito Sans SemiBold" panose="00000700000000000000" pitchFamily="2" charset="0"/>
               </a:rPr>
               <a:t>VIT</a:t>
             </a:r>
+            <a:endParaRPr lang="en-US" sz="6000" dirty="0">
+              <a:latin typeface="Nunito Sans SemiBold" panose="00000700000000000000" pitchFamily="2" charset="0"/>
+            </a:endParaRPr>
           </a:p>
         </p:txBody>
       </p:sp>
@@ -11403,6 +12521,13 @@
   <p:clrMapOvr>
     <a:masterClrMapping/>
   </p:clrMapOvr>
+  <p:timing>
+    <p:tnLst>
+      <p:par>
+        <p:cTn id="1" dur="indefinite" restart="never" nodeType="tmRoot"/>
+      </p:par>
+    </p:tnLst>
+  </p:timing>
 </p:sld>
 </file>
 
@@ -11446,7 +12571,7 @@
         <p:spPr>
           <a:xfrm>
             <a:off x="642479" y="1156906"/>
-            <a:ext cx="10907041" cy="861774"/>
+            <a:ext cx="10907041" cy="1246495"/>
           </a:xfrm>
           <a:prstGeom prst="rect">
             <a:avLst/>
@@ -11464,19 +12589,7 @@
               <a:rPr lang="en-US" sz="2500" dirty="0">
                 <a:latin typeface="Nunito Sans" panose="00000500000000000000" pitchFamily="2" charset="0"/>
               </a:rPr>
-              <a:t>How many different garlands can be made using 12 flowers of different </a:t>
-            </a:r>
-            <a:r>
-              <a:rPr lang="en-US" sz="2500" dirty="0" err="1">
-                <a:latin typeface="Nunito Sans" panose="00000500000000000000" pitchFamily="2" charset="0"/>
-              </a:rPr>
-              <a:t>colours</a:t>
-            </a:r>
-            <a:r>
-              <a:rPr lang="en-US" sz="2500" dirty="0">
-                <a:latin typeface="Nunito Sans" panose="00000500000000000000" pitchFamily="2" charset="0"/>
-              </a:rPr>
-              <a:t>?</a:t>
+              <a:t>In how many ways can 15 members of a council sit along a circular table, when the Secretary is to sit on one side of the Chairman and the Deputy Secretary on the other side?</a:t>
             </a:r>
           </a:p>
         </p:txBody>
@@ -11686,7 +12799,7 @@
               <a:rPr lang="en-US" sz="2500" dirty="0">
                 <a:latin typeface="Nunito Sans" panose="00000500000000000000" pitchFamily="2" charset="0"/>
               </a:rPr>
-              <a:t>10 ! ×2</a:t>
+              <a:t>2×12!</a:t>
             </a:r>
             <a:endParaRPr lang="en-US" sz="2500" baseline="30000" dirty="0">
               <a:latin typeface="Nunito Sans" panose="00000500000000000000" pitchFamily="2" charset="0"/>
@@ -11709,41 +12822,6 @@
         <p:spPr>
           <a:xfrm>
             <a:off x="1445891" y="3775160"/>
-            <a:ext cx="10098317" cy="523220"/>
-          </a:xfrm>
-          <a:prstGeom prst="rect">
-            <a:avLst/>
-          </a:prstGeom>
-          <a:noFill/>
-        </p:spPr>
-        <p:txBody>
-          <a:bodyPr wrap="square" lIns="91440" tIns="45720" rIns="91440" bIns="45720">
-            <a:spAutoFit/>
-          </a:bodyPr>
-          <a:lstStyle/>
-          <a:p>
-            <a:r>
-              <a:rPr lang="en-US" sz="2800" dirty="0"/>
-              <a:t>11!/ 2</a:t>
-            </a:r>
-          </a:p>
-        </p:txBody>
-      </p:sp>
-      <p:sp>
-        <p:nvSpPr>
-          <p:cNvPr id="25" name="Rectangle 24">
-            <a:extLst>
-              <a:ext uri="{FF2B5EF4-FFF2-40B4-BE49-F238E27FC236}">
-                <a16:creationId xmlns:a16="http://schemas.microsoft.com/office/drawing/2014/main" id="{BEF40363-1296-4F6B-8656-D47D96B64330}"/>
-              </a:ext>
-            </a:extLst>
-          </p:cNvPr>
-          <p:cNvSpPr/>
-          <p:nvPr/>
-        </p:nvSpPr>
-        <p:spPr>
-          <a:xfrm>
-            <a:off x="1456098" y="4349920"/>
             <a:ext cx="10098317" cy="621324"/>
           </a:xfrm>
           <a:prstGeom prst="rect">
@@ -11766,7 +12844,49 @@
               <a:rPr lang="en-US" sz="2500" dirty="0">
                 <a:latin typeface="Nunito Sans" panose="00000500000000000000" pitchFamily="2" charset="0"/>
               </a:rPr>
-              <a:t>9! ×2</a:t>
+              <a:t>24</a:t>
+            </a:r>
+          </a:p>
+        </p:txBody>
+      </p:sp>
+      <p:sp>
+        <p:nvSpPr>
+          <p:cNvPr id="25" name="Rectangle 24">
+            <a:extLst>
+              <a:ext uri="{FF2B5EF4-FFF2-40B4-BE49-F238E27FC236}">
+                <a16:creationId xmlns:a16="http://schemas.microsoft.com/office/drawing/2014/main" id="{BEF40363-1296-4F6B-8656-D47D96B64330}"/>
+              </a:ext>
+            </a:extLst>
+          </p:cNvPr>
+          <p:cNvSpPr/>
+          <p:nvPr/>
+        </p:nvSpPr>
+        <p:spPr>
+          <a:xfrm>
+            <a:off x="1456098" y="4349920"/>
+            <a:ext cx="10098317" cy="621324"/>
+          </a:xfrm>
+          <a:prstGeom prst="rect">
+            <a:avLst/>
+          </a:prstGeom>
+          <a:noFill/>
+        </p:spPr>
+        <p:txBody>
+          <a:bodyPr wrap="square" lIns="91440" tIns="45720" rIns="91440" bIns="45720">
+            <a:spAutoFit/>
+          </a:bodyPr>
+          <a:lstStyle/>
+          <a:p>
+            <a:pPr>
+              <a:lnSpc>
+                <a:spcPct val="150000"/>
+              </a:lnSpc>
+            </a:pPr>
+            <a:r>
+              <a:rPr lang="en-US" sz="2500" dirty="0">
+                <a:latin typeface="Nunito Sans" panose="00000500000000000000" pitchFamily="2" charset="0"/>
+              </a:rPr>
+              <a:t>2×15!</a:t>
             </a:r>
             <a:endParaRPr lang="en-US" sz="2500" baseline="30000" dirty="0">
               <a:latin typeface="Nunito Sans" panose="00000500000000000000" pitchFamily="2" charset="0"/>
@@ -11904,8 +13024,23 @@
                 </a:solidFill>
                 <a:latin typeface="Nunito Sans" panose="00000500000000000000" pitchFamily="2" charset="0"/>
               </a:rPr>
-              <a:t>Question 12</a:t>
-            </a:r>
+              <a:t>Question </a:t>
+            </a:r>
+            <a:r>
+              <a:rPr lang="en-US" sz="4800" b="1" dirty="0" smtClean="0">
+                <a:solidFill>
+                  <a:schemeClr val="bg1"/>
+                </a:solidFill>
+                <a:latin typeface="Nunito Sans" panose="00000500000000000000" pitchFamily="2" charset="0"/>
+              </a:rPr>
+              <a:t>14</a:t>
+            </a:r>
+            <a:endParaRPr lang="en-US" sz="4800" b="1" dirty="0">
+              <a:solidFill>
+                <a:schemeClr val="bg1"/>
+              </a:solidFill>
+              <a:latin typeface="Nunito Sans" panose="00000500000000000000" pitchFamily="2" charset="0"/>
+            </a:endParaRPr>
           </a:p>
         </p:txBody>
       </p:sp>
@@ -11942,13 +13077,20 @@
     </p:spTree>
     <p:extLst>
       <p:ext uri="{BB962C8B-B14F-4D97-AF65-F5344CB8AC3E}">
-        <p14:creationId xmlns:p14="http://schemas.microsoft.com/office/powerpoint/2010/main" val="2476938021"/>
+        <p14:creationId xmlns:p14="http://schemas.microsoft.com/office/powerpoint/2010/main" val="789587209"/>
       </p:ext>
     </p:extLst>
   </p:cSld>
   <p:clrMapOvr>
     <a:masterClrMapping/>
   </p:clrMapOvr>
+  <p:timing>
+    <p:tnLst>
+      <p:par>
+        <p:cTn id="1" dur="indefinite" restart="never" nodeType="tmRoot"/>
+      </p:par>
+    </p:tnLst>
+  </p:timing>
 </p:sld>
 </file>
 
@@ -11992,7 +13134,7 @@
         <p:spPr>
           <a:xfrm>
             <a:off x="642479" y="1156906"/>
-            <a:ext cx="10907041" cy="1246495"/>
+            <a:ext cx="10907041" cy="861774"/>
           </a:xfrm>
           <a:prstGeom prst="rect">
             <a:avLst/>
@@ -12010,7 +13152,7 @@
               <a:rPr lang="en-US" sz="2500" dirty="0">
                 <a:latin typeface="Nunito Sans" panose="00000500000000000000" pitchFamily="2" charset="0"/>
               </a:rPr>
-              <a:t>20 persons are invited for a party. In how many different ways can they and the host be seated at a circular table, if the two particular persons are to be seated on either side of the host?</a:t>
+              <a:t>If eleven members of a committee sit at a round table so that the President and Secretary always sit together, then the number of arrangements is</a:t>
             </a:r>
           </a:p>
         </p:txBody>
@@ -12220,7 +13362,7 @@
               <a:rPr lang="en-US" sz="2500" dirty="0">
                 <a:latin typeface="Nunito Sans" panose="00000500000000000000" pitchFamily="2" charset="0"/>
               </a:rPr>
-              <a:t>20 !</a:t>
+              <a:t>10 ! ×2</a:t>
             </a:r>
             <a:endParaRPr lang="en-US" sz="2500" baseline="30000" dirty="0">
               <a:latin typeface="Nunito Sans" panose="00000500000000000000" pitchFamily="2" charset="0"/>
@@ -12265,7 +13407,7 @@
               <a:rPr lang="en-US" sz="2500" dirty="0">
                 <a:latin typeface="Nunito Sans" panose="00000500000000000000" pitchFamily="2" charset="0"/>
               </a:rPr>
-              <a:t>2 . 18 !</a:t>
+              <a:t>10!</a:t>
             </a:r>
           </a:p>
         </p:txBody>
@@ -12307,7 +13449,7 @@
               <a:rPr lang="en-US" sz="2500" dirty="0">
                 <a:latin typeface="Nunito Sans" panose="00000500000000000000" pitchFamily="2" charset="0"/>
               </a:rPr>
-              <a:t>18 !</a:t>
+              <a:t>9! ×2</a:t>
             </a:r>
             <a:endParaRPr lang="en-US" sz="2500" baseline="30000" dirty="0">
               <a:latin typeface="Nunito Sans" panose="00000500000000000000" pitchFamily="2" charset="0"/>
@@ -12445,1090 +13587,23 @@
                 </a:solidFill>
                 <a:latin typeface="Nunito Sans" panose="00000500000000000000" pitchFamily="2" charset="0"/>
               </a:rPr>
-              <a:t>Question 13</a:t>
-            </a:r>
-          </a:p>
-        </p:txBody>
-      </p:sp>
-      <p:pic>
-        <p:nvPicPr>
-          <p:cNvPr id="21" name="Picture 20"/>
-          <p:cNvPicPr>
-            <a:picLocks noChangeAspect="1"/>
-          </p:cNvPicPr>
-          <p:nvPr/>
-        </p:nvPicPr>
-        <p:blipFill>
-          <a:blip r:embed="rId3" cstate="print">
-            <a:extLst>
-              <a:ext uri="{28A0092B-C50C-407E-A947-70E740481C1C}">
-                <a14:useLocalDpi xmlns:a14="http://schemas.microsoft.com/office/drawing/2010/main" val="0"/>
-              </a:ext>
-            </a:extLst>
-          </a:blip>
-          <a:stretch>
-            <a:fillRect/>
-          </a:stretch>
-        </p:blipFill>
-        <p:spPr>
-          <a:xfrm>
-            <a:off x="9674352" y="6099048"/>
-            <a:ext cx="1989410" cy="429768"/>
-          </a:xfrm>
-          <a:prstGeom prst="rect">
-            <a:avLst/>
-          </a:prstGeom>
-        </p:spPr>
-      </p:pic>
-    </p:spTree>
-    <p:extLst>
-      <p:ext uri="{BB962C8B-B14F-4D97-AF65-F5344CB8AC3E}">
-        <p14:creationId xmlns:p14="http://schemas.microsoft.com/office/powerpoint/2010/main" val="3005715128"/>
-      </p:ext>
-    </p:extLst>
-  </p:cSld>
-  <p:clrMapOvr>
-    <a:masterClrMapping/>
-  </p:clrMapOvr>
-</p:sld>
-</file>
-
-<file path=ppt/slides/slide22.xml><?xml version="1.0" encoding="utf-8"?>
-<p:sld xmlns:a="http://schemas.openxmlformats.org/drawingml/2006/main" xmlns:r="http://schemas.openxmlformats.org/officeDocument/2006/relationships" xmlns:p="http://schemas.openxmlformats.org/presentationml/2006/main">
-  <p:cSld>
-    <p:bg>
-      <p:bgPr>
-        <a:solidFill>
-          <a:srgbClr val="FDFDFD"/>
-        </a:solidFill>
-        <a:effectLst/>
-      </p:bgPr>
-    </p:bg>
-    <p:spTree>
-      <p:nvGrpSpPr>
-        <p:cNvPr id="1" name=""/>
-        <p:cNvGrpSpPr/>
-        <p:nvPr/>
-      </p:nvGrpSpPr>
-      <p:grpSpPr>
-        <a:xfrm>
-          <a:off x="0" y="0"/>
-          <a:ext cx="0" cy="0"/>
-          <a:chOff x="0" y="0"/>
-          <a:chExt cx="0" cy="0"/>
-        </a:xfrm>
-      </p:grpSpPr>
-      <p:sp>
-        <p:nvSpPr>
-          <p:cNvPr id="9" name="TextBox 8">
-            <a:extLst>
-              <a:ext uri="{FF2B5EF4-FFF2-40B4-BE49-F238E27FC236}">
-                <a16:creationId xmlns:a16="http://schemas.microsoft.com/office/drawing/2014/main" id="{05EFE211-1D0D-4979-87E6-8967C2913C04}"/>
-              </a:ext>
-            </a:extLst>
-          </p:cNvPr>
-          <p:cNvSpPr txBox="1"/>
-          <p:nvPr/>
-        </p:nvSpPr>
-        <p:spPr>
-          <a:xfrm>
-            <a:off x="642479" y="1156906"/>
-            <a:ext cx="10907041" cy="1246495"/>
-          </a:xfrm>
-          <a:prstGeom prst="rect">
-            <a:avLst/>
-          </a:prstGeom>
-          <a:noFill/>
-        </p:spPr>
-        <p:txBody>
-          <a:bodyPr wrap="square" rtlCol="0">
-            <a:spAutoFit/>
-          </a:bodyPr>
-          <a:lstStyle/>
-          <a:p>
-            <a:pPr algn="just"/>
-            <a:r>
-              <a:rPr lang="en-US" sz="2500" dirty="0">
-                <a:latin typeface="Nunito Sans" panose="00000500000000000000" pitchFamily="2" charset="0"/>
-              </a:rPr>
-              <a:t>In how many ways can 15 members of a council sit along a circular table, when the Secretary is to sit on one side of the Chairman and the Deputy Secretary on the other side?</a:t>
-            </a:r>
-          </a:p>
-        </p:txBody>
-      </p:sp>
-      <p:sp>
-        <p:nvSpPr>
-          <p:cNvPr id="4" name="Rectangle 3">
-            <a:extLst>
-              <a:ext uri="{FF2B5EF4-FFF2-40B4-BE49-F238E27FC236}">
-                <a16:creationId xmlns:a16="http://schemas.microsoft.com/office/drawing/2014/main" id="{E5DD2504-B1FF-4F55-B4FA-4AEA19FF2DD8}"/>
-              </a:ext>
-            </a:extLst>
-          </p:cNvPr>
-          <p:cNvSpPr/>
-          <p:nvPr/>
-        </p:nvSpPr>
-        <p:spPr>
-          <a:xfrm>
-            <a:off x="657998" y="3200400"/>
-            <a:ext cx="696697" cy="621324"/>
-          </a:xfrm>
-          <a:prstGeom prst="rect">
-            <a:avLst/>
-          </a:prstGeom>
-          <a:noFill/>
-        </p:spPr>
-        <p:txBody>
-          <a:bodyPr wrap="square" lIns="91440" tIns="45720" rIns="91440" bIns="45720">
-            <a:spAutoFit/>
-          </a:bodyPr>
-          <a:lstStyle/>
-          <a:p>
-            <a:pPr>
-              <a:lnSpc>
-                <a:spcPct val="150000"/>
-              </a:lnSpc>
-            </a:pPr>
-            <a:r>
-              <a:rPr lang="en-US" sz="2500" b="1" dirty="0">
-                <a:latin typeface="Nunito Sans" panose="00000500000000000000" pitchFamily="2" charset="0"/>
-              </a:rPr>
-              <a:t>A)</a:t>
-            </a:r>
-          </a:p>
-        </p:txBody>
-      </p:sp>
-      <p:sp>
-        <p:nvSpPr>
-          <p:cNvPr id="16" name="Rectangle 15">
-            <a:extLst>
-              <a:ext uri="{FF2B5EF4-FFF2-40B4-BE49-F238E27FC236}">
-                <a16:creationId xmlns:a16="http://schemas.microsoft.com/office/drawing/2014/main" id="{72143B70-2774-4C1B-BA6C-0E2C89AD6E8B}"/>
-              </a:ext>
-            </a:extLst>
-          </p:cNvPr>
-          <p:cNvSpPr/>
-          <p:nvPr/>
-        </p:nvSpPr>
-        <p:spPr>
-          <a:xfrm>
-            <a:off x="647791" y="3775160"/>
-            <a:ext cx="696697" cy="621324"/>
-          </a:xfrm>
-          <a:prstGeom prst="rect">
-            <a:avLst/>
-          </a:prstGeom>
-          <a:noFill/>
-        </p:spPr>
-        <p:txBody>
-          <a:bodyPr wrap="square" lIns="91440" tIns="45720" rIns="91440" bIns="45720">
-            <a:spAutoFit/>
-          </a:bodyPr>
-          <a:lstStyle/>
-          <a:p>
-            <a:pPr>
-              <a:lnSpc>
-                <a:spcPct val="150000"/>
-              </a:lnSpc>
-            </a:pPr>
-            <a:r>
-              <a:rPr lang="en-US" sz="2500" b="1" dirty="0">
-                <a:latin typeface="Nunito Sans" panose="00000500000000000000" pitchFamily="2" charset="0"/>
-              </a:rPr>
-              <a:t>B)</a:t>
-            </a:r>
-          </a:p>
-        </p:txBody>
-      </p:sp>
-      <p:sp>
-        <p:nvSpPr>
-          <p:cNvPr id="17" name="Rectangle 16">
-            <a:extLst>
-              <a:ext uri="{FF2B5EF4-FFF2-40B4-BE49-F238E27FC236}">
-                <a16:creationId xmlns:a16="http://schemas.microsoft.com/office/drawing/2014/main" id="{E78CEF88-20C6-43F2-BCB5-DBF349A353D1}"/>
-              </a:ext>
-            </a:extLst>
-          </p:cNvPr>
-          <p:cNvSpPr/>
-          <p:nvPr/>
-        </p:nvSpPr>
-        <p:spPr>
-          <a:xfrm>
-            <a:off x="657998" y="4349920"/>
-            <a:ext cx="696697" cy="621324"/>
-          </a:xfrm>
-          <a:prstGeom prst="rect">
-            <a:avLst/>
-          </a:prstGeom>
-          <a:noFill/>
-        </p:spPr>
-        <p:txBody>
-          <a:bodyPr wrap="square" lIns="91440" tIns="45720" rIns="91440" bIns="45720">
-            <a:spAutoFit/>
-          </a:bodyPr>
-          <a:lstStyle/>
-          <a:p>
-            <a:pPr>
-              <a:lnSpc>
-                <a:spcPct val="150000"/>
-              </a:lnSpc>
-            </a:pPr>
-            <a:r>
-              <a:rPr lang="en-US" sz="2500" b="1" dirty="0">
-                <a:latin typeface="Nunito Sans" panose="00000500000000000000" pitchFamily="2" charset="0"/>
-              </a:rPr>
-              <a:t>C)</a:t>
-            </a:r>
-          </a:p>
-        </p:txBody>
-      </p:sp>
-      <p:sp>
-        <p:nvSpPr>
-          <p:cNvPr id="18" name="Rectangle 17">
-            <a:extLst>
-              <a:ext uri="{FF2B5EF4-FFF2-40B4-BE49-F238E27FC236}">
-                <a16:creationId xmlns:a16="http://schemas.microsoft.com/office/drawing/2014/main" id="{EFAD326F-7428-498A-82D3-321753462543}"/>
-              </a:ext>
-            </a:extLst>
-          </p:cNvPr>
-          <p:cNvSpPr/>
-          <p:nvPr/>
-        </p:nvSpPr>
-        <p:spPr>
-          <a:xfrm>
-            <a:off x="641928" y="4914129"/>
-            <a:ext cx="696697" cy="621324"/>
-          </a:xfrm>
-          <a:prstGeom prst="rect">
-            <a:avLst/>
-          </a:prstGeom>
-          <a:noFill/>
-        </p:spPr>
-        <p:txBody>
-          <a:bodyPr wrap="square" lIns="91440" tIns="45720" rIns="91440" bIns="45720">
-            <a:spAutoFit/>
-          </a:bodyPr>
-          <a:lstStyle/>
-          <a:p>
-            <a:pPr>
-              <a:lnSpc>
-                <a:spcPct val="150000"/>
-              </a:lnSpc>
-            </a:pPr>
-            <a:r>
-              <a:rPr lang="en-US" sz="2500" b="1" dirty="0">
-                <a:latin typeface="Nunito Sans" panose="00000500000000000000" pitchFamily="2" charset="0"/>
-              </a:rPr>
-              <a:t>D)</a:t>
-            </a:r>
-          </a:p>
-        </p:txBody>
-      </p:sp>
-      <p:sp>
-        <p:nvSpPr>
-          <p:cNvPr id="23" name="Rectangle 22">
-            <a:extLst>
-              <a:ext uri="{FF2B5EF4-FFF2-40B4-BE49-F238E27FC236}">
-                <a16:creationId xmlns:a16="http://schemas.microsoft.com/office/drawing/2014/main" id="{116C2E0D-93FB-4ADC-BC2B-83DFED946B7A}"/>
-              </a:ext>
-            </a:extLst>
-          </p:cNvPr>
-          <p:cNvSpPr/>
-          <p:nvPr/>
-        </p:nvSpPr>
-        <p:spPr>
-          <a:xfrm>
-            <a:off x="1456098" y="3200400"/>
-            <a:ext cx="10098317" cy="621324"/>
-          </a:xfrm>
-          <a:prstGeom prst="rect">
-            <a:avLst/>
-          </a:prstGeom>
-          <a:noFill/>
-        </p:spPr>
-        <p:txBody>
-          <a:bodyPr wrap="square" lIns="91440" tIns="45720" rIns="91440" bIns="45720">
-            <a:spAutoFit/>
-          </a:bodyPr>
-          <a:lstStyle/>
-          <a:p>
-            <a:pPr>
-              <a:lnSpc>
-                <a:spcPct val="150000"/>
-              </a:lnSpc>
-            </a:pPr>
-            <a:r>
-              <a:rPr lang="en-US" sz="2500" dirty="0">
-                <a:latin typeface="Nunito Sans" panose="00000500000000000000" pitchFamily="2" charset="0"/>
-              </a:rPr>
-              <a:t>2×12!</a:t>
-            </a:r>
-            <a:endParaRPr lang="en-US" sz="2500" baseline="30000" dirty="0">
-              <a:latin typeface="Nunito Sans" panose="00000500000000000000" pitchFamily="2" charset="0"/>
-            </a:endParaRPr>
-          </a:p>
-        </p:txBody>
-      </p:sp>
-      <p:sp>
-        <p:nvSpPr>
-          <p:cNvPr id="24" name="Rectangle 23">
-            <a:extLst>
-              <a:ext uri="{FF2B5EF4-FFF2-40B4-BE49-F238E27FC236}">
-                <a16:creationId xmlns:a16="http://schemas.microsoft.com/office/drawing/2014/main" id="{F62FDC11-1E2D-428B-8217-CF9104F9B6D7}"/>
-              </a:ext>
-            </a:extLst>
-          </p:cNvPr>
-          <p:cNvSpPr/>
-          <p:nvPr/>
-        </p:nvSpPr>
-        <p:spPr>
-          <a:xfrm>
-            <a:off x="1445891" y="3775160"/>
-            <a:ext cx="10098317" cy="621324"/>
-          </a:xfrm>
-          <a:prstGeom prst="rect">
-            <a:avLst/>
-          </a:prstGeom>
-          <a:noFill/>
-        </p:spPr>
-        <p:txBody>
-          <a:bodyPr wrap="square" lIns="91440" tIns="45720" rIns="91440" bIns="45720">
-            <a:spAutoFit/>
-          </a:bodyPr>
-          <a:lstStyle/>
-          <a:p>
-            <a:pPr>
-              <a:lnSpc>
-                <a:spcPct val="150000"/>
-              </a:lnSpc>
-            </a:pPr>
-            <a:r>
-              <a:rPr lang="en-US" sz="2500" dirty="0">
-                <a:latin typeface="Nunito Sans" panose="00000500000000000000" pitchFamily="2" charset="0"/>
-              </a:rPr>
-              <a:t>24</a:t>
-            </a:r>
-          </a:p>
-        </p:txBody>
-      </p:sp>
-      <p:sp>
-        <p:nvSpPr>
-          <p:cNvPr id="25" name="Rectangle 24">
-            <a:extLst>
-              <a:ext uri="{FF2B5EF4-FFF2-40B4-BE49-F238E27FC236}">
-                <a16:creationId xmlns:a16="http://schemas.microsoft.com/office/drawing/2014/main" id="{BEF40363-1296-4F6B-8656-D47D96B64330}"/>
-              </a:ext>
-            </a:extLst>
-          </p:cNvPr>
-          <p:cNvSpPr/>
-          <p:nvPr/>
-        </p:nvSpPr>
-        <p:spPr>
-          <a:xfrm>
-            <a:off x="1456098" y="4349920"/>
-            <a:ext cx="10098317" cy="621324"/>
-          </a:xfrm>
-          <a:prstGeom prst="rect">
-            <a:avLst/>
-          </a:prstGeom>
-          <a:noFill/>
-        </p:spPr>
-        <p:txBody>
-          <a:bodyPr wrap="square" lIns="91440" tIns="45720" rIns="91440" bIns="45720">
-            <a:spAutoFit/>
-          </a:bodyPr>
-          <a:lstStyle/>
-          <a:p>
-            <a:pPr>
-              <a:lnSpc>
-                <a:spcPct val="150000"/>
-              </a:lnSpc>
-            </a:pPr>
-            <a:r>
-              <a:rPr lang="en-US" sz="2500" dirty="0">
-                <a:latin typeface="Nunito Sans" panose="00000500000000000000" pitchFamily="2" charset="0"/>
-              </a:rPr>
-              <a:t>2×15!</a:t>
-            </a:r>
-            <a:endParaRPr lang="en-US" sz="2500" baseline="30000" dirty="0">
-              <a:latin typeface="Nunito Sans" panose="00000500000000000000" pitchFamily="2" charset="0"/>
-            </a:endParaRPr>
-          </a:p>
-        </p:txBody>
-      </p:sp>
-      <p:sp>
-        <p:nvSpPr>
-          <p:cNvPr id="26" name="Rectangle 25">
-            <a:extLst>
-              <a:ext uri="{FF2B5EF4-FFF2-40B4-BE49-F238E27FC236}">
-                <a16:creationId xmlns:a16="http://schemas.microsoft.com/office/drawing/2014/main" id="{D95ABC10-15CF-488C-806F-94CE71FC878A}"/>
-              </a:ext>
-            </a:extLst>
-          </p:cNvPr>
-          <p:cNvSpPr/>
-          <p:nvPr/>
-        </p:nvSpPr>
-        <p:spPr>
-          <a:xfrm>
-            <a:off x="1440028" y="4914129"/>
-            <a:ext cx="10098317" cy="621324"/>
-          </a:xfrm>
-          <a:prstGeom prst="rect">
-            <a:avLst/>
-          </a:prstGeom>
-          <a:noFill/>
-        </p:spPr>
-        <p:txBody>
-          <a:bodyPr wrap="square" lIns="91440" tIns="45720" rIns="91440" bIns="45720">
-            <a:spAutoFit/>
-          </a:bodyPr>
-          <a:lstStyle/>
-          <a:p>
-            <a:pPr>
-              <a:lnSpc>
-                <a:spcPct val="150000"/>
-              </a:lnSpc>
-            </a:pPr>
-            <a:r>
-              <a:rPr lang="en-US" sz="2500" dirty="0">
-                <a:latin typeface="Nunito Sans" panose="00000500000000000000" pitchFamily="2" charset="0"/>
-              </a:rPr>
-              <a:t>None of these</a:t>
-            </a:r>
-          </a:p>
-        </p:txBody>
-      </p:sp>
-      <p:sp>
-        <p:nvSpPr>
-          <p:cNvPr id="19" name="Rectangle 18">
-            <a:extLst>
-              <a:ext uri="{FF2B5EF4-FFF2-40B4-BE49-F238E27FC236}">
-                <a16:creationId xmlns:a16="http://schemas.microsoft.com/office/drawing/2014/main" id="{BC5E04D4-0543-4484-B3B6-0DDB2FCDCEA4}"/>
-              </a:ext>
-            </a:extLst>
-          </p:cNvPr>
-          <p:cNvSpPr/>
-          <p:nvPr/>
-        </p:nvSpPr>
-        <p:spPr>
-          <a:xfrm>
-            <a:off x="0" y="0"/>
-            <a:ext cx="12192000" cy="883618"/>
-          </a:xfrm>
-          <a:prstGeom prst="rect">
-            <a:avLst/>
-          </a:prstGeom>
-          <a:solidFill>
-            <a:srgbClr val="F05136"/>
-          </a:solidFill>
-          <a:ln>
-            <a:noFill/>
-          </a:ln>
-        </p:spPr>
-        <p:style>
-          <a:lnRef idx="2">
-            <a:schemeClr val="accent1">
-              <a:shade val="50000"/>
-            </a:schemeClr>
-          </a:lnRef>
-          <a:fillRef idx="1">
-            <a:schemeClr val="accent1"/>
-          </a:fillRef>
-          <a:effectRef idx="0">
-            <a:schemeClr val="accent1"/>
-          </a:effectRef>
-          <a:fontRef idx="minor">
-            <a:schemeClr val="lt1"/>
-          </a:fontRef>
-        </p:style>
-        <p:txBody>
-          <a:bodyPr rtlCol="0" anchor="ctr"/>
-          <a:lstStyle/>
-          <a:p>
-            <a:pPr algn="ctr"/>
-            <a:endParaRPr lang="en-US"/>
-          </a:p>
-        </p:txBody>
-      </p:sp>
-      <p:sp>
-        <p:nvSpPr>
-          <p:cNvPr id="20" name="TextBox 19">
-            <a:extLst>
-              <a:ext uri="{FF2B5EF4-FFF2-40B4-BE49-F238E27FC236}">
-                <a16:creationId xmlns:a16="http://schemas.microsoft.com/office/drawing/2014/main" id="{8D2B7F5C-7E52-4144-8109-FAA3BD7AA776}"/>
-              </a:ext>
-            </a:extLst>
-          </p:cNvPr>
-          <p:cNvSpPr txBox="1"/>
-          <p:nvPr/>
-        </p:nvSpPr>
-        <p:spPr>
-          <a:xfrm>
-            <a:off x="3890150" y="228600"/>
-            <a:ext cx="7772400" cy="830997"/>
-          </a:xfrm>
-          <a:prstGeom prst="rect">
-            <a:avLst/>
-          </a:prstGeom>
-          <a:noFill/>
-        </p:spPr>
-        <p:txBody>
-          <a:bodyPr wrap="square" rtlCol="0">
-            <a:spAutoFit/>
-          </a:bodyPr>
-          <a:lstStyle/>
-          <a:p>
-            <a:pPr algn="r"/>
-            <a:r>
-              <a:rPr lang="en-US" sz="4800" b="1" dirty="0">
+              <a:t>Question </a:t>
+            </a:r>
+            <a:r>
+              <a:rPr lang="en-US" sz="4800" b="1" dirty="0" smtClean="0">
                 <a:solidFill>
                   <a:schemeClr val="bg1"/>
                 </a:solidFill>
                 <a:latin typeface="Nunito Sans" panose="00000500000000000000" pitchFamily="2" charset="0"/>
               </a:rPr>
-              <a:t>Question 14</a:t>
-            </a:r>
-          </a:p>
-        </p:txBody>
-      </p:sp>
-      <p:pic>
-        <p:nvPicPr>
-          <p:cNvPr id="21" name="Picture 20"/>
-          <p:cNvPicPr>
-            <a:picLocks noChangeAspect="1"/>
-          </p:cNvPicPr>
-          <p:nvPr/>
-        </p:nvPicPr>
-        <p:blipFill>
-          <a:blip r:embed="rId3" cstate="print">
-            <a:extLst>
-              <a:ext uri="{28A0092B-C50C-407E-A947-70E740481C1C}">
-                <a14:useLocalDpi xmlns:a14="http://schemas.microsoft.com/office/drawing/2010/main" val="0"/>
-              </a:ext>
-            </a:extLst>
-          </a:blip>
-          <a:stretch>
-            <a:fillRect/>
-          </a:stretch>
-        </p:blipFill>
-        <p:spPr>
-          <a:xfrm>
-            <a:off x="9674352" y="6099048"/>
-            <a:ext cx="1989410" cy="429768"/>
-          </a:xfrm>
-          <a:prstGeom prst="rect">
-            <a:avLst/>
-          </a:prstGeom>
-        </p:spPr>
-      </p:pic>
-    </p:spTree>
-    <p:extLst>
-      <p:ext uri="{BB962C8B-B14F-4D97-AF65-F5344CB8AC3E}">
-        <p14:creationId xmlns:p14="http://schemas.microsoft.com/office/powerpoint/2010/main" val="789587209"/>
-      </p:ext>
-    </p:extLst>
-  </p:cSld>
-  <p:clrMapOvr>
-    <a:masterClrMapping/>
-  </p:clrMapOvr>
-</p:sld>
-</file>
-
-<file path=ppt/slides/slide23.xml><?xml version="1.0" encoding="utf-8"?>
-<p:sld xmlns:a="http://schemas.openxmlformats.org/drawingml/2006/main" xmlns:r="http://schemas.openxmlformats.org/officeDocument/2006/relationships" xmlns:p="http://schemas.openxmlformats.org/presentationml/2006/main">
-  <p:cSld>
-    <p:bg>
-      <p:bgPr>
-        <a:solidFill>
-          <a:srgbClr val="FDFDFD"/>
-        </a:solidFill>
-        <a:effectLst/>
-      </p:bgPr>
-    </p:bg>
-    <p:spTree>
-      <p:nvGrpSpPr>
-        <p:cNvPr id="1" name=""/>
-        <p:cNvGrpSpPr/>
-        <p:nvPr/>
-      </p:nvGrpSpPr>
-      <p:grpSpPr>
-        <a:xfrm>
-          <a:off x="0" y="0"/>
-          <a:ext cx="0" cy="0"/>
-          <a:chOff x="0" y="0"/>
-          <a:chExt cx="0" cy="0"/>
-        </a:xfrm>
-      </p:grpSpPr>
-      <p:sp>
-        <p:nvSpPr>
-          <p:cNvPr id="9" name="TextBox 8">
-            <a:extLst>
-              <a:ext uri="{FF2B5EF4-FFF2-40B4-BE49-F238E27FC236}">
-                <a16:creationId xmlns:a16="http://schemas.microsoft.com/office/drawing/2014/main" id="{05EFE211-1D0D-4979-87E6-8967C2913C04}"/>
-              </a:ext>
-            </a:extLst>
-          </p:cNvPr>
-          <p:cNvSpPr txBox="1"/>
-          <p:nvPr/>
-        </p:nvSpPr>
-        <p:spPr>
-          <a:xfrm>
-            <a:off x="642479" y="1156906"/>
-            <a:ext cx="10907041" cy="861774"/>
-          </a:xfrm>
-          <a:prstGeom prst="rect">
-            <a:avLst/>
-          </a:prstGeom>
-          <a:noFill/>
-        </p:spPr>
-        <p:txBody>
-          <a:bodyPr wrap="square" rtlCol="0">
-            <a:spAutoFit/>
-          </a:bodyPr>
-          <a:lstStyle/>
-          <a:p>
-            <a:pPr algn="just"/>
-            <a:r>
-              <a:rPr lang="en-US" sz="2500" dirty="0">
-                <a:latin typeface="Nunito Sans" panose="00000500000000000000" pitchFamily="2" charset="0"/>
-              </a:rPr>
-              <a:t>If eleven members of a committee sit at a round table so that the President and Secretary always sit together, then the number of arrangements is</a:t>
-            </a:r>
-          </a:p>
-        </p:txBody>
-      </p:sp>
-      <p:sp>
-        <p:nvSpPr>
-          <p:cNvPr id="4" name="Rectangle 3">
-            <a:extLst>
-              <a:ext uri="{FF2B5EF4-FFF2-40B4-BE49-F238E27FC236}">
-                <a16:creationId xmlns:a16="http://schemas.microsoft.com/office/drawing/2014/main" id="{E5DD2504-B1FF-4F55-B4FA-4AEA19FF2DD8}"/>
-              </a:ext>
-            </a:extLst>
-          </p:cNvPr>
-          <p:cNvSpPr/>
-          <p:nvPr/>
-        </p:nvSpPr>
-        <p:spPr>
-          <a:xfrm>
-            <a:off x="657998" y="3200400"/>
-            <a:ext cx="696697" cy="621324"/>
-          </a:xfrm>
-          <a:prstGeom prst="rect">
-            <a:avLst/>
-          </a:prstGeom>
-          <a:noFill/>
-        </p:spPr>
-        <p:txBody>
-          <a:bodyPr wrap="square" lIns="91440" tIns="45720" rIns="91440" bIns="45720">
-            <a:spAutoFit/>
-          </a:bodyPr>
-          <a:lstStyle/>
-          <a:p>
-            <a:pPr>
-              <a:lnSpc>
-                <a:spcPct val="150000"/>
-              </a:lnSpc>
-            </a:pPr>
-            <a:r>
-              <a:rPr lang="en-US" sz="2500" b="1" dirty="0">
-                <a:latin typeface="Nunito Sans" panose="00000500000000000000" pitchFamily="2" charset="0"/>
-              </a:rPr>
-              <a:t>A)</a:t>
-            </a:r>
-          </a:p>
-        </p:txBody>
-      </p:sp>
-      <p:sp>
-        <p:nvSpPr>
-          <p:cNvPr id="16" name="Rectangle 15">
-            <a:extLst>
-              <a:ext uri="{FF2B5EF4-FFF2-40B4-BE49-F238E27FC236}">
-                <a16:creationId xmlns:a16="http://schemas.microsoft.com/office/drawing/2014/main" id="{72143B70-2774-4C1B-BA6C-0E2C89AD6E8B}"/>
-              </a:ext>
-            </a:extLst>
-          </p:cNvPr>
-          <p:cNvSpPr/>
-          <p:nvPr/>
-        </p:nvSpPr>
-        <p:spPr>
-          <a:xfrm>
-            <a:off x="647791" y="3775160"/>
-            <a:ext cx="696697" cy="621324"/>
-          </a:xfrm>
-          <a:prstGeom prst="rect">
-            <a:avLst/>
-          </a:prstGeom>
-          <a:noFill/>
-        </p:spPr>
-        <p:txBody>
-          <a:bodyPr wrap="square" lIns="91440" tIns="45720" rIns="91440" bIns="45720">
-            <a:spAutoFit/>
-          </a:bodyPr>
-          <a:lstStyle/>
-          <a:p>
-            <a:pPr>
-              <a:lnSpc>
-                <a:spcPct val="150000"/>
-              </a:lnSpc>
-            </a:pPr>
-            <a:r>
-              <a:rPr lang="en-US" sz="2500" b="1" dirty="0">
-                <a:latin typeface="Nunito Sans" panose="00000500000000000000" pitchFamily="2" charset="0"/>
-              </a:rPr>
-              <a:t>B)</a:t>
-            </a:r>
-          </a:p>
-        </p:txBody>
-      </p:sp>
-      <p:sp>
-        <p:nvSpPr>
-          <p:cNvPr id="17" name="Rectangle 16">
-            <a:extLst>
-              <a:ext uri="{FF2B5EF4-FFF2-40B4-BE49-F238E27FC236}">
-                <a16:creationId xmlns:a16="http://schemas.microsoft.com/office/drawing/2014/main" id="{E78CEF88-20C6-43F2-BCB5-DBF349A353D1}"/>
-              </a:ext>
-            </a:extLst>
-          </p:cNvPr>
-          <p:cNvSpPr/>
-          <p:nvPr/>
-        </p:nvSpPr>
-        <p:spPr>
-          <a:xfrm>
-            <a:off x="657998" y="4349920"/>
-            <a:ext cx="696697" cy="621324"/>
-          </a:xfrm>
-          <a:prstGeom prst="rect">
-            <a:avLst/>
-          </a:prstGeom>
-          <a:noFill/>
-        </p:spPr>
-        <p:txBody>
-          <a:bodyPr wrap="square" lIns="91440" tIns="45720" rIns="91440" bIns="45720">
-            <a:spAutoFit/>
-          </a:bodyPr>
-          <a:lstStyle/>
-          <a:p>
-            <a:pPr>
-              <a:lnSpc>
-                <a:spcPct val="150000"/>
-              </a:lnSpc>
-            </a:pPr>
-            <a:r>
-              <a:rPr lang="en-US" sz="2500" b="1" dirty="0">
-                <a:latin typeface="Nunito Sans" panose="00000500000000000000" pitchFamily="2" charset="0"/>
-              </a:rPr>
-              <a:t>C)</a:t>
-            </a:r>
-          </a:p>
-        </p:txBody>
-      </p:sp>
-      <p:sp>
-        <p:nvSpPr>
-          <p:cNvPr id="18" name="Rectangle 17">
-            <a:extLst>
-              <a:ext uri="{FF2B5EF4-FFF2-40B4-BE49-F238E27FC236}">
-                <a16:creationId xmlns:a16="http://schemas.microsoft.com/office/drawing/2014/main" id="{EFAD326F-7428-498A-82D3-321753462543}"/>
-              </a:ext>
-            </a:extLst>
-          </p:cNvPr>
-          <p:cNvSpPr/>
-          <p:nvPr/>
-        </p:nvSpPr>
-        <p:spPr>
-          <a:xfrm>
-            <a:off x="641928" y="4914129"/>
-            <a:ext cx="696697" cy="621324"/>
-          </a:xfrm>
-          <a:prstGeom prst="rect">
-            <a:avLst/>
-          </a:prstGeom>
-          <a:noFill/>
-        </p:spPr>
-        <p:txBody>
-          <a:bodyPr wrap="square" lIns="91440" tIns="45720" rIns="91440" bIns="45720">
-            <a:spAutoFit/>
-          </a:bodyPr>
-          <a:lstStyle/>
-          <a:p>
-            <a:pPr>
-              <a:lnSpc>
-                <a:spcPct val="150000"/>
-              </a:lnSpc>
-            </a:pPr>
-            <a:r>
-              <a:rPr lang="en-US" sz="2500" b="1" dirty="0">
-                <a:latin typeface="Nunito Sans" panose="00000500000000000000" pitchFamily="2" charset="0"/>
-              </a:rPr>
-              <a:t>D)</a:t>
-            </a:r>
-          </a:p>
-        </p:txBody>
-      </p:sp>
-      <p:sp>
-        <p:nvSpPr>
-          <p:cNvPr id="23" name="Rectangle 22">
-            <a:extLst>
-              <a:ext uri="{FF2B5EF4-FFF2-40B4-BE49-F238E27FC236}">
-                <a16:creationId xmlns:a16="http://schemas.microsoft.com/office/drawing/2014/main" id="{116C2E0D-93FB-4ADC-BC2B-83DFED946B7A}"/>
-              </a:ext>
-            </a:extLst>
-          </p:cNvPr>
-          <p:cNvSpPr/>
-          <p:nvPr/>
-        </p:nvSpPr>
-        <p:spPr>
-          <a:xfrm>
-            <a:off x="1456098" y="3200400"/>
-            <a:ext cx="10098317" cy="621324"/>
-          </a:xfrm>
-          <a:prstGeom prst="rect">
-            <a:avLst/>
-          </a:prstGeom>
-          <a:noFill/>
-        </p:spPr>
-        <p:txBody>
-          <a:bodyPr wrap="square" lIns="91440" tIns="45720" rIns="91440" bIns="45720">
-            <a:spAutoFit/>
-          </a:bodyPr>
-          <a:lstStyle/>
-          <a:p>
-            <a:pPr>
-              <a:lnSpc>
-                <a:spcPct val="150000"/>
-              </a:lnSpc>
-            </a:pPr>
-            <a:r>
-              <a:rPr lang="en-US" sz="2500" dirty="0">
-                <a:latin typeface="Nunito Sans" panose="00000500000000000000" pitchFamily="2" charset="0"/>
-              </a:rPr>
-              <a:t>10 ! ×2</a:t>
-            </a:r>
-            <a:endParaRPr lang="en-US" sz="2500" baseline="30000" dirty="0">
+              <a:t>15</a:t>
+            </a:r>
+            <a:endParaRPr lang="en-US" sz="4800" b="1" dirty="0">
+              <a:solidFill>
+                <a:schemeClr val="bg1"/>
+              </a:solidFill>
               <a:latin typeface="Nunito Sans" panose="00000500000000000000" pitchFamily="2" charset="0"/>
             </a:endParaRPr>
-          </a:p>
-        </p:txBody>
-      </p:sp>
-      <p:sp>
-        <p:nvSpPr>
-          <p:cNvPr id="24" name="Rectangle 23">
-            <a:extLst>
-              <a:ext uri="{FF2B5EF4-FFF2-40B4-BE49-F238E27FC236}">
-                <a16:creationId xmlns:a16="http://schemas.microsoft.com/office/drawing/2014/main" id="{F62FDC11-1E2D-428B-8217-CF9104F9B6D7}"/>
-              </a:ext>
-            </a:extLst>
-          </p:cNvPr>
-          <p:cNvSpPr/>
-          <p:nvPr/>
-        </p:nvSpPr>
-        <p:spPr>
-          <a:xfrm>
-            <a:off x="1445891" y="3775160"/>
-            <a:ext cx="10098317" cy="621324"/>
-          </a:xfrm>
-          <a:prstGeom prst="rect">
-            <a:avLst/>
-          </a:prstGeom>
-          <a:noFill/>
-        </p:spPr>
-        <p:txBody>
-          <a:bodyPr wrap="square" lIns="91440" tIns="45720" rIns="91440" bIns="45720">
-            <a:spAutoFit/>
-          </a:bodyPr>
-          <a:lstStyle/>
-          <a:p>
-            <a:pPr>
-              <a:lnSpc>
-                <a:spcPct val="150000"/>
-              </a:lnSpc>
-            </a:pPr>
-            <a:r>
-              <a:rPr lang="en-US" sz="2500" dirty="0">
-                <a:latin typeface="Nunito Sans" panose="00000500000000000000" pitchFamily="2" charset="0"/>
-              </a:rPr>
-              <a:t>10!</a:t>
-            </a:r>
-          </a:p>
-        </p:txBody>
-      </p:sp>
-      <p:sp>
-        <p:nvSpPr>
-          <p:cNvPr id="25" name="Rectangle 24">
-            <a:extLst>
-              <a:ext uri="{FF2B5EF4-FFF2-40B4-BE49-F238E27FC236}">
-                <a16:creationId xmlns:a16="http://schemas.microsoft.com/office/drawing/2014/main" id="{BEF40363-1296-4F6B-8656-D47D96B64330}"/>
-              </a:ext>
-            </a:extLst>
-          </p:cNvPr>
-          <p:cNvSpPr/>
-          <p:nvPr/>
-        </p:nvSpPr>
-        <p:spPr>
-          <a:xfrm>
-            <a:off x="1456098" y="4349920"/>
-            <a:ext cx="10098317" cy="621324"/>
-          </a:xfrm>
-          <a:prstGeom prst="rect">
-            <a:avLst/>
-          </a:prstGeom>
-          <a:noFill/>
-        </p:spPr>
-        <p:txBody>
-          <a:bodyPr wrap="square" lIns="91440" tIns="45720" rIns="91440" bIns="45720">
-            <a:spAutoFit/>
-          </a:bodyPr>
-          <a:lstStyle/>
-          <a:p>
-            <a:pPr>
-              <a:lnSpc>
-                <a:spcPct val="150000"/>
-              </a:lnSpc>
-            </a:pPr>
-            <a:r>
-              <a:rPr lang="en-US" sz="2500" dirty="0">
-                <a:latin typeface="Nunito Sans" panose="00000500000000000000" pitchFamily="2" charset="0"/>
-              </a:rPr>
-              <a:t>9! ×2</a:t>
-            </a:r>
-            <a:endParaRPr lang="en-US" sz="2500" baseline="30000" dirty="0">
-              <a:latin typeface="Nunito Sans" panose="00000500000000000000" pitchFamily="2" charset="0"/>
-            </a:endParaRPr>
-          </a:p>
-        </p:txBody>
-      </p:sp>
-      <p:sp>
-        <p:nvSpPr>
-          <p:cNvPr id="26" name="Rectangle 25">
-            <a:extLst>
-              <a:ext uri="{FF2B5EF4-FFF2-40B4-BE49-F238E27FC236}">
-                <a16:creationId xmlns:a16="http://schemas.microsoft.com/office/drawing/2014/main" id="{D95ABC10-15CF-488C-806F-94CE71FC878A}"/>
-              </a:ext>
-            </a:extLst>
-          </p:cNvPr>
-          <p:cNvSpPr/>
-          <p:nvPr/>
-        </p:nvSpPr>
-        <p:spPr>
-          <a:xfrm>
-            <a:off x="1440028" y="4914129"/>
-            <a:ext cx="10098317" cy="621324"/>
-          </a:xfrm>
-          <a:prstGeom prst="rect">
-            <a:avLst/>
-          </a:prstGeom>
-          <a:noFill/>
-        </p:spPr>
-        <p:txBody>
-          <a:bodyPr wrap="square" lIns="91440" tIns="45720" rIns="91440" bIns="45720">
-            <a:spAutoFit/>
-          </a:bodyPr>
-          <a:lstStyle/>
-          <a:p>
-            <a:pPr>
-              <a:lnSpc>
-                <a:spcPct val="150000"/>
-              </a:lnSpc>
-            </a:pPr>
-            <a:r>
-              <a:rPr lang="en-US" sz="2500" dirty="0">
-                <a:latin typeface="Nunito Sans" panose="00000500000000000000" pitchFamily="2" charset="0"/>
-              </a:rPr>
-              <a:t>None of these</a:t>
-            </a:r>
-          </a:p>
-        </p:txBody>
-      </p:sp>
-      <p:sp>
-        <p:nvSpPr>
-          <p:cNvPr id="19" name="Rectangle 18">
-            <a:extLst>
-              <a:ext uri="{FF2B5EF4-FFF2-40B4-BE49-F238E27FC236}">
-                <a16:creationId xmlns:a16="http://schemas.microsoft.com/office/drawing/2014/main" id="{BC5E04D4-0543-4484-B3B6-0DDB2FCDCEA4}"/>
-              </a:ext>
-            </a:extLst>
-          </p:cNvPr>
-          <p:cNvSpPr/>
-          <p:nvPr/>
-        </p:nvSpPr>
-        <p:spPr>
-          <a:xfrm>
-            <a:off x="0" y="0"/>
-            <a:ext cx="12192000" cy="883618"/>
-          </a:xfrm>
-          <a:prstGeom prst="rect">
-            <a:avLst/>
-          </a:prstGeom>
-          <a:solidFill>
-            <a:srgbClr val="F05136"/>
-          </a:solidFill>
-          <a:ln>
-            <a:noFill/>
-          </a:ln>
-        </p:spPr>
-        <p:style>
-          <a:lnRef idx="2">
-            <a:schemeClr val="accent1">
-              <a:shade val="50000"/>
-            </a:schemeClr>
-          </a:lnRef>
-          <a:fillRef idx="1">
-            <a:schemeClr val="accent1"/>
-          </a:fillRef>
-          <a:effectRef idx="0">
-            <a:schemeClr val="accent1"/>
-          </a:effectRef>
-          <a:fontRef idx="minor">
-            <a:schemeClr val="lt1"/>
-          </a:fontRef>
-        </p:style>
-        <p:txBody>
-          <a:bodyPr rtlCol="0" anchor="ctr"/>
-          <a:lstStyle/>
-          <a:p>
-            <a:pPr algn="ctr"/>
-            <a:endParaRPr lang="en-US"/>
-          </a:p>
-        </p:txBody>
-      </p:sp>
-      <p:sp>
-        <p:nvSpPr>
-          <p:cNvPr id="20" name="TextBox 19">
-            <a:extLst>
-              <a:ext uri="{FF2B5EF4-FFF2-40B4-BE49-F238E27FC236}">
-                <a16:creationId xmlns:a16="http://schemas.microsoft.com/office/drawing/2014/main" id="{8D2B7F5C-7E52-4144-8109-FAA3BD7AA776}"/>
-              </a:ext>
-            </a:extLst>
-          </p:cNvPr>
-          <p:cNvSpPr txBox="1"/>
-          <p:nvPr/>
-        </p:nvSpPr>
-        <p:spPr>
-          <a:xfrm>
-            <a:off x="3890150" y="228600"/>
-            <a:ext cx="7772400" cy="830997"/>
-          </a:xfrm>
-          <a:prstGeom prst="rect">
-            <a:avLst/>
-          </a:prstGeom>
-          <a:noFill/>
-        </p:spPr>
-        <p:txBody>
-          <a:bodyPr wrap="square" rtlCol="0">
-            <a:spAutoFit/>
-          </a:bodyPr>
-          <a:lstStyle/>
-          <a:p>
-            <a:pPr algn="r"/>
-            <a:r>
-              <a:rPr lang="en-US" sz="4800" b="1" dirty="0">
-                <a:solidFill>
-                  <a:schemeClr val="bg1"/>
-                </a:solidFill>
-                <a:latin typeface="Nunito Sans" panose="00000500000000000000" pitchFamily="2" charset="0"/>
-              </a:rPr>
-              <a:t>Question 15</a:t>
-            </a:r>
           </a:p>
         </p:txBody>
       </p:sp>
@@ -13572,10 +13647,17 @@
   <p:clrMapOvr>
     <a:masterClrMapping/>
   </p:clrMapOvr>
+  <p:timing>
+    <p:tnLst>
+      <p:par>
+        <p:cTn id="1" dur="indefinite" restart="never" nodeType="tmRoot"/>
+      </p:par>
+    </p:tnLst>
+  </p:timing>
 </p:sld>
 </file>
 
-<file path=ppt/slides/slide24.xml><?xml version="1.0" encoding="utf-8"?>
+<file path=ppt/slides/slide22.xml><?xml version="1.0" encoding="utf-8"?>
 <p:sld xmlns:a="http://schemas.openxmlformats.org/drawingml/2006/main" xmlns:r="http://schemas.openxmlformats.org/officeDocument/2006/relationships" xmlns:p="http://schemas.openxmlformats.org/presentationml/2006/main">
   <p:cSld>
     <p:spTree>
@@ -13757,6 +13839,13 @@
   <p:clrMapOvr>
     <a:masterClrMapping/>
   </p:clrMapOvr>
+  <p:timing>
+    <p:tnLst>
+      <p:par>
+        <p:cTn id="1" dur="indefinite" restart="never" nodeType="tmRoot"/>
+      </p:par>
+    </p:tnLst>
+  </p:timing>
 </p:sld>
 </file>
 
@@ -13810,7 +13899,7 @@
           </a:ln>
           <a:extLst>
             <a:ext uri="{C572A759-6A51-4108-AA02-DFA0A04FC94B}">
-              <ma14:wrappingTextBoxFlag xmlns="" xmlns:m="http://schemas.openxmlformats.org/officeDocument/2006/math" xmlns:a14="http://schemas.microsoft.com/office/drawing/2010/main" xmlns:ma14="http://schemas.microsoft.com/office/mac/drawingml/2011/main" val="1"/>
+              <ma14:wrappingTextBoxFlag xmlns:ma14="http://schemas.microsoft.com/office/mac/drawingml/2011/main" xmlns:a14="http://schemas.microsoft.com/office/drawing/2010/main" xmlns:m="http://schemas.openxmlformats.org/officeDocument/2006/math" xmlns="" val="1"/>
             </a:ext>
           </a:extLst>
         </p:spPr>
@@ -13881,6 +13970,13 @@
   <p:clrMapOvr>
     <a:masterClrMapping/>
   </p:clrMapOvr>
+  <p:timing>
+    <p:tnLst>
+      <p:par>
+        <p:cTn id="1" dur="indefinite" restart="never" nodeType="tmRoot"/>
+      </p:par>
+    </p:tnLst>
+  </p:timing>
 </p:sld>
 </file>
 
@@ -13939,7 +14035,7 @@
           <a:p>
             <a:pPr algn="just"/>
             <a:r>
-              <a:rPr lang="en-US" sz="2500" b="1" dirty="0">
+              <a:rPr lang="en-US" sz="2500" b="1" dirty="0" smtClean="0">
                 <a:latin typeface="Nunito Sans" panose="00000500000000000000" pitchFamily="2" charset="0"/>
               </a:rPr>
               <a:t>Circular Permutations:</a:t>
@@ -13954,7 +14050,7 @@
           <a:p>
             <a:pPr algn="just"/>
             <a:r>
-              <a:rPr lang="en-US" sz="2500" dirty="0">
+              <a:rPr lang="en-US" sz="2500" dirty="0" smtClean="0">
                 <a:latin typeface="Nunito Sans" panose="00000500000000000000" pitchFamily="2" charset="0"/>
               </a:rPr>
               <a:t>When ‘n’ items are arranged in a circle, the number of arrangements of these ‘n’ items compared to arranging them in a straight line will be lesser. This happens because, in a straight line, we can have two different arrangements namely ABCD and DABC, whereas in a circle these two arrangements will be considered the same. To calculate the number of permutations of ‘n’ items arranged in a circle , one element can be fixed and all the various arrangement around it can be calculated. </a:t>
@@ -13969,11 +14065,14 @@
           <a:p>
             <a:pPr algn="just"/>
             <a:r>
-              <a:rPr lang="en-US" sz="2500" dirty="0">
+              <a:rPr lang="en-US" sz="2500" dirty="0" smtClean="0">
                 <a:latin typeface="Nunito Sans" panose="00000500000000000000" pitchFamily="2" charset="0"/>
               </a:rPr>
               <a:t>For example, to calculate the number of ways in which five women (Rose, Jean, Marie, Lily and Amy) can sit around a table, we can first arrange them in a straight line. There are 5! Ways to arrange them. </a:t>
             </a:r>
+            <a:endParaRPr lang="en-US" sz="2500" dirty="0">
+              <a:latin typeface="Nunito Sans" panose="00000500000000000000" pitchFamily="2" charset="0"/>
+            </a:endParaRPr>
           </a:p>
         </p:txBody>
       </p:sp>
@@ -14110,6 +14209,13 @@
   <p:clrMapOvr>
     <a:masterClrMapping/>
   </p:clrMapOvr>
+  <p:timing>
+    <p:tnLst>
+      <p:par>
+        <p:cTn id="1" dur="indefinite" restart="never" nodeType="tmRoot"/>
+      </p:par>
+    </p:tnLst>
+  </p:timing>
 </p:sld>
 </file>
 
@@ -14295,6 +14401,13 @@
   <p:clrMapOvr>
     <a:masterClrMapping/>
   </p:clrMapOvr>
+  <p:timing>
+    <p:tnLst>
+      <p:par>
+        <p:cTn id="1" dur="indefinite" restart="never" nodeType="tmRoot"/>
+      </p:par>
+    </p:tnLst>
+  </p:timing>
 </p:sld>
 </file>
 
@@ -14353,10 +14466,22 @@
           <a:p>
             <a:pPr algn="just"/>
             <a:r>
+              <a:rPr lang="en-US" sz="2500" dirty="0" smtClean="0">
+                <a:latin typeface="Nunito Sans" panose="00000500000000000000" pitchFamily="2" charset="0"/>
+              </a:rPr>
+              <a:t>Thought the arrangements Rose-Jean-Lilly-Marie-Amy </a:t>
+            </a:r>
+            <a:r>
               <a:rPr lang="en-US" sz="2500" dirty="0">
                 <a:latin typeface="Nunito Sans" panose="00000500000000000000" pitchFamily="2" charset="0"/>
               </a:rPr>
-              <a:t>Thought the arrangements Rose-Jean-Lilly-Marie-Amy and Jean-Lilly-Marie-Amy-Rose are different, when arranged in a circular manner, they are same.</a:t>
+              <a:t>and </a:t>
+            </a:r>
+            <a:r>
+              <a:rPr lang="en-US" sz="2500" dirty="0" smtClean="0">
+                <a:latin typeface="Nunito Sans" panose="00000500000000000000" pitchFamily="2" charset="0"/>
+              </a:rPr>
+              <a:t>Jean-Lilly-Marie-Amy-Rose are different, when arranged in a circular manner, they are same.</a:t>
             </a:r>
           </a:p>
           <a:p>
@@ -14368,7 +14493,7 @@
           <a:p>
             <a:pPr algn="just"/>
             <a:r>
-              <a:rPr lang="en-US" sz="2500" dirty="0">
+              <a:rPr lang="en-US" sz="2500" dirty="0" smtClean="0">
                 <a:latin typeface="Nunito Sans" panose="00000500000000000000" pitchFamily="2" charset="0"/>
               </a:rPr>
               <a:t>If one of them, say Lilly, is fixed, the number of ways in which the other women can sit around her is equal to 4!.</a:t>
@@ -14386,24 +14511,24 @@
               <a:buAutoNum type="arabicPeriod"/>
             </a:pPr>
             <a:r>
-              <a:rPr lang="en-US" sz="2500" dirty="0">
+              <a:rPr lang="en-US" sz="2500" dirty="0" smtClean="0">
                 <a:latin typeface="Nunito Sans" panose="00000500000000000000" pitchFamily="2" charset="0"/>
               </a:rPr>
               <a:t>The number of ways in which ‘n’ distinct items can be arranged in a circle will be </a:t>
             </a:r>
             <a:r>
-              <a:rPr lang="en-US" sz="2500" b="1" dirty="0">
+              <a:rPr lang="en-US" sz="2500" b="1" dirty="0" smtClean="0">
                 <a:latin typeface="Nunito Sans" panose="00000500000000000000" pitchFamily="2" charset="0"/>
               </a:rPr>
               <a:t>(n-1)!</a:t>
             </a:r>
             <a:r>
-              <a:rPr lang="en-US" sz="2500" dirty="0">
+              <a:rPr lang="en-US" sz="2500" dirty="0" smtClean="0">
                 <a:latin typeface="Nunito Sans" panose="00000500000000000000" pitchFamily="2" charset="0"/>
               </a:rPr>
               <a:t>.</a:t>
             </a:r>
-            <a:endParaRPr lang="en-US" sz="2500" b="1" dirty="0">
+            <a:endParaRPr lang="en-US" sz="2500" b="1" dirty="0" smtClean="0">
               <a:latin typeface="Nunito Sans" panose="00000500000000000000" pitchFamily="2" charset="0"/>
             </a:endParaRPr>
           </a:p>
@@ -14413,23 +14538,26 @@
               <a:buAutoNum type="arabicPeriod"/>
             </a:pPr>
             <a:r>
-              <a:rPr lang="en-US" sz="2500" dirty="0">
+              <a:rPr lang="en-US" sz="2500" dirty="0" smtClean="0">
                 <a:latin typeface="Nunito Sans" panose="00000500000000000000" pitchFamily="2" charset="0"/>
               </a:rPr>
               <a:t>In certain cases, for example, jewels in a necklace or garlands, there is no difference between clockwise and anticlockwise arrangements. In those cases, the total possible arrangements are half of the original ways of arrangements, that is </a:t>
             </a:r>
             <a:r>
-              <a:rPr lang="en-US" sz="2500" b="1" dirty="0">
+              <a:rPr lang="en-US" sz="2500" b="1" dirty="0" smtClean="0">
                 <a:latin typeface="Nunito Sans" panose="00000500000000000000" pitchFamily="2" charset="0"/>
               </a:rPr>
               <a:t>[(n-1)!]/2</a:t>
             </a:r>
             <a:r>
-              <a:rPr lang="en-US" sz="2500" dirty="0">
+              <a:rPr lang="en-US" sz="2500" dirty="0" smtClean="0">
                 <a:latin typeface="Nunito Sans" panose="00000500000000000000" pitchFamily="2" charset="0"/>
               </a:rPr>
               <a:t>.</a:t>
             </a:r>
+            <a:endParaRPr lang="en-US" sz="2500" dirty="0">
+              <a:latin typeface="Nunito Sans" panose="00000500000000000000" pitchFamily="2" charset="0"/>
+            </a:endParaRPr>
           </a:p>
         </p:txBody>
       </p:sp>
@@ -14566,6 +14694,13 @@
   <p:clrMapOvr>
     <a:masterClrMapping/>
   </p:clrMapOvr>
+  <p:timing>
+    <p:tnLst>
+      <p:par>
+        <p:cTn id="1" dur="indefinite" restart="never" nodeType="tmRoot"/>
+      </p:par>
+    </p:tnLst>
+  </p:timing>
 </p:sld>
 </file>
 
@@ -15056,8 +15191,23 @@
                 </a:solidFill>
                 <a:latin typeface="Nunito Sans" panose="00000500000000000000" pitchFamily="2" charset="0"/>
               </a:rPr>
-              <a:t>Question 1</a:t>
-            </a:r>
+              <a:t>Question </a:t>
+            </a:r>
+            <a:r>
+              <a:rPr lang="en-US" sz="4800" b="1" dirty="0" smtClean="0">
+                <a:solidFill>
+                  <a:schemeClr val="bg1"/>
+                </a:solidFill>
+                <a:latin typeface="Nunito Sans" panose="00000500000000000000" pitchFamily="2" charset="0"/>
+              </a:rPr>
+              <a:t>1</a:t>
+            </a:r>
+            <a:endParaRPr lang="en-US" sz="4800" b="1" dirty="0">
+              <a:solidFill>
+                <a:schemeClr val="bg1"/>
+              </a:solidFill>
+              <a:latin typeface="Nunito Sans" panose="00000500000000000000" pitchFamily="2" charset="0"/>
+            </a:endParaRPr>
           </a:p>
         </p:txBody>
       </p:sp>
@@ -15101,6 +15251,13 @@
   <p:clrMapOvr>
     <a:masterClrMapping/>
   </p:clrMapOvr>
+  <p:timing>
+    <p:tnLst>
+      <p:par>
+        <p:cTn id="1" dur="indefinite" restart="never" nodeType="tmRoot"/>
+      </p:par>
+    </p:tnLst>
+  </p:timing>
 </p:sld>
 </file>
 
@@ -15591,8 +15748,23 @@
                 </a:solidFill>
                 <a:latin typeface="Nunito Sans" panose="00000500000000000000" pitchFamily="2" charset="0"/>
               </a:rPr>
-              <a:t>Question 2</a:t>
-            </a:r>
+              <a:t>Question </a:t>
+            </a:r>
+            <a:r>
+              <a:rPr lang="en-US" sz="4800" b="1" dirty="0" smtClean="0">
+                <a:solidFill>
+                  <a:schemeClr val="bg1"/>
+                </a:solidFill>
+                <a:latin typeface="Nunito Sans" panose="00000500000000000000" pitchFamily="2" charset="0"/>
+              </a:rPr>
+              <a:t>2</a:t>
+            </a:r>
+            <a:endParaRPr lang="en-US" sz="4800" b="1" dirty="0">
+              <a:solidFill>
+                <a:schemeClr val="bg1"/>
+              </a:solidFill>
+              <a:latin typeface="Nunito Sans" panose="00000500000000000000" pitchFamily="2" charset="0"/>
+            </a:endParaRPr>
           </a:p>
         </p:txBody>
       </p:sp>
@@ -15636,6 +15808,13 @@
   <p:clrMapOvr>
     <a:masterClrMapping/>
   </p:clrMapOvr>
+  <p:timing>
+    <p:tnLst>
+      <p:par>
+        <p:cTn id="1" dur="indefinite" restart="never" nodeType="tmRoot"/>
+      </p:par>
+    </p:tnLst>
+  </p:timing>
 </p:sld>
 </file>
 
@@ -15711,6 +15890,9 @@
               </a:rPr>
               <a:t> beads?</a:t>
             </a:r>
+            <a:endParaRPr lang="en-US" sz="2500" dirty="0">
+              <a:latin typeface="Nunito Sans" panose="00000500000000000000" pitchFamily="2" charset="0"/>
+            </a:endParaRPr>
           </a:p>
         </p:txBody>
       </p:sp>
@@ -15921,6 +16103,9 @@
               </a:rPr>
               <a:t>7!/2</a:t>
             </a:r>
+            <a:endParaRPr lang="en-US" sz="2500" dirty="0">
+              <a:latin typeface="Nunito Sans" panose="00000500000000000000" pitchFamily="2" charset="0"/>
+            </a:endParaRPr>
           </a:p>
         </p:txBody>
       </p:sp>
@@ -15963,6 +16148,9 @@
               </a:rPr>
               <a:t>8! x 2</a:t>
             </a:r>
+            <a:endParaRPr lang="en-US" sz="2500" dirty="0">
+              <a:latin typeface="Nunito Sans" panose="00000500000000000000" pitchFamily="2" charset="0"/>
+            </a:endParaRPr>
           </a:p>
         </p:txBody>
       </p:sp>
@@ -16005,6 +16193,9 @@
               </a:rPr>
               <a:t>8!/4</a:t>
             </a:r>
+            <a:endParaRPr lang="en-US" sz="2500" dirty="0">
+              <a:latin typeface="Nunito Sans" panose="00000500000000000000" pitchFamily="2" charset="0"/>
+            </a:endParaRPr>
           </a:p>
         </p:txBody>
       </p:sp>
@@ -16047,6 +16238,9 @@
               </a:rPr>
               <a:t>7!</a:t>
             </a:r>
+            <a:endParaRPr lang="en-US" sz="2500" dirty="0">
+              <a:latin typeface="Nunito Sans" panose="00000500000000000000" pitchFamily="2" charset="0"/>
+            </a:endParaRPr>
           </a:p>
         </p:txBody>
       </p:sp>
@@ -16138,8 +16332,23 @@
                 </a:solidFill>
                 <a:latin typeface="Nunito Sans" panose="00000500000000000000" pitchFamily="2" charset="0"/>
               </a:rPr>
-              <a:t>Question 3</a:t>
-            </a:r>
+              <a:t>Question </a:t>
+            </a:r>
+            <a:r>
+              <a:rPr lang="en-US" sz="4800" b="1" dirty="0" smtClean="0">
+                <a:solidFill>
+                  <a:schemeClr val="bg1"/>
+                </a:solidFill>
+                <a:latin typeface="Nunito Sans" panose="00000500000000000000" pitchFamily="2" charset="0"/>
+              </a:rPr>
+              <a:t>3</a:t>
+            </a:r>
+            <a:endParaRPr lang="en-US" sz="4800" b="1" dirty="0">
+              <a:solidFill>
+                <a:schemeClr val="bg1"/>
+              </a:solidFill>
+              <a:latin typeface="Nunito Sans" panose="00000500000000000000" pitchFamily="2" charset="0"/>
+            </a:endParaRPr>
           </a:p>
         </p:txBody>
       </p:sp>
@@ -16183,6 +16392,13 @@
   <p:clrMapOvr>
     <a:masterClrMapping/>
   </p:clrMapOvr>
+  <p:timing>
+    <p:tnLst>
+      <p:par>
+        <p:cTn id="1" dur="indefinite" restart="never" nodeType="tmRoot"/>
+      </p:par>
+    </p:tnLst>
+  </p:timing>
 </p:sld>
 </file>
 
